--- a/Host Firmware Tutorial.pptx
+++ b/Host Firmware Tutorial.pptx
@@ -22,22 +22,29 @@
     <p:sldId id="274" r:id="rId16"/>
     <p:sldId id="276" r:id="rId17"/>
     <p:sldId id="278" r:id="rId18"/>
-    <p:sldId id="283" r:id="rId19"/>
-    <p:sldId id="284" r:id="rId20"/>
-    <p:sldId id="277" r:id="rId21"/>
-    <p:sldId id="279" r:id="rId22"/>
-    <p:sldId id="280" r:id="rId23"/>
-    <p:sldId id="281" r:id="rId24"/>
-    <p:sldId id="282" r:id="rId25"/>
-    <p:sldId id="286" r:id="rId26"/>
-    <p:sldId id="287" r:id="rId27"/>
-    <p:sldId id="288" r:id="rId28"/>
-    <p:sldId id="289" r:id="rId29"/>
-    <p:sldId id="290" r:id="rId30"/>
-    <p:sldId id="292" r:id="rId31"/>
-    <p:sldId id="291" r:id="rId32"/>
-    <p:sldId id="265" r:id="rId33"/>
-    <p:sldId id="273" r:id="rId34"/>
+    <p:sldId id="284" r:id="rId19"/>
+    <p:sldId id="277" r:id="rId20"/>
+    <p:sldId id="279" r:id="rId21"/>
+    <p:sldId id="280" r:id="rId22"/>
+    <p:sldId id="281" r:id="rId23"/>
+    <p:sldId id="282" r:id="rId24"/>
+    <p:sldId id="286" r:id="rId25"/>
+    <p:sldId id="287" r:id="rId26"/>
+    <p:sldId id="288" r:id="rId27"/>
+    <p:sldId id="289" r:id="rId28"/>
+    <p:sldId id="290" r:id="rId29"/>
+    <p:sldId id="300" r:id="rId30"/>
+    <p:sldId id="291" r:id="rId31"/>
+    <p:sldId id="301" r:id="rId32"/>
+    <p:sldId id="293" r:id="rId33"/>
+    <p:sldId id="294" r:id="rId34"/>
+    <p:sldId id="295" r:id="rId35"/>
+    <p:sldId id="296" r:id="rId36"/>
+    <p:sldId id="297" r:id="rId37"/>
+    <p:sldId id="298" r:id="rId38"/>
+    <p:sldId id="299" r:id="rId39"/>
+    <p:sldId id="265" r:id="rId40"/>
+    <p:sldId id="273" r:id="rId41"/>
   </p:sldIdLst>
   <p:sldSz cx="12192000" cy="6858000"/>
   <p:notesSz cx="6858000" cy="9144000"/>
@@ -166,7 +173,6 @@
           <p14:sldIdLst>
             <p14:sldId id="276"/>
             <p14:sldId id="278"/>
-            <p14:sldId id="283"/>
             <p14:sldId id="284"/>
             <p14:sldId id="277"/>
             <p14:sldId id="279"/>
@@ -178,8 +184,20 @@
             <p14:sldId id="288"/>
             <p14:sldId id="289"/>
             <p14:sldId id="290"/>
-            <p14:sldId id="292"/>
+            <p14:sldId id="300"/>
             <p14:sldId id="291"/>
+          </p14:sldIdLst>
+        </p14:section>
+        <p14:section name="Adding QI-File" id="{7E32A981-F832-4642-894C-76CAFF8BFE8D}">
+          <p14:sldIdLst>
+            <p14:sldId id="301"/>
+            <p14:sldId id="293"/>
+            <p14:sldId id="294"/>
+            <p14:sldId id="295"/>
+            <p14:sldId id="296"/>
+            <p14:sldId id="297"/>
+            <p14:sldId id="298"/>
+            <p14:sldId id="299"/>
           </p14:sldIdLst>
         </p14:section>
         <p14:section name="Syncing" id="{84B79069-662C-4E43-9E7E-AC78CFA1AAD1}">
@@ -344,7 +362,7 @@
           <a:p>
             <a:fld id="{33BEA90A-ED50-48F3-8DBA-1EEEB5B38D46}" type="datetimeFigureOut">
               <a:rPr lang="en-US" smtClean="0"/>
-              <a:t>3/13/2020</a:t>
+              <a:t>3/16/2020</a:t>
             </a:fld>
             <a:endParaRPr lang="en-US"/>
           </a:p>
@@ -542,7 +560,7 @@
           <a:p>
             <a:fld id="{33BEA90A-ED50-48F3-8DBA-1EEEB5B38D46}" type="datetimeFigureOut">
               <a:rPr lang="en-US" smtClean="0"/>
-              <a:t>3/13/2020</a:t>
+              <a:t>3/16/2020</a:t>
             </a:fld>
             <a:endParaRPr lang="en-US"/>
           </a:p>
@@ -750,7 +768,7 @@
           <a:p>
             <a:fld id="{33BEA90A-ED50-48F3-8DBA-1EEEB5B38D46}" type="datetimeFigureOut">
               <a:rPr lang="en-US" smtClean="0"/>
-              <a:t>3/13/2020</a:t>
+              <a:t>3/16/2020</a:t>
             </a:fld>
             <a:endParaRPr lang="en-US"/>
           </a:p>
@@ -948,7 +966,7 @@
           <a:p>
             <a:fld id="{33BEA90A-ED50-48F3-8DBA-1EEEB5B38D46}" type="datetimeFigureOut">
               <a:rPr lang="en-US" smtClean="0"/>
-              <a:t>3/13/2020</a:t>
+              <a:t>3/16/2020</a:t>
             </a:fld>
             <a:endParaRPr lang="en-US"/>
           </a:p>
@@ -1223,7 +1241,7 @@
           <a:p>
             <a:fld id="{33BEA90A-ED50-48F3-8DBA-1EEEB5B38D46}" type="datetimeFigureOut">
               <a:rPr lang="en-US" smtClean="0"/>
-              <a:t>3/13/2020</a:t>
+              <a:t>3/16/2020</a:t>
             </a:fld>
             <a:endParaRPr lang="en-US"/>
           </a:p>
@@ -1488,7 +1506,7 @@
           <a:p>
             <a:fld id="{33BEA90A-ED50-48F3-8DBA-1EEEB5B38D46}" type="datetimeFigureOut">
               <a:rPr lang="en-US" smtClean="0"/>
-              <a:t>3/13/2020</a:t>
+              <a:t>3/16/2020</a:t>
             </a:fld>
             <a:endParaRPr lang="en-US"/>
           </a:p>
@@ -1900,7 +1918,7 @@
           <a:p>
             <a:fld id="{33BEA90A-ED50-48F3-8DBA-1EEEB5B38D46}" type="datetimeFigureOut">
               <a:rPr lang="en-US" smtClean="0"/>
-              <a:t>3/13/2020</a:t>
+              <a:t>3/16/2020</a:t>
             </a:fld>
             <a:endParaRPr lang="en-US"/>
           </a:p>
@@ -2041,7 +2059,7 @@
           <a:p>
             <a:fld id="{33BEA90A-ED50-48F3-8DBA-1EEEB5B38D46}" type="datetimeFigureOut">
               <a:rPr lang="en-US" smtClean="0"/>
-              <a:t>3/13/2020</a:t>
+              <a:t>3/16/2020</a:t>
             </a:fld>
             <a:endParaRPr lang="en-US"/>
           </a:p>
@@ -2154,7 +2172,7 @@
           <a:p>
             <a:fld id="{33BEA90A-ED50-48F3-8DBA-1EEEB5B38D46}" type="datetimeFigureOut">
               <a:rPr lang="en-US" smtClean="0"/>
-              <a:t>3/13/2020</a:t>
+              <a:t>3/16/2020</a:t>
             </a:fld>
             <a:endParaRPr lang="en-US"/>
           </a:p>
@@ -2465,7 +2483,7 @@
           <a:p>
             <a:fld id="{33BEA90A-ED50-48F3-8DBA-1EEEB5B38D46}" type="datetimeFigureOut">
               <a:rPr lang="en-US" smtClean="0"/>
-              <a:t>3/13/2020</a:t>
+              <a:t>3/16/2020</a:t>
             </a:fld>
             <a:endParaRPr lang="en-US"/>
           </a:p>
@@ -2753,7 +2771,7 @@
           <a:p>
             <a:fld id="{33BEA90A-ED50-48F3-8DBA-1EEEB5B38D46}" type="datetimeFigureOut">
               <a:rPr lang="en-US" smtClean="0"/>
-              <a:t>3/13/2020</a:t>
+              <a:t>3/16/2020</a:t>
             </a:fld>
             <a:endParaRPr lang="en-US"/>
           </a:p>
@@ -2994,7 +3012,7 @@
           <a:p>
             <a:fld id="{33BEA90A-ED50-48F3-8DBA-1EEEB5B38D46}" type="datetimeFigureOut">
               <a:rPr lang="en-US" smtClean="0"/>
-              <a:t>3/13/2020</a:t>
+              <a:t>3/16/2020</a:t>
             </a:fld>
             <a:endParaRPr lang="en-US"/>
           </a:p>
@@ -5616,9 +5634,15 @@
                 <a:solidFill>
                   <a:schemeClr val="accent5"/>
                 </a:solidFill>
+                <a:hlinkClick r:id="rId2" action="ppaction://hlinksldjump"/>
               </a:rPr>
               <a:t>sync options and policy</a:t>
             </a:r>
+            <a:endParaRPr lang="en-US" u="sng" dirty="0">
+              <a:solidFill>
+                <a:schemeClr val="accent5"/>
+              </a:solidFill>
+            </a:endParaRPr>
           </a:p>
         </p:txBody>
       </p:sp>
@@ -6592,7 +6616,22 @@
                 <a:ea typeface="+mj-ea"/>
                 <a:cs typeface="+mj-cs"/>
               </a:rPr>
-              <a:t>Prerequisites</a:t>
+              <a:t>Application</a:t>
+            </a:r>
+            <a:br>
+              <a:rPr lang="en-US" sz="4000" kern="1200" dirty="0">
+                <a:latin typeface="+mj-lt"/>
+                <a:ea typeface="+mj-ea"/>
+                <a:cs typeface="+mj-cs"/>
+              </a:rPr>
+            </a:br>
+            <a:r>
+              <a:rPr lang="en-US" sz="4000" kern="1200" dirty="0">
+                <a:latin typeface="+mj-lt"/>
+                <a:ea typeface="+mj-ea"/>
+                <a:cs typeface="+mj-cs"/>
+              </a:rPr>
+              <a:t>Description</a:t>
             </a:r>
           </a:p>
         </p:txBody>
@@ -6627,7 +6666,19 @@
           <a:p>
             <a:r>
               <a:rPr lang="en-US" sz="2400" dirty="0"/>
-              <a:t>Notecard Outbound Queue Host Firmware Tutorial</a:t>
+              <a:t>Poll the Notecard every 10sec</a:t>
+            </a:r>
+          </a:p>
+          <a:p>
+            <a:r>
+              <a:rPr lang="en-US" sz="2400" dirty="0"/>
+              <a:t>Check if a new note is available in inbound queue</a:t>
+            </a:r>
+          </a:p>
+          <a:p>
+            <a:r>
+              <a:rPr lang="en-US" sz="2400" dirty="0"/>
+              <a:t>Set the LED blink period according to value in the new note</a:t>
             </a:r>
           </a:p>
         </p:txBody>
@@ -6635,7 +6686,7 @@
     </p:spTree>
     <p:extLst>
       <p:ext uri="{BB962C8B-B14F-4D97-AF65-F5344CB8AC3E}">
-        <p14:creationId xmlns:p14="http://schemas.microsoft.com/office/powerpoint/2010/main" val="2982418375"/>
+        <p14:creationId xmlns:p14="http://schemas.microsoft.com/office/powerpoint/2010/main" val="4286206181"/>
       </p:ext>
     </p:extLst>
   </p:cSld>
@@ -6667,7 +6718,7 @@
           <p:cNvPr id="2" name="Title 1">
             <a:extLst>
               <a:ext uri="{FF2B5EF4-FFF2-40B4-BE49-F238E27FC236}">
-                <a16:creationId xmlns:a16="http://schemas.microsoft.com/office/drawing/2014/main" id="{DAC5130F-EEC7-4664-AA7F-5DCB577F69E4}"/>
+                <a16:creationId xmlns:a16="http://schemas.microsoft.com/office/drawing/2014/main" id="{0897419B-23E3-4F2C-B1CB-F95973E9AEF8}"/>
               </a:ext>
             </a:extLst>
           </p:cNvPr>
@@ -6678,51 +6729,24 @@
             <p:ph type="title"/>
           </p:nvPr>
         </p:nvSpPr>
-        <p:spPr>
-          <a:xfrm>
-            <a:off x="886968" y="1252728"/>
-            <a:ext cx="3493008" cy="4352544"/>
-          </a:xfrm>
-        </p:spPr>
+        <p:spPr/>
         <p:txBody>
-          <a:bodyPr vert="horz" lIns="91440" tIns="45720" rIns="91440" bIns="45720" rtlCol="0">
-            <a:normAutofit/>
-          </a:bodyPr>
+          <a:bodyPr/>
           <a:lstStyle/>
           <a:p>
-            <a:pPr algn="r"/>
-            <a:r>
-              <a:rPr lang="en-US" sz="4000" kern="1200" dirty="0">
-                <a:latin typeface="+mj-lt"/>
-                <a:ea typeface="+mj-ea"/>
-                <a:cs typeface="+mj-cs"/>
-              </a:rPr>
-              <a:t>Application</a:t>
-            </a:r>
-            <a:br>
-              <a:rPr lang="en-US" sz="4000" kern="1200" dirty="0">
-                <a:latin typeface="+mj-lt"/>
-                <a:ea typeface="+mj-ea"/>
-                <a:cs typeface="+mj-cs"/>
-              </a:rPr>
-            </a:br>
-            <a:r>
-              <a:rPr lang="en-US" sz="4000" kern="1200" dirty="0">
-                <a:latin typeface="+mj-lt"/>
-                <a:ea typeface="+mj-ea"/>
-                <a:cs typeface="+mj-cs"/>
-              </a:rPr>
-              <a:t>Description</a:t>
+            <a:r>
+              <a:rPr lang="en-US"/>
+              <a:t>General Workflow Steps</a:t>
             </a:r>
           </a:p>
         </p:txBody>
       </p:sp>
       <p:sp>
         <p:nvSpPr>
-          <p:cNvPr id="5" name="Content Placeholder 4">
-            <a:extLst>
-              <a:ext uri="{FF2B5EF4-FFF2-40B4-BE49-F238E27FC236}">
-                <a16:creationId xmlns:a16="http://schemas.microsoft.com/office/drawing/2014/main" id="{2C6CD077-E43E-491F-A74D-B5E330F9F254}"/>
+          <p:cNvPr id="3" name="Content Placeholder 2">
+            <a:extLst>
+              <a:ext uri="{FF2B5EF4-FFF2-40B4-BE49-F238E27FC236}">
+                <a16:creationId xmlns:a16="http://schemas.microsoft.com/office/drawing/2014/main" id="{05E99CD7-1147-4012-BFF2-65343CA7D30E}"/>
               </a:ext>
             </a:extLst>
           </p:cNvPr>
@@ -6733,33 +6757,50 @@
             <p:ph idx="1"/>
           </p:nvPr>
         </p:nvSpPr>
-        <p:spPr>
-          <a:xfrm>
-            <a:off x="5020056" y="811022"/>
-            <a:ext cx="5724144" cy="5248656"/>
-          </a:xfrm>
-        </p:spPr>
+        <p:spPr/>
         <p:txBody>
-          <a:bodyPr anchor="ctr">
-            <a:normAutofit/>
-          </a:bodyPr>
+          <a:bodyPr/>
           <a:lstStyle/>
           <a:p>
             <a:r>
-              <a:rPr lang="en-US" sz="2400" dirty="0"/>
-              <a:t>Poll the Notecard every 10sec</a:t>
-            </a:r>
-          </a:p>
-          <a:p>
-            <a:r>
-              <a:rPr lang="en-US" sz="2400" dirty="0"/>
-              <a:t>Check if a new note is available in inbound queue</a:t>
-            </a:r>
-          </a:p>
-          <a:p>
-            <a:r>
-              <a:rPr lang="en-US" sz="2400" dirty="0"/>
-              <a:t>Set the LED blink period according to value in the new note</a:t>
+              <a:rPr lang="en-US" dirty="0"/>
+              <a:t>Open the project</a:t>
+            </a:r>
+          </a:p>
+          <a:p>
+            <a:r>
+              <a:rPr lang="en-US" dirty="0"/>
+              <a:t>Check it will compile and download?</a:t>
+            </a:r>
+          </a:p>
+          <a:p>
+            <a:r>
+              <a:rPr lang="en-US" dirty="0"/>
+              <a:t>Configure Notecard Service</a:t>
+            </a:r>
+          </a:p>
+          <a:p>
+            <a:r>
+              <a:rPr lang="en-US" dirty="0"/>
+              <a:t>Request Inbound Notes</a:t>
+            </a:r>
+          </a:p>
+          <a:p>
+            <a:r>
+              <a:rPr lang="en-US" dirty="0"/>
+              <a:t>Process Inbound Notes</a:t>
+            </a:r>
+          </a:p>
+          <a:p>
+            <a:r>
+              <a:rPr lang="en-US" dirty="0"/>
+              <a:t>Force Sync</a:t>
+            </a:r>
+          </a:p>
+          <a:p>
+            <a:r>
+              <a:rPr lang="en-US" dirty="0"/>
+              <a:t>Enable periodic sync</a:t>
             </a:r>
           </a:p>
         </p:txBody>
@@ -6767,7 +6808,7 @@
     </p:spTree>
     <p:extLst>
       <p:ext uri="{BB962C8B-B14F-4D97-AF65-F5344CB8AC3E}">
-        <p14:creationId xmlns:p14="http://schemas.microsoft.com/office/powerpoint/2010/main" val="4286206181"/>
+        <p14:creationId xmlns:p14="http://schemas.microsoft.com/office/powerpoint/2010/main" val="1265857422"/>
       </p:ext>
     </p:extLst>
   </p:cSld>
@@ -7222,7 +7263,7 @@
           <p:cNvPr id="2" name="Title 1">
             <a:extLst>
               <a:ext uri="{FF2B5EF4-FFF2-40B4-BE49-F238E27FC236}">
-                <a16:creationId xmlns:a16="http://schemas.microsoft.com/office/drawing/2014/main" id="{0897419B-23E3-4F2C-B1CB-F95973E9AEF8}"/>
+                <a16:creationId xmlns:a16="http://schemas.microsoft.com/office/drawing/2014/main" id="{33B7621B-C1CA-4160-B716-F2B8B0A1103A}"/>
               </a:ext>
             </a:extLst>
           </p:cNvPr>
@@ -7239,8 +7280,8 @@
           <a:lstStyle/>
           <a:p>
             <a:r>
-              <a:rPr lang="en-US"/>
-              <a:t>General Workflow Steps</a:t>
+              <a:rPr lang="en-US" dirty="0"/>
+              <a:t>Open the project</a:t>
             </a:r>
           </a:p>
         </p:txBody>
@@ -7250,7 +7291,7 @@
           <p:cNvPr id="3" name="Content Placeholder 2">
             <a:extLst>
               <a:ext uri="{FF2B5EF4-FFF2-40B4-BE49-F238E27FC236}">
-                <a16:creationId xmlns:a16="http://schemas.microsoft.com/office/drawing/2014/main" id="{05E99CD7-1147-4012-BFF2-65343CA7D30E}"/>
+                <a16:creationId xmlns:a16="http://schemas.microsoft.com/office/drawing/2014/main" id="{80FCFE63-CE04-4DC7-81D5-E8E3476F13C2}"/>
               </a:ext>
             </a:extLst>
           </p:cNvPr>
@@ -7266,53 +7307,14 @@
           <a:bodyPr/>
           <a:lstStyle/>
           <a:p>
-            <a:r>
-              <a:rPr lang="en-US" dirty="0"/>
-              <a:t>Open the project</a:t>
-            </a:r>
-          </a:p>
-          <a:p>
-            <a:r>
-              <a:rPr lang="en-US" dirty="0"/>
-              <a:t>Check it will compile and download?</a:t>
-            </a:r>
-          </a:p>
-          <a:p>
-            <a:r>
-              <a:rPr lang="en-US" dirty="0"/>
-              <a:t>Configure Notecard Service</a:t>
-            </a:r>
-          </a:p>
-          <a:p>
-            <a:r>
-              <a:rPr lang="en-US" dirty="0"/>
-              <a:t>Request Inbound Notes</a:t>
-            </a:r>
-          </a:p>
-          <a:p>
-            <a:r>
-              <a:rPr lang="en-US" dirty="0"/>
-              <a:t>Process Inbound Notes</a:t>
-            </a:r>
-          </a:p>
-          <a:p>
-            <a:r>
-              <a:rPr lang="en-US" dirty="0"/>
-              <a:t>Force Sync</a:t>
-            </a:r>
-          </a:p>
-          <a:p>
-            <a:r>
-              <a:rPr lang="en-US" dirty="0"/>
-              <a:t>Enable periodic sync</a:t>
-            </a:r>
+            <a:endParaRPr lang="en-US"/>
           </a:p>
         </p:txBody>
       </p:sp>
     </p:spTree>
     <p:extLst>
       <p:ext uri="{BB962C8B-B14F-4D97-AF65-F5344CB8AC3E}">
-        <p14:creationId xmlns:p14="http://schemas.microsoft.com/office/powerpoint/2010/main" val="1265857422"/>
+        <p14:creationId xmlns:p14="http://schemas.microsoft.com/office/powerpoint/2010/main" val="907716235"/>
       </p:ext>
     </p:extLst>
   </p:cSld>
@@ -7344,89 +7346,6 @@
           <p:cNvPr id="2" name="Title 1">
             <a:extLst>
               <a:ext uri="{FF2B5EF4-FFF2-40B4-BE49-F238E27FC236}">
-                <a16:creationId xmlns:a16="http://schemas.microsoft.com/office/drawing/2014/main" id="{33B7621B-C1CA-4160-B716-F2B8B0A1103A}"/>
-              </a:ext>
-            </a:extLst>
-          </p:cNvPr>
-          <p:cNvSpPr>
-            <a:spLocks noGrp="1"/>
-          </p:cNvSpPr>
-          <p:nvPr>
-            <p:ph type="title"/>
-          </p:nvPr>
-        </p:nvSpPr>
-        <p:spPr/>
-        <p:txBody>
-          <a:bodyPr/>
-          <a:lstStyle/>
-          <a:p>
-            <a:r>
-              <a:rPr lang="en-US" dirty="0"/>
-              <a:t>Open the project</a:t>
-            </a:r>
-          </a:p>
-        </p:txBody>
-      </p:sp>
-      <p:sp>
-        <p:nvSpPr>
-          <p:cNvPr id="3" name="Content Placeholder 2">
-            <a:extLst>
-              <a:ext uri="{FF2B5EF4-FFF2-40B4-BE49-F238E27FC236}">
-                <a16:creationId xmlns:a16="http://schemas.microsoft.com/office/drawing/2014/main" id="{80FCFE63-CE04-4DC7-81D5-E8E3476F13C2}"/>
-              </a:ext>
-            </a:extLst>
-          </p:cNvPr>
-          <p:cNvSpPr>
-            <a:spLocks noGrp="1"/>
-          </p:cNvSpPr>
-          <p:nvPr>
-            <p:ph idx="1"/>
-          </p:nvPr>
-        </p:nvSpPr>
-        <p:spPr/>
-        <p:txBody>
-          <a:bodyPr/>
-          <a:lstStyle/>
-          <a:p>
-            <a:endParaRPr lang="en-US"/>
-          </a:p>
-        </p:txBody>
-      </p:sp>
-    </p:spTree>
-    <p:extLst>
-      <p:ext uri="{BB962C8B-B14F-4D97-AF65-F5344CB8AC3E}">
-        <p14:creationId xmlns:p14="http://schemas.microsoft.com/office/powerpoint/2010/main" val="907716235"/>
-      </p:ext>
-    </p:extLst>
-  </p:cSld>
-  <p:clrMapOvr>
-    <a:masterClrMapping/>
-  </p:clrMapOvr>
-</p:sld>
-</file>
-
-<file path=ppt/slides/slide22.xml><?xml version="1.0" encoding="utf-8"?>
-<p:sld xmlns:a="http://schemas.openxmlformats.org/drawingml/2006/main" xmlns:r="http://schemas.openxmlformats.org/officeDocument/2006/relationships" xmlns:p="http://schemas.openxmlformats.org/presentationml/2006/main">
-  <p:cSld>
-    <p:spTree>
-      <p:nvGrpSpPr>
-        <p:cNvPr id="1" name=""/>
-        <p:cNvGrpSpPr/>
-        <p:nvPr/>
-      </p:nvGrpSpPr>
-      <p:grpSpPr>
-        <a:xfrm>
-          <a:off x="0" y="0"/>
-          <a:ext cx="0" cy="0"/>
-          <a:chOff x="0" y="0"/>
-          <a:chExt cx="0" cy="0"/>
-        </a:xfrm>
-      </p:grpSpPr>
-      <p:sp>
-        <p:nvSpPr>
-          <p:cNvPr id="2" name="Title 1">
-            <a:extLst>
-              <a:ext uri="{FF2B5EF4-FFF2-40B4-BE49-F238E27FC236}">
                 <a16:creationId xmlns:a16="http://schemas.microsoft.com/office/drawing/2014/main" id="{3559B985-37C9-44AD-ACD2-03F0C94D2D13}"/>
               </a:ext>
             </a:extLst>
@@ -7491,7 +7410,7 @@
 </p:sld>
 </file>
 
-<file path=ppt/slides/slide23.xml><?xml version="1.0" encoding="utf-8"?>
+<file path=ppt/slides/slide22.xml><?xml version="1.0" encoding="utf-8"?>
 <p:sld xmlns:a="http://schemas.openxmlformats.org/drawingml/2006/main" xmlns:r="http://schemas.openxmlformats.org/officeDocument/2006/relationships" xmlns:p="http://schemas.openxmlformats.org/presentationml/2006/main">
   <p:cSld>
     <p:spTree>
@@ -7868,7 +7787,7 @@
 </p:sld>
 </file>
 
-<file path=ppt/slides/slide24.xml><?xml version="1.0" encoding="utf-8"?>
+<file path=ppt/slides/slide23.xml><?xml version="1.0" encoding="utf-8"?>
 <p:sld xmlns:a="http://schemas.openxmlformats.org/drawingml/2006/main" xmlns:r="http://schemas.openxmlformats.org/officeDocument/2006/relationships" xmlns:p="http://schemas.openxmlformats.org/presentationml/2006/main">
   <p:cSld>
     <p:spTree>
@@ -7959,9 +7878,15 @@
                 <a:solidFill>
                   <a:schemeClr val="accent5"/>
                 </a:solidFill>
+                <a:hlinkClick r:id="rId2" action="ppaction://hlinksldjump"/>
               </a:rPr>
               <a:t>sync options</a:t>
             </a:r>
+            <a:endParaRPr lang="en-US" u="sng" dirty="0">
+              <a:solidFill>
+                <a:schemeClr val="accent5"/>
+              </a:solidFill>
+            </a:endParaRPr>
           </a:p>
         </p:txBody>
       </p:sp>
@@ -8424,7 +8349,7 @@
 </p:sld>
 </file>
 
-<file path=ppt/slides/slide25.xml><?xml version="1.0" encoding="utf-8"?>
+<file path=ppt/slides/slide24.xml><?xml version="1.0" encoding="utf-8"?>
 <p:sld xmlns:a="http://schemas.openxmlformats.org/drawingml/2006/main" xmlns:r="http://schemas.openxmlformats.org/officeDocument/2006/relationships" xmlns:p="http://schemas.openxmlformats.org/presentationml/2006/main">
   <p:cSld>
     <p:spTree>
@@ -8742,7 +8667,43 @@
                   </a:solidFill>
                   <a:latin typeface="Consolas" panose="020B0609020204030204" pitchFamily="49" charset="0"/>
                 </a:rPr>
-                <a:t>, INBOUND_QUEUE_NOTEFILE);</a:t>
+                <a:t>, </a:t>
+              </a:r>
+              <a:r>
+                <a:rPr lang="en-US" sz="1600" dirty="0">
+                  <a:solidFill>
+                    <a:srgbClr val="CE9178"/>
+                  </a:solidFill>
+                  <a:latin typeface="Consolas" panose="020B0609020204030204" pitchFamily="49" charset="0"/>
+                </a:rPr>
+                <a:t>"led-</a:t>
+              </a:r>
+              <a:r>
+                <a:rPr lang="en-US" sz="1600" dirty="0" err="1">
+                  <a:solidFill>
+                    <a:srgbClr val="CE9178"/>
+                  </a:solidFill>
+                  <a:latin typeface="Consolas" panose="020B0609020204030204" pitchFamily="49" charset="0"/>
+                </a:rPr>
+                <a:t>command.qi</a:t>
+              </a:r>
+              <a:r>
+                <a:rPr lang="en-US" sz="1600" dirty="0">
+                  <a:solidFill>
+                    <a:srgbClr val="CE9178"/>
+                  </a:solidFill>
+                  <a:latin typeface="Consolas" panose="020B0609020204030204" pitchFamily="49" charset="0"/>
+                </a:rPr>
+                <a:t>"</a:t>
+              </a:r>
+              <a:r>
+                <a:rPr lang="en-US" sz="1600" dirty="0">
+                  <a:solidFill>
+                    <a:srgbClr val="D4D4D4"/>
+                  </a:solidFill>
+                  <a:latin typeface="Consolas" panose="020B0609020204030204" pitchFamily="49" charset="0"/>
+                </a:rPr>
+                <a:t>);</a:t>
               </a:r>
             </a:p>
             <a:p>
@@ -8825,7 +8786,7 @@
 </p:sld>
 </file>
 
-<file path=ppt/slides/slide26.xml><?xml version="1.0" encoding="utf-8"?>
+<file path=ppt/slides/slide25.xml><?xml version="1.0" encoding="utf-8"?>
 <p:sld xmlns:a="http://schemas.openxmlformats.org/drawingml/2006/main" xmlns:r="http://schemas.openxmlformats.org/officeDocument/2006/relationships" xmlns:p="http://schemas.openxmlformats.org/presentationml/2006/main">
   <p:cSld>
     <p:spTree>
@@ -9184,7 +9145,7 @@
 </p:sld>
 </file>
 
-<file path=ppt/slides/slide27.xml><?xml version="1.0" encoding="utf-8"?>
+<file path=ppt/slides/slide26.xml><?xml version="1.0" encoding="utf-8"?>
 <p:sld xmlns:a="http://schemas.openxmlformats.org/drawingml/2006/main" xmlns:r="http://schemas.openxmlformats.org/officeDocument/2006/relationships" xmlns:p="http://schemas.openxmlformats.org/presentationml/2006/main">
   <p:cSld>
     <p:spTree>
@@ -9252,7 +9213,7 @@
           <a:p>
             <a:r>
               <a:rPr lang="en-US" dirty="0"/>
-              <a:t>If the response contains an error code, we assume the error is, there are no more notes available and exit the </a:t>
+              <a:t>If the response contains an error code, we assume the error is: there are no more notes available. And exit the </a:t>
             </a:r>
             <a:r>
               <a:rPr lang="en-US" dirty="0">
@@ -9606,7 +9567,7 @@
 </p:sld>
 </file>
 
-<file path=ppt/slides/slide28.xml><?xml version="1.0" encoding="utf-8"?>
+<file path=ppt/slides/slide27.xml><?xml version="1.0" encoding="utf-8"?>
 <p:sld xmlns:a="http://schemas.openxmlformats.org/drawingml/2006/main" xmlns:r="http://schemas.openxmlformats.org/officeDocument/2006/relationships" xmlns:p="http://schemas.openxmlformats.org/presentationml/2006/main">
   <p:cSld>
     <p:spTree>
@@ -10034,7 +9995,7 @@
 </p:sld>
 </file>
 
-<file path=ppt/slides/slide29.xml><?xml version="1.0" encoding="utf-8"?>
+<file path=ppt/slides/slide28.xml><?xml version="1.0" encoding="utf-8"?>
 <p:sld xmlns:a="http://schemas.openxmlformats.org/drawingml/2006/main" xmlns:r="http://schemas.openxmlformats.org/officeDocument/2006/relationships" xmlns:p="http://schemas.openxmlformats.org/presentationml/2006/main">
   <p:cSld>
     <p:spTree>
@@ -10576,6 +10537,913 @@
 </p:sld>
 </file>
 
+<file path=ppt/slides/slide29.xml><?xml version="1.0" encoding="utf-8"?>
+<p:sld xmlns:a="http://schemas.openxmlformats.org/drawingml/2006/main" xmlns:r="http://schemas.openxmlformats.org/officeDocument/2006/relationships" xmlns:p="http://schemas.openxmlformats.org/presentationml/2006/main">
+  <p:cSld>
+    <p:spTree>
+      <p:nvGrpSpPr>
+        <p:cNvPr id="1" name=""/>
+        <p:cNvGrpSpPr/>
+        <p:nvPr/>
+      </p:nvGrpSpPr>
+      <p:grpSpPr>
+        <a:xfrm>
+          <a:off x="0" y="0"/>
+          <a:ext cx="0" cy="0"/>
+          <a:chOff x="0" y="0"/>
+          <a:chExt cx="0" cy="0"/>
+        </a:xfrm>
+      </p:grpSpPr>
+      <p:sp>
+        <p:nvSpPr>
+          <p:cNvPr id="4" name="Title 3">
+            <a:extLst>
+              <a:ext uri="{FF2B5EF4-FFF2-40B4-BE49-F238E27FC236}">
+                <a16:creationId xmlns:a16="http://schemas.microsoft.com/office/drawing/2014/main" id="{5FF723F9-A261-464E-8F90-5808671D53F3}"/>
+              </a:ext>
+            </a:extLst>
+          </p:cNvPr>
+          <p:cNvSpPr>
+            <a:spLocks noGrp="1"/>
+          </p:cNvSpPr>
+          <p:nvPr>
+            <p:ph type="title"/>
+          </p:nvPr>
+        </p:nvSpPr>
+        <p:spPr/>
+        <p:txBody>
+          <a:bodyPr/>
+          <a:lstStyle/>
+          <a:p>
+            <a:r>
+              <a:rPr lang="en-US" dirty="0"/>
+              <a:t>Send LED Blink Period from </a:t>
+            </a:r>
+            <a:r>
+              <a:rPr lang="en-US" dirty="0" err="1"/>
+              <a:t>Notehub</a:t>
+            </a:r>
+            <a:br>
+              <a:rPr lang="en-US" dirty="0"/>
+            </a:br>
+            <a:r>
+              <a:rPr lang="en-US" sz="2000" dirty="0">
+                <a:solidFill>
+                  <a:schemeClr val="tx1">
+                    <a:lumMod val="65000"/>
+                    <a:lumOff val="35000"/>
+                  </a:schemeClr>
+                </a:solidFill>
+              </a:rPr>
+              <a:t>using </a:t>
+            </a:r>
+            <a:r>
+              <a:rPr lang="en-US" sz="2000" dirty="0" err="1">
+                <a:solidFill>
+                  <a:schemeClr val="tx1">
+                    <a:lumMod val="65000"/>
+                    <a:lumOff val="35000"/>
+                  </a:schemeClr>
+                </a:solidFill>
+              </a:rPr>
+              <a:t>cURL</a:t>
+            </a:r>
+            <a:endParaRPr lang="en-US" dirty="0">
+              <a:solidFill>
+                <a:schemeClr val="tx1">
+                  <a:lumMod val="65000"/>
+                  <a:lumOff val="35000"/>
+                </a:schemeClr>
+              </a:solidFill>
+            </a:endParaRPr>
+          </a:p>
+        </p:txBody>
+      </p:sp>
+      <p:sp>
+        <p:nvSpPr>
+          <p:cNvPr id="6" name="Text Placeholder 5">
+            <a:extLst>
+              <a:ext uri="{FF2B5EF4-FFF2-40B4-BE49-F238E27FC236}">
+                <a16:creationId xmlns:a16="http://schemas.microsoft.com/office/drawing/2014/main" id="{45E49C6F-29E5-4381-9497-6FBCFC64D748}"/>
+              </a:ext>
+            </a:extLst>
+          </p:cNvPr>
+          <p:cNvSpPr>
+            <a:spLocks noGrp="1"/>
+          </p:cNvSpPr>
+          <p:nvPr>
+            <p:ph type="body" sz="half" idx="2"/>
+          </p:nvPr>
+        </p:nvSpPr>
+        <p:spPr/>
+        <p:txBody>
+          <a:bodyPr>
+            <a:normAutofit/>
+          </a:bodyPr>
+          <a:lstStyle/>
+          <a:p>
+            <a:endParaRPr lang="en-US" dirty="0"/>
+          </a:p>
+          <a:p>
+            <a:pPr marL="342900" indent="-342900">
+              <a:buAutoNum type="arabicPeriod"/>
+            </a:pPr>
+            <a:r>
+              <a:rPr lang="en-US" dirty="0"/>
+              <a:t>Open system command prompt</a:t>
+            </a:r>
+          </a:p>
+          <a:p>
+            <a:pPr marL="342900" indent="-342900">
+              <a:buAutoNum type="arabicPeriod"/>
+            </a:pPr>
+            <a:r>
+              <a:rPr lang="en-US" dirty="0"/>
+              <a:t>Enter </a:t>
+            </a:r>
+            <a:r>
+              <a:rPr lang="en-US" dirty="0" err="1"/>
+              <a:t>cURL</a:t>
+            </a:r>
+            <a:r>
+              <a:rPr lang="en-US" dirty="0"/>
+              <a:t> command as shown on the right</a:t>
+            </a:r>
+          </a:p>
+          <a:p>
+            <a:r>
+              <a:rPr lang="en-US" dirty="0"/>
+              <a:t>Replace &lt;</a:t>
+            </a:r>
+            <a:r>
+              <a:rPr lang="en-US" dirty="0" err="1"/>
+              <a:t>app_id</a:t>
+            </a:r>
+            <a:r>
+              <a:rPr lang="en-US" dirty="0"/>
+              <a:t>&gt; and &lt;</a:t>
+            </a:r>
+            <a:r>
+              <a:rPr lang="en-US" dirty="0" err="1"/>
+              <a:t>device_id</a:t>
+            </a:r>
+            <a:r>
+              <a:rPr lang="en-US" dirty="0"/>
+              <a:t>&gt; with values for your specific Notehub.io project and Notecard device.</a:t>
+            </a:r>
+          </a:p>
+          <a:p>
+            <a:endParaRPr lang="en-US" dirty="0"/>
+          </a:p>
+          <a:p>
+            <a:r>
+              <a:rPr lang="en-US" dirty="0">
+                <a:hlinkClick r:id="rId2" action="ppaction://hlinksldjump"/>
+              </a:rPr>
+              <a:t>More info</a:t>
+            </a:r>
+            <a:endParaRPr lang="en-US" dirty="0"/>
+          </a:p>
+          <a:p>
+            <a:endParaRPr lang="en-US" dirty="0"/>
+          </a:p>
+          <a:p>
+            <a:pPr lvl="1"/>
+            <a:endParaRPr lang="en-US" dirty="0"/>
+          </a:p>
+          <a:p>
+            <a:pPr lvl="1"/>
+            <a:endParaRPr lang="en-US" dirty="0"/>
+          </a:p>
+          <a:p>
+            <a:pPr marL="342900" indent="-342900">
+              <a:buAutoNum type="arabicPeriod"/>
+            </a:pPr>
+            <a:endParaRPr lang="en-US" dirty="0"/>
+          </a:p>
+        </p:txBody>
+      </p:sp>
+      <p:graphicFrame>
+        <p:nvGraphicFramePr>
+          <p:cNvPr id="11" name="Table 11">
+            <a:extLst>
+              <a:ext uri="{FF2B5EF4-FFF2-40B4-BE49-F238E27FC236}">
+                <a16:creationId xmlns:a16="http://schemas.microsoft.com/office/drawing/2014/main" id="{CECF9721-00FC-4ECC-8663-C4A536008148}"/>
+              </a:ext>
+            </a:extLst>
+          </p:cNvPr>
+          <p:cNvGraphicFramePr>
+            <a:graphicFrameLocks noGrp="1"/>
+          </p:cNvGraphicFramePr>
+          <p:nvPr>
+            <p:ph idx="1"/>
+            <p:extLst>
+              <p:ext uri="{D42A27DB-BD31-4B8C-83A1-F6EECF244321}">
+                <p14:modId xmlns:p14="http://schemas.microsoft.com/office/powerpoint/2010/main" val="3320378837"/>
+              </p:ext>
+            </p:extLst>
+          </p:nvPr>
+        </p:nvGraphicFramePr>
+        <p:xfrm>
+          <a:off x="5183188" y="987425"/>
+          <a:ext cx="6172200" cy="1112520"/>
+        </p:xfrm>
+        <a:graphic>
+          <a:graphicData uri="http://schemas.openxmlformats.org/drawingml/2006/table">
+            <a:tbl>
+              <a:tblPr firstRow="1" bandRow="1">
+                <a:tableStyleId>{7E9639D4-E3E2-4D34-9284-5A2195B3D0D7}</a:tableStyleId>
+              </a:tblPr>
+              <a:tblGrid>
+                <a:gridCol w="1120429">
+                  <a:extLst>
+                    <a:ext uri="{9D8B030D-6E8A-4147-A177-3AD203B41FA5}">
+                      <a16:colId xmlns:a16="http://schemas.microsoft.com/office/drawing/2014/main" val="389613337"/>
+                    </a:ext>
+                  </a:extLst>
+                </a:gridCol>
+                <a:gridCol w="2080592">
+                  <a:extLst>
+                    <a:ext uri="{9D8B030D-6E8A-4147-A177-3AD203B41FA5}">
+                      <a16:colId xmlns:a16="http://schemas.microsoft.com/office/drawing/2014/main" val="1529368550"/>
+                    </a:ext>
+                  </a:extLst>
+                </a:gridCol>
+                <a:gridCol w="2971179">
+                  <a:extLst>
+                    <a:ext uri="{9D8B030D-6E8A-4147-A177-3AD203B41FA5}">
+                      <a16:colId xmlns:a16="http://schemas.microsoft.com/office/drawing/2014/main" val="1662634098"/>
+                    </a:ext>
+                  </a:extLst>
+                </a:gridCol>
+              </a:tblGrid>
+              <a:tr h="370840">
+                <a:tc>
+                  <a:txBody>
+                    <a:bodyPr/>
+                    <a:lstStyle/>
+                    <a:p>
+                      <a:endParaRPr lang="en-US" sz="1100" dirty="0"/>
+                    </a:p>
+                  </a:txBody>
+                  <a:tcPr/>
+                </a:tc>
+                <a:tc>
+                  <a:txBody>
+                    <a:bodyPr/>
+                    <a:lstStyle/>
+                    <a:p>
+                      <a:r>
+                        <a:rPr lang="en-US" sz="1100" dirty="0"/>
+                        <a:t>Description</a:t>
+                      </a:r>
+                    </a:p>
+                  </a:txBody>
+                  <a:tcPr/>
+                </a:tc>
+                <a:tc>
+                  <a:txBody>
+                    <a:bodyPr/>
+                    <a:lstStyle/>
+                    <a:p>
+                      <a:r>
+                        <a:rPr lang="en-US" sz="1100" dirty="0"/>
+                        <a:t>Example</a:t>
+                      </a:r>
+                    </a:p>
+                  </a:txBody>
+                  <a:tcPr/>
+                </a:tc>
+                <a:extLst>
+                  <a:ext uri="{0D108BD9-81ED-4DB2-BD59-A6C34878D82A}">
+                    <a16:rowId xmlns:a16="http://schemas.microsoft.com/office/drawing/2014/main" val="1013526946"/>
+                  </a:ext>
+                </a:extLst>
+              </a:tr>
+              <a:tr h="370840">
+                <a:tc>
+                  <a:txBody>
+                    <a:bodyPr/>
+                    <a:lstStyle/>
+                    <a:p>
+                      <a:r>
+                        <a:rPr lang="en-US" sz="1100" dirty="0"/>
+                        <a:t>&lt;</a:t>
+                      </a:r>
+                      <a:r>
+                        <a:rPr lang="en-US" sz="1100" dirty="0" err="1"/>
+                        <a:t>app_uid</a:t>
+                      </a:r>
+                      <a:r>
+                        <a:rPr lang="en-US" sz="1100" dirty="0"/>
+                        <a:t>&gt;</a:t>
+                      </a:r>
+                    </a:p>
+                  </a:txBody>
+                  <a:tcPr/>
+                </a:tc>
+                <a:tc>
+                  <a:txBody>
+                    <a:bodyPr/>
+                    <a:lstStyle/>
+                    <a:p>
+                      <a:r>
+                        <a:rPr lang="en-US" sz="1100" dirty="0"/>
+                        <a:t>App UID</a:t>
+                      </a:r>
+                    </a:p>
+                  </a:txBody>
+                  <a:tcPr/>
+                </a:tc>
+                <a:tc>
+                  <a:txBody>
+                    <a:bodyPr/>
+                    <a:lstStyle/>
+                    <a:p>
+                      <a:r>
+                        <a:rPr lang="en-US" sz="900" dirty="0"/>
+                        <a:t>app:d8edc5cc-c7d7-48ef-aeda-7147b884111a</a:t>
+                      </a:r>
+                      <a:endParaRPr lang="en-US" sz="900" dirty="0">
+                        <a:latin typeface="Consolas" panose="020B0609020204030204" pitchFamily="49" charset="0"/>
+                      </a:endParaRPr>
+                    </a:p>
+                  </a:txBody>
+                  <a:tcPr/>
+                </a:tc>
+                <a:extLst>
+                  <a:ext uri="{0D108BD9-81ED-4DB2-BD59-A6C34878D82A}">
+                    <a16:rowId xmlns:a16="http://schemas.microsoft.com/office/drawing/2014/main" val="1899337536"/>
+                  </a:ext>
+                </a:extLst>
+              </a:tr>
+              <a:tr h="370840">
+                <a:tc>
+                  <a:txBody>
+                    <a:bodyPr/>
+                    <a:lstStyle/>
+                    <a:p>
+                      <a:r>
+                        <a:rPr lang="en-US" sz="1100" dirty="0"/>
+                        <a:t>&lt;</a:t>
+                      </a:r>
+                      <a:r>
+                        <a:rPr lang="en-US" sz="1100" dirty="0" err="1"/>
+                        <a:t>device_uid</a:t>
+                      </a:r>
+                      <a:r>
+                        <a:rPr lang="en-US" sz="1100" dirty="0"/>
+                        <a:t>&gt;</a:t>
+                      </a:r>
+                    </a:p>
+                  </a:txBody>
+                  <a:tcPr/>
+                </a:tc>
+                <a:tc>
+                  <a:txBody>
+                    <a:bodyPr/>
+                    <a:lstStyle/>
+                    <a:p>
+                      <a:r>
+                        <a:rPr lang="en-US" sz="1100" dirty="0"/>
+                        <a:t>Device UID</a:t>
+                      </a:r>
+                    </a:p>
+                  </a:txBody>
+                  <a:tcPr/>
+                </a:tc>
+                <a:tc>
+                  <a:txBody>
+                    <a:bodyPr/>
+                    <a:lstStyle/>
+                    <a:p>
+                      <a:pPr marL="0" marR="0" lvl="0" indent="0" algn="l" defTabSz="914400" rtl="0" eaLnBrk="1" fontAlgn="auto" latinLnBrk="0" hangingPunct="1">
+                        <a:lnSpc>
+                          <a:spcPct val="100000"/>
+                        </a:lnSpc>
+                        <a:spcBef>
+                          <a:spcPts val="0"/>
+                        </a:spcBef>
+                        <a:spcAft>
+                          <a:spcPts val="0"/>
+                        </a:spcAft>
+                        <a:buClrTx/>
+                        <a:buSzTx/>
+                        <a:buFontTx/>
+                        <a:buNone/>
+                        <a:tabLst/>
+                        <a:defRPr/>
+                      </a:pPr>
+                      <a:r>
+                        <a:rPr lang="en-US" sz="900" dirty="0"/>
+                        <a:t>imei:865284040125662</a:t>
+                      </a:r>
+                      <a:endParaRPr lang="en-US" sz="900" dirty="0">
+                        <a:latin typeface="Consolas" panose="020B0609020204030204" pitchFamily="49" charset="0"/>
+                      </a:endParaRPr>
+                    </a:p>
+                  </a:txBody>
+                  <a:tcPr/>
+                </a:tc>
+                <a:extLst>
+                  <a:ext uri="{0D108BD9-81ED-4DB2-BD59-A6C34878D82A}">
+                    <a16:rowId xmlns:a16="http://schemas.microsoft.com/office/drawing/2014/main" val="4133346913"/>
+                  </a:ext>
+                </a:extLst>
+              </a:tr>
+            </a:tbl>
+          </a:graphicData>
+        </a:graphic>
+      </p:graphicFrame>
+      <p:sp>
+        <p:nvSpPr>
+          <p:cNvPr id="15" name="TextBox 14">
+            <a:extLst>
+              <a:ext uri="{FF2B5EF4-FFF2-40B4-BE49-F238E27FC236}">
+                <a16:creationId xmlns:a16="http://schemas.microsoft.com/office/drawing/2014/main" id="{682AFCB8-687B-4F50-895B-80FFCB08BEBC}"/>
+              </a:ext>
+            </a:extLst>
+          </p:cNvPr>
+          <p:cNvSpPr txBox="1"/>
+          <p:nvPr/>
+        </p:nvSpPr>
+        <p:spPr>
+          <a:xfrm>
+            <a:off x="5183187" y="3429000"/>
+            <a:ext cx="5556529" cy="369332"/>
+          </a:xfrm>
+          <a:prstGeom prst="rect">
+            <a:avLst/>
+          </a:prstGeom>
+        </p:spPr>
+        <p:style>
+          <a:lnRef idx="2">
+            <a:schemeClr val="dk1"/>
+          </a:lnRef>
+          <a:fillRef idx="1">
+            <a:schemeClr val="lt1"/>
+          </a:fillRef>
+          <a:effectRef idx="0">
+            <a:schemeClr val="dk1"/>
+          </a:effectRef>
+          <a:fontRef idx="minor">
+            <a:schemeClr val="dk1"/>
+          </a:fontRef>
+        </p:style>
+        <p:txBody>
+          <a:bodyPr wrap="square" rtlCol="0">
+            <a:spAutoFit/>
+          </a:bodyPr>
+          <a:lstStyle/>
+          <a:p>
+            <a:r>
+              <a:rPr lang="en-US" sz="900" dirty="0">
+                <a:latin typeface="Consolas" panose="020B0609020204030204" pitchFamily="49" charset="0"/>
+              </a:rPr>
+              <a:t>curl -L 'http://api.notefile.net/</a:t>
+            </a:r>
+            <a:r>
+              <a:rPr lang="en-US" sz="900" dirty="0" err="1">
+                <a:latin typeface="Consolas" panose="020B0609020204030204" pitchFamily="49" charset="0"/>
+              </a:rPr>
+              <a:t>req?project</a:t>
+            </a:r>
+            <a:r>
+              <a:rPr lang="en-US" sz="900" dirty="0">
+                <a:latin typeface="Consolas" panose="020B0609020204030204" pitchFamily="49" charset="0"/>
+              </a:rPr>
+              <a:t>="</a:t>
+            </a:r>
+            <a:r>
+              <a:rPr lang="en-US" sz="900" b="1" dirty="0">
+                <a:latin typeface="Consolas" panose="020B0609020204030204" pitchFamily="49" charset="0"/>
+              </a:rPr>
+              <a:t>&lt;</a:t>
+            </a:r>
+            <a:r>
+              <a:rPr lang="en-US" sz="900" b="1" dirty="0" err="1">
+                <a:latin typeface="Consolas" panose="020B0609020204030204" pitchFamily="49" charset="0"/>
+              </a:rPr>
+              <a:t>app_uid</a:t>
+            </a:r>
+            <a:r>
+              <a:rPr lang="en-US" sz="900" b="1" dirty="0">
+                <a:latin typeface="Consolas" panose="020B0609020204030204" pitchFamily="49" charset="0"/>
+              </a:rPr>
+              <a:t>&gt;</a:t>
+            </a:r>
+            <a:r>
+              <a:rPr lang="en-US" sz="900" dirty="0">
+                <a:latin typeface="Consolas" panose="020B0609020204030204" pitchFamily="49" charset="0"/>
+              </a:rPr>
+              <a:t>"&amp;device="</a:t>
+            </a:r>
+            <a:r>
+              <a:rPr lang="en-US" sz="900" b="1" dirty="0">
+                <a:latin typeface="Consolas" panose="020B0609020204030204" pitchFamily="49" charset="0"/>
+              </a:rPr>
+              <a:t>&lt;</a:t>
+            </a:r>
+            <a:r>
+              <a:rPr lang="en-US" sz="900" b="1" dirty="0" err="1">
+                <a:latin typeface="Consolas" panose="020B0609020204030204" pitchFamily="49" charset="0"/>
+              </a:rPr>
+              <a:t>device_uid</a:t>
+            </a:r>
+            <a:r>
+              <a:rPr lang="en-US" sz="900" b="1" dirty="0">
+                <a:latin typeface="Consolas" panose="020B0609020204030204" pitchFamily="49" charset="0"/>
+              </a:rPr>
+              <a:t>&gt;</a:t>
+            </a:r>
+            <a:r>
+              <a:rPr lang="en-US" sz="900" dirty="0">
+                <a:latin typeface="Consolas" panose="020B0609020204030204" pitchFamily="49" charset="0"/>
+              </a:rPr>
+              <a:t>"' -d '{"</a:t>
+            </a:r>
+            <a:r>
+              <a:rPr lang="en-US" sz="900" dirty="0" err="1">
+                <a:latin typeface="Consolas" panose="020B0609020204030204" pitchFamily="49" charset="0"/>
+              </a:rPr>
+              <a:t>req":"note.add","file":"</a:t>
+            </a:r>
+            <a:r>
+              <a:rPr lang="en-US" sz="900" b="1" dirty="0" err="1">
+                <a:latin typeface="Consolas" panose="020B0609020204030204" pitchFamily="49" charset="0"/>
+              </a:rPr>
+              <a:t>led-command.qi</a:t>
+            </a:r>
+            <a:r>
+              <a:rPr lang="en-US" sz="900" dirty="0" err="1">
+                <a:latin typeface="Consolas" panose="020B0609020204030204" pitchFamily="49" charset="0"/>
+              </a:rPr>
+              <a:t>","body</a:t>
+            </a:r>
+            <a:r>
+              <a:rPr lang="en-US" sz="900" dirty="0">
+                <a:latin typeface="Consolas" panose="020B0609020204030204" pitchFamily="49" charset="0"/>
+              </a:rPr>
+              <a:t>":</a:t>
+            </a:r>
+            <a:r>
+              <a:rPr lang="en-US" sz="900" b="1" dirty="0">
+                <a:latin typeface="Consolas" panose="020B0609020204030204" pitchFamily="49" charset="0"/>
+              </a:rPr>
+              <a:t>{"blinkPeriod":500}</a:t>
+            </a:r>
+            <a:r>
+              <a:rPr lang="en-US" sz="900" dirty="0">
+                <a:latin typeface="Consolas" panose="020B0609020204030204" pitchFamily="49" charset="0"/>
+              </a:rPr>
+              <a:t>}'</a:t>
+            </a:r>
+          </a:p>
+        </p:txBody>
+      </p:sp>
+      <p:sp>
+        <p:nvSpPr>
+          <p:cNvPr id="20" name="TextBox 19">
+            <a:extLst>
+              <a:ext uri="{FF2B5EF4-FFF2-40B4-BE49-F238E27FC236}">
+                <a16:creationId xmlns:a16="http://schemas.microsoft.com/office/drawing/2014/main" id="{55FE2A53-4DF5-43BC-B336-3D4CA5B652CD}"/>
+              </a:ext>
+            </a:extLst>
+          </p:cNvPr>
+          <p:cNvSpPr txBox="1"/>
+          <p:nvPr/>
+        </p:nvSpPr>
+        <p:spPr>
+          <a:xfrm>
+            <a:off x="5183188" y="4204252"/>
+            <a:ext cx="5556530" cy="507831"/>
+          </a:xfrm>
+          <a:prstGeom prst="rect">
+            <a:avLst/>
+          </a:prstGeom>
+        </p:spPr>
+        <p:style>
+          <a:lnRef idx="2">
+            <a:schemeClr val="dk1"/>
+          </a:lnRef>
+          <a:fillRef idx="1">
+            <a:schemeClr val="lt1"/>
+          </a:fillRef>
+          <a:effectRef idx="0">
+            <a:schemeClr val="dk1"/>
+          </a:effectRef>
+          <a:fontRef idx="minor">
+            <a:schemeClr val="dk1"/>
+          </a:fontRef>
+        </p:style>
+        <p:txBody>
+          <a:bodyPr wrap="square" rtlCol="0">
+            <a:spAutoFit/>
+          </a:bodyPr>
+          <a:lstStyle/>
+          <a:p>
+            <a:r>
+              <a:rPr lang="en-US" sz="900" dirty="0">
+                <a:latin typeface="Consolas" panose="020B0609020204030204" pitchFamily="49" charset="0"/>
+              </a:rPr>
+              <a:t>curl -L "http://api.notefile.net/</a:t>
+            </a:r>
+            <a:r>
+              <a:rPr lang="en-US" sz="900" dirty="0" err="1">
+                <a:latin typeface="Consolas" panose="020B0609020204030204" pitchFamily="49" charset="0"/>
+              </a:rPr>
+              <a:t>req?project</a:t>
+            </a:r>
+            <a:r>
+              <a:rPr lang="en-US" sz="900" dirty="0">
+                <a:latin typeface="Consolas" panose="020B0609020204030204" pitchFamily="49" charset="0"/>
+              </a:rPr>
+              <a:t>=\"</a:t>
+            </a:r>
+            <a:r>
+              <a:rPr lang="en-US" sz="900" b="1" dirty="0">
+                <a:latin typeface="Consolas" panose="020B0609020204030204" pitchFamily="49" charset="0"/>
+              </a:rPr>
+              <a:t>&lt;</a:t>
+            </a:r>
+            <a:r>
+              <a:rPr lang="en-US" sz="900" b="1" dirty="0" err="1">
+                <a:latin typeface="Consolas" panose="020B0609020204030204" pitchFamily="49" charset="0"/>
+              </a:rPr>
+              <a:t>app_uid</a:t>
+            </a:r>
+            <a:r>
+              <a:rPr lang="en-US" sz="900" b="1" dirty="0">
+                <a:latin typeface="Consolas" panose="020B0609020204030204" pitchFamily="49" charset="0"/>
+              </a:rPr>
+              <a:t>&gt;</a:t>
+            </a:r>
+            <a:r>
+              <a:rPr lang="en-US" sz="900" dirty="0">
+                <a:latin typeface="Consolas" panose="020B0609020204030204" pitchFamily="49" charset="0"/>
+              </a:rPr>
+              <a:t>\"&amp;device=\"</a:t>
+            </a:r>
+            <a:r>
+              <a:rPr lang="en-US" sz="900" b="1" dirty="0">
+                <a:latin typeface="Consolas" panose="020B0609020204030204" pitchFamily="49" charset="0"/>
+              </a:rPr>
+              <a:t>&lt;</a:t>
+            </a:r>
+            <a:r>
+              <a:rPr lang="en-US" sz="900" b="1" dirty="0" err="1">
+                <a:latin typeface="Consolas" panose="020B0609020204030204" pitchFamily="49" charset="0"/>
+              </a:rPr>
+              <a:t>device_uid</a:t>
+            </a:r>
+            <a:r>
+              <a:rPr lang="en-US" sz="900" b="1" dirty="0">
+                <a:latin typeface="Consolas" panose="020B0609020204030204" pitchFamily="49" charset="0"/>
+              </a:rPr>
+              <a:t>&gt;</a:t>
+            </a:r>
+            <a:r>
+              <a:rPr lang="en-US" sz="900" dirty="0">
+                <a:latin typeface="Consolas" panose="020B0609020204030204" pitchFamily="49" charset="0"/>
+              </a:rPr>
+              <a:t>\"" -d "{\"req\":\"</a:t>
+            </a:r>
+            <a:r>
+              <a:rPr lang="en-US" sz="900" dirty="0" err="1">
+                <a:latin typeface="Consolas" panose="020B0609020204030204" pitchFamily="49" charset="0"/>
+              </a:rPr>
+              <a:t>note.add</a:t>
+            </a:r>
+            <a:r>
+              <a:rPr lang="en-US" sz="900" dirty="0">
+                <a:latin typeface="Consolas" panose="020B0609020204030204" pitchFamily="49" charset="0"/>
+              </a:rPr>
+              <a:t>\",\"file\":\"</a:t>
+            </a:r>
+            <a:r>
+              <a:rPr lang="en-US" sz="900" b="1" dirty="0">
+                <a:latin typeface="Consolas" panose="020B0609020204030204" pitchFamily="49" charset="0"/>
+              </a:rPr>
+              <a:t>led-</a:t>
+            </a:r>
+            <a:r>
+              <a:rPr lang="en-US" sz="900" b="1" dirty="0" err="1">
+                <a:latin typeface="Consolas" panose="020B0609020204030204" pitchFamily="49" charset="0"/>
+              </a:rPr>
+              <a:t>command.qi</a:t>
+            </a:r>
+            <a:r>
+              <a:rPr lang="en-US" sz="900" dirty="0">
+                <a:latin typeface="Consolas" panose="020B0609020204030204" pitchFamily="49" charset="0"/>
+              </a:rPr>
+              <a:t>\",\"body\":</a:t>
+            </a:r>
+            <a:r>
+              <a:rPr lang="en-US" sz="900" b="1" dirty="0">
+                <a:latin typeface="Consolas" panose="020B0609020204030204" pitchFamily="49" charset="0"/>
+              </a:rPr>
+              <a:t>{\"</a:t>
+            </a:r>
+            <a:r>
+              <a:rPr lang="en-US" sz="900" b="1" dirty="0" err="1">
+                <a:latin typeface="Consolas" panose="020B0609020204030204" pitchFamily="49" charset="0"/>
+              </a:rPr>
+              <a:t>blinkPeriod</a:t>
+            </a:r>
+            <a:r>
+              <a:rPr lang="en-US" sz="900" b="1" dirty="0">
+                <a:latin typeface="Consolas" panose="020B0609020204030204" pitchFamily="49" charset="0"/>
+              </a:rPr>
+              <a:t>\":500}</a:t>
+            </a:r>
+            <a:r>
+              <a:rPr lang="en-US" sz="900" dirty="0">
+                <a:latin typeface="Consolas" panose="020B0609020204030204" pitchFamily="49" charset="0"/>
+              </a:rPr>
+              <a:t>}"</a:t>
+            </a:r>
+          </a:p>
+        </p:txBody>
+      </p:sp>
+      <p:sp>
+        <p:nvSpPr>
+          <p:cNvPr id="16" name="Rectangle 15">
+            <a:extLst>
+              <a:ext uri="{FF2B5EF4-FFF2-40B4-BE49-F238E27FC236}">
+                <a16:creationId xmlns:a16="http://schemas.microsoft.com/office/drawing/2014/main" id="{23AB9594-7DC7-4989-821A-30D27F1CBB3A}"/>
+              </a:ext>
+            </a:extLst>
+          </p:cNvPr>
+          <p:cNvSpPr/>
+          <p:nvPr/>
+        </p:nvSpPr>
+        <p:spPr>
+          <a:xfrm>
+            <a:off x="5183188" y="3229905"/>
+            <a:ext cx="824464" cy="172589"/>
+          </a:xfrm>
+          <a:prstGeom prst="rect">
+            <a:avLst/>
+          </a:prstGeom>
+        </p:spPr>
+        <p:style>
+          <a:lnRef idx="2">
+            <a:schemeClr val="dk1">
+              <a:shade val="50000"/>
+            </a:schemeClr>
+          </a:lnRef>
+          <a:fillRef idx="1">
+            <a:schemeClr val="dk1"/>
+          </a:fillRef>
+          <a:effectRef idx="0">
+            <a:schemeClr val="dk1"/>
+          </a:effectRef>
+          <a:fontRef idx="minor">
+            <a:schemeClr val="lt1"/>
+          </a:fontRef>
+        </p:style>
+        <p:txBody>
+          <a:bodyPr rtlCol="0" anchor="ctr"/>
+          <a:lstStyle/>
+          <a:p>
+            <a:r>
+              <a:rPr lang="en-US" sz="1200" dirty="0"/>
+              <a:t>Linux</a:t>
+            </a:r>
+          </a:p>
+        </p:txBody>
+      </p:sp>
+      <p:sp>
+        <p:nvSpPr>
+          <p:cNvPr id="21" name="Rectangle 20">
+            <a:extLst>
+              <a:ext uri="{FF2B5EF4-FFF2-40B4-BE49-F238E27FC236}">
+                <a16:creationId xmlns:a16="http://schemas.microsoft.com/office/drawing/2014/main" id="{D528B2E8-DE06-43FA-B78F-6934CA0DBD3A}"/>
+              </a:ext>
+            </a:extLst>
+          </p:cNvPr>
+          <p:cNvSpPr/>
+          <p:nvPr/>
+        </p:nvSpPr>
+        <p:spPr>
+          <a:xfrm>
+            <a:off x="5183187" y="3982661"/>
+            <a:ext cx="828882" cy="184426"/>
+          </a:xfrm>
+          <a:prstGeom prst="rect">
+            <a:avLst/>
+          </a:prstGeom>
+        </p:spPr>
+        <p:style>
+          <a:lnRef idx="2">
+            <a:schemeClr val="dk1">
+              <a:shade val="50000"/>
+            </a:schemeClr>
+          </a:lnRef>
+          <a:fillRef idx="1">
+            <a:schemeClr val="dk1"/>
+          </a:fillRef>
+          <a:effectRef idx="0">
+            <a:schemeClr val="dk1"/>
+          </a:effectRef>
+          <a:fontRef idx="minor">
+            <a:schemeClr val="lt1"/>
+          </a:fontRef>
+        </p:style>
+        <p:txBody>
+          <a:bodyPr rtlCol="0" anchor="ctr"/>
+          <a:lstStyle/>
+          <a:p>
+            <a:r>
+              <a:rPr lang="en-US" sz="1200" dirty="0"/>
+              <a:t>Windows</a:t>
+            </a:r>
+            <a:r>
+              <a:rPr lang="en-US" sz="1200" baseline="30000" dirty="0"/>
+              <a:t>*</a:t>
+            </a:r>
+          </a:p>
+        </p:txBody>
+      </p:sp>
+      <p:sp>
+        <p:nvSpPr>
+          <p:cNvPr id="18" name="TextBox 17">
+            <a:extLst>
+              <a:ext uri="{FF2B5EF4-FFF2-40B4-BE49-F238E27FC236}">
+                <a16:creationId xmlns:a16="http://schemas.microsoft.com/office/drawing/2014/main" id="{15F48FC5-73E1-477A-9EEA-24B9D6A4EC38}"/>
+              </a:ext>
+            </a:extLst>
+          </p:cNvPr>
+          <p:cNvSpPr txBox="1"/>
+          <p:nvPr/>
+        </p:nvSpPr>
+        <p:spPr>
+          <a:xfrm>
+            <a:off x="5225774" y="4841461"/>
+            <a:ext cx="3187602" cy="1077218"/>
+          </a:xfrm>
+          <a:prstGeom prst="rect">
+            <a:avLst/>
+          </a:prstGeom>
+          <a:noFill/>
+        </p:spPr>
+        <p:txBody>
+          <a:bodyPr wrap="square" rtlCol="0">
+            <a:spAutoFit/>
+          </a:bodyPr>
+          <a:lstStyle/>
+          <a:p>
+            <a:pPr marL="169863" indent="-169863"/>
+            <a:r>
+              <a:rPr lang="en-US" dirty="0"/>
+              <a:t>* </a:t>
+            </a:r>
+            <a:r>
+              <a:rPr lang="en-US" sz="1400" dirty="0"/>
+              <a:t>Escape double quotes contained within the command on Windows.  </a:t>
+            </a:r>
+          </a:p>
+          <a:p>
+            <a:pPr marL="169863"/>
+            <a:r>
+              <a:rPr lang="en-US" sz="1400" dirty="0" err="1"/>
+              <a:t>i.e</a:t>
+            </a:r>
+            <a:r>
+              <a:rPr lang="en-US" sz="1400" dirty="0"/>
+              <a:t>:     </a:t>
+            </a:r>
+            <a:r>
+              <a:rPr lang="en-US" sz="1400" dirty="0">
+                <a:latin typeface="Consolas" panose="020B0609020204030204" pitchFamily="49" charset="0"/>
+              </a:rPr>
+              <a:t>\"</a:t>
+            </a:r>
+            <a:endParaRPr lang="en-US" dirty="0">
+              <a:latin typeface="Consolas" panose="020B0609020204030204" pitchFamily="49" charset="0"/>
+            </a:endParaRPr>
+          </a:p>
+          <a:p>
+            <a:r>
+              <a:rPr lang="en-US" dirty="0"/>
+              <a:t> </a:t>
+            </a:r>
+          </a:p>
+        </p:txBody>
+      </p:sp>
+    </p:spTree>
+    <p:extLst>
+      <p:ext uri="{BB962C8B-B14F-4D97-AF65-F5344CB8AC3E}">
+        <p14:creationId xmlns:p14="http://schemas.microsoft.com/office/powerpoint/2010/main" val="4074324324"/>
+      </p:ext>
+    </p:extLst>
+  </p:cSld>
+  <p:clrMapOvr>
+    <a:masterClrMapping/>
+  </p:clrMapOvr>
+</p:sld>
+</file>
+
 <file path=ppt/slides/slide3.xml><?xml version="1.0" encoding="utf-8"?>
 <p:sld xmlns:a="http://schemas.openxmlformats.org/drawingml/2006/main" xmlns:r="http://schemas.openxmlformats.org/officeDocument/2006/relationships" xmlns:p="http://schemas.openxmlformats.org/presentationml/2006/main">
   <p:cSld>
@@ -10663,135 +11531,6 @@
 </file>
 
 <file path=ppt/slides/slide30.xml><?xml version="1.0" encoding="utf-8"?>
-<p:sld xmlns:a="http://schemas.openxmlformats.org/drawingml/2006/main" xmlns:r="http://schemas.openxmlformats.org/officeDocument/2006/relationships" xmlns:p="http://schemas.openxmlformats.org/presentationml/2006/main">
-  <p:cSld>
-    <p:spTree>
-      <p:nvGrpSpPr>
-        <p:cNvPr id="1" name=""/>
-        <p:cNvGrpSpPr/>
-        <p:nvPr/>
-      </p:nvGrpSpPr>
-      <p:grpSpPr>
-        <a:xfrm>
-          <a:off x="0" y="0"/>
-          <a:ext cx="0" cy="0"/>
-          <a:chOff x="0" y="0"/>
-          <a:chExt cx="0" cy="0"/>
-        </a:xfrm>
-      </p:grpSpPr>
-      <p:sp>
-        <p:nvSpPr>
-          <p:cNvPr id="5" name="Title 4">
-            <a:extLst>
-              <a:ext uri="{FF2B5EF4-FFF2-40B4-BE49-F238E27FC236}">
-                <a16:creationId xmlns:a16="http://schemas.microsoft.com/office/drawing/2014/main" id="{1AFED939-0E3E-4988-8CE6-C235260B566B}"/>
-              </a:ext>
-            </a:extLst>
-          </p:cNvPr>
-          <p:cNvSpPr>
-            <a:spLocks noGrp="1"/>
-          </p:cNvSpPr>
-          <p:nvPr>
-            <p:ph type="title"/>
-          </p:nvPr>
-        </p:nvSpPr>
-        <p:spPr/>
-        <p:txBody>
-          <a:bodyPr/>
-          <a:lstStyle/>
-          <a:p>
-            <a:r>
-              <a:rPr lang="en-US" dirty="0"/>
-              <a:t>Instructions on Adding QI-File to </a:t>
-            </a:r>
-            <a:r>
-              <a:rPr lang="en-US" dirty="0" err="1"/>
-              <a:t>Notehub</a:t>
-            </a:r>
-            <a:r>
-              <a:rPr lang="en-US" dirty="0"/>
-              <a:t>!</a:t>
-            </a:r>
-          </a:p>
-        </p:txBody>
-      </p:sp>
-      <p:sp>
-        <p:nvSpPr>
-          <p:cNvPr id="6" name="Speech Bubble: Rectangle with Corners Rounded 5">
-            <a:extLst>
-              <a:ext uri="{FF2B5EF4-FFF2-40B4-BE49-F238E27FC236}">
-                <a16:creationId xmlns:a16="http://schemas.microsoft.com/office/drawing/2014/main" id="{3DEC77C2-E71F-4018-BD80-4FA6E7AB44A2}"/>
-              </a:ext>
-            </a:extLst>
-          </p:cNvPr>
-          <p:cNvSpPr/>
-          <p:nvPr/>
-        </p:nvSpPr>
-        <p:spPr>
-          <a:xfrm>
-            <a:off x="3693817" y="2268033"/>
-            <a:ext cx="2503807" cy="1390570"/>
-          </a:xfrm>
-          <a:prstGeom prst="wedgeRoundRectCallout">
-            <a:avLst>
-              <a:gd name="adj1" fmla="val -30379"/>
-              <a:gd name="adj2" fmla="val -117080"/>
-              <a:gd name="adj3" fmla="val 16667"/>
-            </a:avLst>
-          </a:prstGeom>
-          <a:solidFill>
-            <a:srgbClr val="C00000">
-              <a:alpha val="41176"/>
-            </a:srgbClr>
-          </a:solidFill>
-          <a:ln>
-            <a:solidFill>
-              <a:srgbClr val="C00000"/>
-            </a:solidFill>
-          </a:ln>
-        </p:spPr>
-        <p:style>
-          <a:lnRef idx="2">
-            <a:schemeClr val="accent1">
-              <a:shade val="50000"/>
-            </a:schemeClr>
-          </a:lnRef>
-          <a:fillRef idx="1">
-            <a:schemeClr val="accent1"/>
-          </a:fillRef>
-          <a:effectRef idx="0">
-            <a:schemeClr val="accent1"/>
-          </a:effectRef>
-          <a:fontRef idx="minor">
-            <a:schemeClr val="lt1"/>
-          </a:fontRef>
-        </p:style>
-        <p:txBody>
-          <a:bodyPr rtlCol="0" anchor="ctr"/>
-          <a:lstStyle/>
-          <a:p>
-            <a:pPr algn="ctr"/>
-            <a:r>
-              <a:rPr lang="en-US" dirty="0"/>
-              <a:t>TODO!</a:t>
-            </a:r>
-          </a:p>
-        </p:txBody>
-      </p:sp>
-    </p:spTree>
-    <p:extLst>
-      <p:ext uri="{BB962C8B-B14F-4D97-AF65-F5344CB8AC3E}">
-        <p14:creationId xmlns:p14="http://schemas.microsoft.com/office/powerpoint/2010/main" val="1563859417"/>
-      </p:ext>
-    </p:extLst>
-  </p:cSld>
-  <p:clrMapOvr>
-    <a:masterClrMapping/>
-  </p:clrMapOvr>
-</p:sld>
-</file>
-
-<file path=ppt/slides/slide31.xml><?xml version="1.0" encoding="utf-8"?>
 <p:sld xmlns:a="http://schemas.openxmlformats.org/drawingml/2006/main" xmlns:r="http://schemas.openxmlformats.org/officeDocument/2006/relationships" xmlns:p="http://schemas.openxmlformats.org/presentationml/2006/main">
   <p:cSld>
     <p:spTree>
@@ -11453,7 +12192,3986 @@
 </p:sld>
 </file>
 
+<file path=ppt/slides/slide31.xml><?xml version="1.0" encoding="utf-8"?>
+<p:sld xmlns:a="http://schemas.openxmlformats.org/drawingml/2006/main" xmlns:r="http://schemas.openxmlformats.org/officeDocument/2006/relationships" xmlns:p="http://schemas.openxmlformats.org/presentationml/2006/main">
+  <p:cSld>
+    <p:spTree>
+      <p:nvGrpSpPr>
+        <p:cNvPr id="1" name=""/>
+        <p:cNvGrpSpPr/>
+        <p:nvPr/>
+      </p:nvGrpSpPr>
+      <p:grpSpPr>
+        <a:xfrm>
+          <a:off x="0" y="0"/>
+          <a:ext cx="0" cy="0"/>
+          <a:chOff x="0" y="0"/>
+          <a:chExt cx="0" cy="0"/>
+        </a:xfrm>
+      </p:grpSpPr>
+      <p:sp>
+        <p:nvSpPr>
+          <p:cNvPr id="2" name="Title 1">
+            <a:extLst>
+              <a:ext uri="{FF2B5EF4-FFF2-40B4-BE49-F238E27FC236}">
+                <a16:creationId xmlns:a16="http://schemas.microsoft.com/office/drawing/2014/main" id="{8847C7B3-A92E-439E-8BF9-838F1F5FE4B2}"/>
+              </a:ext>
+            </a:extLst>
+          </p:cNvPr>
+          <p:cNvSpPr>
+            <a:spLocks noGrp="1"/>
+          </p:cNvSpPr>
+          <p:nvPr>
+            <p:ph type="title"/>
+          </p:nvPr>
+        </p:nvSpPr>
+        <p:spPr/>
+        <p:txBody>
+          <a:bodyPr/>
+          <a:lstStyle/>
+          <a:p>
+            <a:r>
+              <a:rPr lang="en-US" dirty="0"/>
+              <a:t>Add QI-File to </a:t>
+            </a:r>
+            <a:r>
+              <a:rPr lang="en-US" dirty="0" err="1"/>
+              <a:t>Notehub</a:t>
+            </a:r>
+            <a:endParaRPr lang="en-US" dirty="0"/>
+          </a:p>
+        </p:txBody>
+      </p:sp>
+      <p:sp>
+        <p:nvSpPr>
+          <p:cNvPr id="3" name="Text Placeholder 2">
+            <a:extLst>
+              <a:ext uri="{FF2B5EF4-FFF2-40B4-BE49-F238E27FC236}">
+                <a16:creationId xmlns:a16="http://schemas.microsoft.com/office/drawing/2014/main" id="{A495F29F-A387-444B-9419-539038004663}"/>
+              </a:ext>
+            </a:extLst>
+          </p:cNvPr>
+          <p:cNvSpPr>
+            <a:spLocks noGrp="1"/>
+          </p:cNvSpPr>
+          <p:nvPr>
+            <p:ph type="body" idx="1"/>
+          </p:nvPr>
+        </p:nvSpPr>
+        <p:spPr/>
+        <p:txBody>
+          <a:bodyPr/>
+          <a:lstStyle/>
+          <a:p>
+            <a:r>
+              <a:rPr lang="en-US" dirty="0"/>
+              <a:t>Using </a:t>
+            </a:r>
+            <a:r>
+              <a:rPr lang="en-US" dirty="0" err="1"/>
+              <a:t>Notehub</a:t>
+            </a:r>
+            <a:r>
+              <a:rPr lang="en-US" dirty="0"/>
+              <a:t> API to send data from cloud to a device</a:t>
+            </a:r>
+          </a:p>
+        </p:txBody>
+      </p:sp>
+    </p:spTree>
+    <p:extLst>
+      <p:ext uri="{BB962C8B-B14F-4D97-AF65-F5344CB8AC3E}">
+        <p14:creationId xmlns:p14="http://schemas.microsoft.com/office/powerpoint/2010/main" val="2433153192"/>
+      </p:ext>
+    </p:extLst>
+  </p:cSld>
+  <p:clrMapOvr>
+    <a:masterClrMapping/>
+  </p:clrMapOvr>
+</p:sld>
+</file>
+
 <file path=ppt/slides/slide32.xml><?xml version="1.0" encoding="utf-8"?>
+<p:sld xmlns:a="http://schemas.openxmlformats.org/drawingml/2006/main" xmlns:r="http://schemas.openxmlformats.org/officeDocument/2006/relationships" xmlns:p="http://schemas.openxmlformats.org/presentationml/2006/main">
+  <p:cSld>
+    <p:spTree>
+      <p:nvGrpSpPr>
+        <p:cNvPr id="1" name=""/>
+        <p:cNvGrpSpPr/>
+        <p:nvPr/>
+      </p:nvGrpSpPr>
+      <p:grpSpPr>
+        <a:xfrm>
+          <a:off x="0" y="0"/>
+          <a:ext cx="0" cy="0"/>
+          <a:chOff x="0" y="0"/>
+          <a:chExt cx="0" cy="0"/>
+        </a:xfrm>
+      </p:grpSpPr>
+      <p:sp>
+        <p:nvSpPr>
+          <p:cNvPr id="2" name="Title 1">
+            <a:extLst>
+              <a:ext uri="{FF2B5EF4-FFF2-40B4-BE49-F238E27FC236}">
+                <a16:creationId xmlns:a16="http://schemas.microsoft.com/office/drawing/2014/main" id="{DAC5130F-EEC7-4664-AA7F-5DCB577F69E4}"/>
+              </a:ext>
+            </a:extLst>
+          </p:cNvPr>
+          <p:cNvSpPr>
+            <a:spLocks noGrp="1"/>
+          </p:cNvSpPr>
+          <p:nvPr>
+            <p:ph type="title"/>
+          </p:nvPr>
+        </p:nvSpPr>
+        <p:spPr>
+          <a:xfrm>
+            <a:off x="886968" y="1252728"/>
+            <a:ext cx="3493008" cy="4352544"/>
+          </a:xfrm>
+        </p:spPr>
+        <p:txBody>
+          <a:bodyPr vert="horz" lIns="91440" tIns="45720" rIns="91440" bIns="45720" rtlCol="0">
+            <a:normAutofit/>
+          </a:bodyPr>
+          <a:lstStyle/>
+          <a:p>
+            <a:pPr algn="r"/>
+            <a:r>
+              <a:rPr lang="en-US" sz="4000" kern="1200" dirty="0">
+                <a:latin typeface="+mj-lt"/>
+                <a:ea typeface="+mj-ea"/>
+                <a:cs typeface="+mj-cs"/>
+              </a:rPr>
+              <a:t>Requirements</a:t>
+            </a:r>
+          </a:p>
+        </p:txBody>
+      </p:sp>
+      <p:sp>
+        <p:nvSpPr>
+          <p:cNvPr id="5" name="Content Placeholder 4">
+            <a:extLst>
+              <a:ext uri="{FF2B5EF4-FFF2-40B4-BE49-F238E27FC236}">
+                <a16:creationId xmlns:a16="http://schemas.microsoft.com/office/drawing/2014/main" id="{2C6CD077-E43E-491F-A74D-B5E330F9F254}"/>
+              </a:ext>
+            </a:extLst>
+          </p:cNvPr>
+          <p:cNvSpPr>
+            <a:spLocks noGrp="1"/>
+          </p:cNvSpPr>
+          <p:nvPr>
+            <p:ph idx="1"/>
+          </p:nvPr>
+        </p:nvSpPr>
+        <p:spPr>
+          <a:xfrm>
+            <a:off x="5020056" y="811022"/>
+            <a:ext cx="5724144" cy="5248656"/>
+          </a:xfrm>
+        </p:spPr>
+        <p:txBody>
+          <a:bodyPr anchor="ctr">
+            <a:normAutofit/>
+          </a:bodyPr>
+          <a:lstStyle/>
+          <a:p>
+            <a:r>
+              <a:rPr lang="en-US" sz="2400" dirty="0" err="1"/>
+              <a:t>cURL</a:t>
+            </a:r>
+            <a:endParaRPr lang="en-US" sz="2400" dirty="0"/>
+          </a:p>
+          <a:p>
+            <a:pPr marL="0" indent="0">
+              <a:buNone/>
+            </a:pPr>
+            <a:r>
+              <a:rPr lang="en-US" sz="2400" dirty="0"/>
+              <a:t>      or</a:t>
+            </a:r>
+          </a:p>
+          <a:p>
+            <a:r>
+              <a:rPr lang="en-US" sz="2400" dirty="0"/>
+              <a:t>Postman</a:t>
+            </a:r>
+          </a:p>
+        </p:txBody>
+      </p:sp>
+      <p:pic>
+        <p:nvPicPr>
+          <p:cNvPr id="7" name="Graphic 6" descr="Help">
+            <a:extLst>
+              <a:ext uri="{FF2B5EF4-FFF2-40B4-BE49-F238E27FC236}">
+                <a16:creationId xmlns:a16="http://schemas.microsoft.com/office/drawing/2014/main" id="{C4ACB19E-96AD-4EA2-AFAA-A4D71CCCEFA4}"/>
+              </a:ext>
+            </a:extLst>
+          </p:cNvPr>
+          <p:cNvPicPr>
+            <a:picLocks noChangeAspect="1"/>
+          </p:cNvPicPr>
+          <p:nvPr/>
+        </p:nvPicPr>
+        <p:blipFill>
+          <a:blip r:embed="rId2">
+            <a:extLst>
+              <a:ext uri="{28A0092B-C50C-407E-A947-70E740481C1C}">
+                <a14:useLocalDpi xmlns:a14="http://schemas.microsoft.com/office/drawing/2010/main" val="0"/>
+              </a:ext>
+              <a:ext uri="{96DAC541-7B7A-43D3-8B79-37D633B846F1}">
+                <asvg:svgBlip xmlns:asvg="http://schemas.microsoft.com/office/drawing/2016/SVG/main" r:embed="rId3"/>
+              </a:ext>
+            </a:extLst>
+          </a:blip>
+          <a:stretch>
+            <a:fillRect/>
+          </a:stretch>
+        </p:blipFill>
+        <p:spPr>
+          <a:xfrm>
+            <a:off x="6715444" y="2832055"/>
+            <a:ext cx="273127" cy="273127"/>
+          </a:xfrm>
+          <a:prstGeom prst="rect">
+            <a:avLst/>
+          </a:prstGeom>
+        </p:spPr>
+      </p:pic>
+      <p:pic>
+        <p:nvPicPr>
+          <p:cNvPr id="40" name="Graphic 39" descr="Help">
+            <a:extLst>
+              <a:ext uri="{FF2B5EF4-FFF2-40B4-BE49-F238E27FC236}">
+                <a16:creationId xmlns:a16="http://schemas.microsoft.com/office/drawing/2014/main" id="{FF5B591F-931C-40EC-88D0-29BBC300642D}"/>
+              </a:ext>
+            </a:extLst>
+          </p:cNvPr>
+          <p:cNvPicPr>
+            <a:picLocks noChangeAspect="1"/>
+          </p:cNvPicPr>
+          <p:nvPr/>
+        </p:nvPicPr>
+        <p:blipFill>
+          <a:blip r:embed="rId2">
+            <a:extLst>
+              <a:ext uri="{28A0092B-C50C-407E-A947-70E740481C1C}">
+                <a14:useLocalDpi xmlns:a14="http://schemas.microsoft.com/office/drawing/2010/main" val="0"/>
+              </a:ext>
+              <a:ext uri="{96DAC541-7B7A-43D3-8B79-37D633B846F1}">
+                <asvg:svgBlip xmlns:asvg="http://schemas.microsoft.com/office/drawing/2016/SVG/main" r:embed="rId3"/>
+              </a:ext>
+            </a:extLst>
+          </a:blip>
+          <a:stretch>
+            <a:fillRect/>
+          </a:stretch>
+        </p:blipFill>
+        <p:spPr>
+          <a:xfrm>
+            <a:off x="6726163" y="3770977"/>
+            <a:ext cx="273127" cy="273127"/>
+          </a:xfrm>
+          <a:prstGeom prst="rect">
+            <a:avLst/>
+          </a:prstGeom>
+        </p:spPr>
+      </p:pic>
+    </p:spTree>
+    <p:extLst>
+      <p:ext uri="{BB962C8B-B14F-4D97-AF65-F5344CB8AC3E}">
+        <p14:creationId xmlns:p14="http://schemas.microsoft.com/office/powerpoint/2010/main" val="1876060462"/>
+      </p:ext>
+    </p:extLst>
+  </p:cSld>
+  <p:clrMapOvr>
+    <a:masterClrMapping/>
+  </p:clrMapOvr>
+</p:sld>
+</file>
+
+<file path=ppt/slides/slide33.xml><?xml version="1.0" encoding="utf-8"?>
+<p:sld xmlns:a="http://schemas.openxmlformats.org/drawingml/2006/main" xmlns:r="http://schemas.openxmlformats.org/officeDocument/2006/relationships" xmlns:p="http://schemas.openxmlformats.org/presentationml/2006/main">
+  <p:cSld>
+    <p:spTree>
+      <p:nvGrpSpPr>
+        <p:cNvPr id="1" name=""/>
+        <p:cNvGrpSpPr/>
+        <p:nvPr/>
+      </p:nvGrpSpPr>
+      <p:grpSpPr>
+        <a:xfrm>
+          <a:off x="0" y="0"/>
+          <a:ext cx="0" cy="0"/>
+          <a:chOff x="0" y="0"/>
+          <a:chExt cx="0" cy="0"/>
+        </a:xfrm>
+      </p:grpSpPr>
+      <p:sp>
+        <p:nvSpPr>
+          <p:cNvPr id="2" name="Title 1">
+            <a:extLst>
+              <a:ext uri="{FF2B5EF4-FFF2-40B4-BE49-F238E27FC236}">
+                <a16:creationId xmlns:a16="http://schemas.microsoft.com/office/drawing/2014/main" id="{0897419B-23E3-4F2C-B1CB-F95973E9AEF8}"/>
+              </a:ext>
+            </a:extLst>
+          </p:cNvPr>
+          <p:cNvSpPr>
+            <a:spLocks noGrp="1"/>
+          </p:cNvSpPr>
+          <p:nvPr>
+            <p:ph type="title"/>
+          </p:nvPr>
+        </p:nvSpPr>
+        <p:spPr/>
+        <p:txBody>
+          <a:bodyPr/>
+          <a:lstStyle/>
+          <a:p>
+            <a:r>
+              <a:rPr lang="en-US"/>
+              <a:t>General Workflow Steps</a:t>
+            </a:r>
+          </a:p>
+        </p:txBody>
+      </p:sp>
+      <p:sp>
+        <p:nvSpPr>
+          <p:cNvPr id="3" name="Content Placeholder 2">
+            <a:extLst>
+              <a:ext uri="{FF2B5EF4-FFF2-40B4-BE49-F238E27FC236}">
+                <a16:creationId xmlns:a16="http://schemas.microsoft.com/office/drawing/2014/main" id="{05E99CD7-1147-4012-BFF2-65343CA7D30E}"/>
+              </a:ext>
+            </a:extLst>
+          </p:cNvPr>
+          <p:cNvSpPr>
+            <a:spLocks noGrp="1"/>
+          </p:cNvSpPr>
+          <p:nvPr>
+            <p:ph idx="1"/>
+          </p:nvPr>
+        </p:nvSpPr>
+        <p:spPr/>
+        <p:txBody>
+          <a:bodyPr>
+            <a:normAutofit/>
+          </a:bodyPr>
+          <a:lstStyle/>
+          <a:p>
+            <a:r>
+              <a:rPr lang="en-US" dirty="0"/>
+              <a:t>Get App UID</a:t>
+            </a:r>
+          </a:p>
+          <a:p>
+            <a:r>
+              <a:rPr lang="en-US" dirty="0"/>
+              <a:t>Get Device UID</a:t>
+            </a:r>
+          </a:p>
+          <a:p>
+            <a:pPr lvl="1"/>
+            <a:r>
+              <a:rPr lang="en-US" dirty="0"/>
+              <a:t>Using </a:t>
+            </a:r>
+            <a:r>
+              <a:rPr lang="en-US" dirty="0" err="1"/>
+              <a:t>Notehub</a:t>
+            </a:r>
+            <a:endParaRPr lang="en-US" dirty="0"/>
+          </a:p>
+          <a:p>
+            <a:pPr lvl="1"/>
+            <a:r>
+              <a:rPr lang="en-US" dirty="0"/>
+              <a:t>Using notecard CLI</a:t>
+            </a:r>
+          </a:p>
+          <a:p>
+            <a:r>
+              <a:rPr lang="en-US" dirty="0"/>
+              <a:t>Send QI-File request to </a:t>
+            </a:r>
+            <a:r>
+              <a:rPr lang="en-US" dirty="0" err="1"/>
+              <a:t>Notehub</a:t>
+            </a:r>
+            <a:endParaRPr lang="en-US" dirty="0"/>
+          </a:p>
+          <a:p>
+            <a:pPr lvl="1"/>
+            <a:r>
+              <a:rPr lang="en-US" dirty="0"/>
+              <a:t>Using </a:t>
+            </a:r>
+            <a:r>
+              <a:rPr lang="en-US" dirty="0" err="1"/>
+              <a:t>cURL</a:t>
+            </a:r>
+            <a:endParaRPr lang="en-US" dirty="0"/>
+          </a:p>
+          <a:p>
+            <a:pPr lvl="1"/>
+            <a:r>
+              <a:rPr lang="en-US" dirty="0"/>
+              <a:t>Using POSTMAN</a:t>
+            </a:r>
+          </a:p>
+          <a:p>
+            <a:pPr marL="457200" lvl="1" indent="0">
+              <a:buNone/>
+            </a:pPr>
+            <a:endParaRPr lang="en-US" dirty="0"/>
+          </a:p>
+        </p:txBody>
+      </p:sp>
+    </p:spTree>
+    <p:extLst>
+      <p:ext uri="{BB962C8B-B14F-4D97-AF65-F5344CB8AC3E}">
+        <p14:creationId xmlns:p14="http://schemas.microsoft.com/office/powerpoint/2010/main" val="2306920269"/>
+      </p:ext>
+    </p:extLst>
+  </p:cSld>
+  <p:clrMapOvr>
+    <a:masterClrMapping/>
+  </p:clrMapOvr>
+</p:sld>
+</file>
+
+<file path=ppt/slides/slide34.xml><?xml version="1.0" encoding="utf-8"?>
+<p:sld xmlns:a="http://schemas.openxmlformats.org/drawingml/2006/main" xmlns:r="http://schemas.openxmlformats.org/officeDocument/2006/relationships" xmlns:p="http://schemas.openxmlformats.org/presentationml/2006/main">
+  <p:cSld>
+    <p:spTree>
+      <p:nvGrpSpPr>
+        <p:cNvPr id="1" name=""/>
+        <p:cNvGrpSpPr/>
+        <p:nvPr/>
+      </p:nvGrpSpPr>
+      <p:grpSpPr>
+        <a:xfrm>
+          <a:off x="0" y="0"/>
+          <a:ext cx="0" cy="0"/>
+          <a:chOff x="0" y="0"/>
+          <a:chExt cx="0" cy="0"/>
+        </a:xfrm>
+      </p:grpSpPr>
+      <p:sp>
+        <p:nvSpPr>
+          <p:cNvPr id="4" name="Title 3">
+            <a:extLst>
+              <a:ext uri="{FF2B5EF4-FFF2-40B4-BE49-F238E27FC236}">
+                <a16:creationId xmlns:a16="http://schemas.microsoft.com/office/drawing/2014/main" id="{5FF723F9-A261-464E-8F90-5808671D53F3}"/>
+              </a:ext>
+            </a:extLst>
+          </p:cNvPr>
+          <p:cNvSpPr>
+            <a:spLocks noGrp="1"/>
+          </p:cNvSpPr>
+          <p:nvPr>
+            <p:ph type="title"/>
+          </p:nvPr>
+        </p:nvSpPr>
+        <p:spPr/>
+        <p:txBody>
+          <a:bodyPr/>
+          <a:lstStyle/>
+          <a:p>
+            <a:r>
+              <a:rPr lang="en-US" dirty="0"/>
+              <a:t>Get App UID</a:t>
+            </a:r>
+          </a:p>
+        </p:txBody>
+      </p:sp>
+      <p:sp>
+        <p:nvSpPr>
+          <p:cNvPr id="6" name="Text Placeholder 5">
+            <a:extLst>
+              <a:ext uri="{FF2B5EF4-FFF2-40B4-BE49-F238E27FC236}">
+                <a16:creationId xmlns:a16="http://schemas.microsoft.com/office/drawing/2014/main" id="{45E49C6F-29E5-4381-9497-6FBCFC64D748}"/>
+              </a:ext>
+            </a:extLst>
+          </p:cNvPr>
+          <p:cNvSpPr>
+            <a:spLocks noGrp="1"/>
+          </p:cNvSpPr>
+          <p:nvPr>
+            <p:ph type="body" sz="half" idx="2"/>
+          </p:nvPr>
+        </p:nvSpPr>
+        <p:spPr/>
+        <p:txBody>
+          <a:bodyPr/>
+          <a:lstStyle/>
+          <a:p>
+            <a:endParaRPr lang="en-US" dirty="0"/>
+          </a:p>
+          <a:p>
+            <a:pPr marL="342900" indent="-342900">
+              <a:buAutoNum type="arabicPeriod"/>
+            </a:pPr>
+            <a:r>
+              <a:rPr lang="en-US" dirty="0"/>
+              <a:t>Navigate to </a:t>
+            </a:r>
+            <a:r>
+              <a:rPr lang="en-US" dirty="0">
+                <a:hlinkClick r:id="rId2"/>
+              </a:rPr>
+              <a:t>https://notehub.io/projects</a:t>
+            </a:r>
+            <a:endParaRPr lang="en-US" dirty="0"/>
+          </a:p>
+          <a:p>
+            <a:pPr marL="342900" indent="-342900">
+              <a:buAutoNum type="arabicPeriod"/>
+            </a:pPr>
+            <a:r>
+              <a:rPr lang="en-US" dirty="0"/>
+              <a:t>Select a Project</a:t>
+            </a:r>
+          </a:p>
+          <a:p>
+            <a:pPr lvl="1"/>
+            <a:r>
+              <a:rPr lang="en-US" dirty="0"/>
+              <a:t>e.g.: My Project</a:t>
+            </a:r>
+          </a:p>
+          <a:p>
+            <a:pPr marL="342900" indent="-342900">
+              <a:buAutoNum type="arabicPeriod"/>
+            </a:pPr>
+            <a:r>
+              <a:rPr lang="en-US" dirty="0"/>
+              <a:t>Click “Project” under “Settings” header on navigation tree</a:t>
+            </a:r>
+          </a:p>
+          <a:p>
+            <a:pPr marL="342900" indent="-342900">
+              <a:buAutoNum type="arabicPeriod"/>
+            </a:pPr>
+            <a:r>
+              <a:rPr lang="en-US" dirty="0"/>
+              <a:t>Hover mouse over right side of App UID field</a:t>
+            </a:r>
+          </a:p>
+          <a:p>
+            <a:pPr marL="342900" indent="-342900">
+              <a:buAutoNum type="arabicPeriod"/>
+            </a:pPr>
+            <a:r>
+              <a:rPr lang="en-US" dirty="0"/>
+              <a:t>Click      to copy App UID to clipboard</a:t>
+            </a:r>
+          </a:p>
+          <a:p>
+            <a:endParaRPr lang="en-US" dirty="0"/>
+          </a:p>
+        </p:txBody>
+      </p:sp>
+      <p:pic>
+        <p:nvPicPr>
+          <p:cNvPr id="25" name="Content Placeholder 24">
+            <a:extLst>
+              <a:ext uri="{FF2B5EF4-FFF2-40B4-BE49-F238E27FC236}">
+                <a16:creationId xmlns:a16="http://schemas.microsoft.com/office/drawing/2014/main" id="{2F3448F0-0859-4D4E-BEC6-FEB11AC56342}"/>
+              </a:ext>
+            </a:extLst>
+          </p:cNvPr>
+          <p:cNvPicPr>
+            <a:picLocks noGrp="1" noChangeAspect="1"/>
+          </p:cNvPicPr>
+          <p:nvPr>
+            <p:ph idx="1"/>
+          </p:nvPr>
+        </p:nvPicPr>
+        <p:blipFill rotWithShape="1">
+          <a:blip r:embed="rId3"/>
+          <a:srcRect t="20592" r="2053" b="15038"/>
+          <a:stretch/>
+        </p:blipFill>
+        <p:spPr>
+          <a:xfrm>
+            <a:off x="5180012" y="1257300"/>
+            <a:ext cx="6172200" cy="2660192"/>
+          </a:xfrm>
+          <a:prstGeom prst="rect">
+            <a:avLst/>
+          </a:prstGeom>
+          <a:ln>
+            <a:noFill/>
+          </a:ln>
+          <a:effectLst>
+            <a:outerShdw blurRad="190500" algn="tl" rotWithShape="0">
+              <a:srgbClr val="000000">
+                <a:alpha val="70000"/>
+              </a:srgbClr>
+            </a:outerShdw>
+          </a:effectLst>
+        </p:spPr>
+      </p:pic>
+      <p:sp>
+        <p:nvSpPr>
+          <p:cNvPr id="27" name="Oval 26">
+            <a:extLst>
+              <a:ext uri="{FF2B5EF4-FFF2-40B4-BE49-F238E27FC236}">
+                <a16:creationId xmlns:a16="http://schemas.microsoft.com/office/drawing/2014/main" id="{0CD88BE9-6310-4865-890C-1CEFEFBB58A0}"/>
+              </a:ext>
+            </a:extLst>
+          </p:cNvPr>
+          <p:cNvSpPr/>
+          <p:nvPr/>
+        </p:nvSpPr>
+        <p:spPr>
+          <a:xfrm>
+            <a:off x="5958840" y="3154680"/>
+            <a:ext cx="274320" cy="274320"/>
+          </a:xfrm>
+          <a:prstGeom prst="ellipse">
+            <a:avLst/>
+          </a:prstGeom>
+        </p:spPr>
+        <p:style>
+          <a:lnRef idx="2">
+            <a:schemeClr val="accent6">
+              <a:shade val="50000"/>
+            </a:schemeClr>
+          </a:lnRef>
+          <a:fillRef idx="1">
+            <a:schemeClr val="accent6"/>
+          </a:fillRef>
+          <a:effectRef idx="0">
+            <a:schemeClr val="accent6"/>
+          </a:effectRef>
+          <a:fontRef idx="minor">
+            <a:schemeClr val="lt1"/>
+          </a:fontRef>
+        </p:style>
+        <p:txBody>
+          <a:bodyPr rtlCol="0" anchor="ctr"/>
+          <a:lstStyle/>
+          <a:p>
+            <a:pPr algn="ctr"/>
+            <a:r>
+              <a:rPr lang="en-US" dirty="0"/>
+              <a:t>3</a:t>
+            </a:r>
+          </a:p>
+        </p:txBody>
+      </p:sp>
+      <p:sp>
+        <p:nvSpPr>
+          <p:cNvPr id="28" name="Oval 27">
+            <a:extLst>
+              <a:ext uri="{FF2B5EF4-FFF2-40B4-BE49-F238E27FC236}">
+                <a16:creationId xmlns:a16="http://schemas.microsoft.com/office/drawing/2014/main" id="{E74E8387-8DBC-4D01-A8C5-57CCB5CB981C}"/>
+              </a:ext>
+            </a:extLst>
+          </p:cNvPr>
+          <p:cNvSpPr/>
+          <p:nvPr/>
+        </p:nvSpPr>
+        <p:spPr>
+          <a:xfrm>
+            <a:off x="10835861" y="2587396"/>
+            <a:ext cx="274320" cy="274320"/>
+          </a:xfrm>
+          <a:prstGeom prst="ellipse">
+            <a:avLst/>
+          </a:prstGeom>
+        </p:spPr>
+        <p:style>
+          <a:lnRef idx="2">
+            <a:schemeClr val="accent6">
+              <a:shade val="50000"/>
+            </a:schemeClr>
+          </a:lnRef>
+          <a:fillRef idx="1">
+            <a:schemeClr val="accent6"/>
+          </a:fillRef>
+          <a:effectRef idx="0">
+            <a:schemeClr val="accent6"/>
+          </a:effectRef>
+          <a:fontRef idx="minor">
+            <a:schemeClr val="lt1"/>
+          </a:fontRef>
+        </p:style>
+        <p:txBody>
+          <a:bodyPr rtlCol="0" anchor="ctr"/>
+          <a:lstStyle/>
+          <a:p>
+            <a:pPr algn="ctr"/>
+            <a:r>
+              <a:rPr lang="en-US" dirty="0"/>
+              <a:t>4</a:t>
+            </a:r>
+          </a:p>
+        </p:txBody>
+      </p:sp>
+      <p:pic>
+        <p:nvPicPr>
+          <p:cNvPr id="1026" name="Picture 2">
+            <a:extLst>
+              <a:ext uri="{FF2B5EF4-FFF2-40B4-BE49-F238E27FC236}">
+                <a16:creationId xmlns:a16="http://schemas.microsoft.com/office/drawing/2014/main" id="{8BF78565-495B-4D33-88FD-50136E23F918}"/>
+              </a:ext>
+            </a:extLst>
+          </p:cNvPr>
+          <p:cNvPicPr>
+            <a:picLocks noChangeAspect="1" noChangeArrowheads="1"/>
+          </p:cNvPicPr>
+          <p:nvPr/>
+        </p:nvPicPr>
+        <p:blipFill rotWithShape="1">
+          <a:blip r:embed="rId4">
+            <a:extLst>
+              <a:ext uri="{28A0092B-C50C-407E-A947-70E740481C1C}">
+                <a14:useLocalDpi xmlns:a14="http://schemas.microsoft.com/office/drawing/2010/main" val="0"/>
+              </a:ext>
+            </a:extLst>
+          </a:blip>
+          <a:srcRect l="45916" t="10075" b="8815"/>
+          <a:stretch/>
+        </p:blipFill>
+        <p:spPr bwMode="auto">
+          <a:xfrm>
+            <a:off x="11110181" y="2551836"/>
+            <a:ext cx="160849" cy="181204"/>
+          </a:xfrm>
+          <a:prstGeom prst="rect">
+            <a:avLst/>
+          </a:prstGeom>
+          <a:noFill/>
+          <a:extLst>
+            <a:ext uri="{909E8E84-426E-40DD-AFC4-6F175D3DCCD1}">
+              <a14:hiddenFill xmlns:a14="http://schemas.microsoft.com/office/drawing/2010/main">
+                <a:solidFill>
+                  <a:srgbClr val="FFFFFF"/>
+                </a:solidFill>
+              </a14:hiddenFill>
+            </a:ext>
+          </a:extLst>
+        </p:spPr>
+      </p:pic>
+      <p:pic>
+        <p:nvPicPr>
+          <p:cNvPr id="35" name="Graphic 34" descr="Paperclip">
+            <a:extLst>
+              <a:ext uri="{FF2B5EF4-FFF2-40B4-BE49-F238E27FC236}">
+                <a16:creationId xmlns:a16="http://schemas.microsoft.com/office/drawing/2014/main" id="{FAE7C0E3-D40A-4593-8528-4B9550379DDD}"/>
+              </a:ext>
+            </a:extLst>
+          </p:cNvPr>
+          <p:cNvPicPr>
+            <a:picLocks noChangeAspect="1"/>
+          </p:cNvPicPr>
+          <p:nvPr/>
+        </p:nvPicPr>
+        <p:blipFill>
+          <a:blip r:embed="rId5">
+            <a:extLst>
+              <a:ext uri="{28A0092B-C50C-407E-A947-70E740481C1C}">
+                <a14:useLocalDpi xmlns:a14="http://schemas.microsoft.com/office/drawing/2010/main" val="0"/>
+              </a:ext>
+              <a:ext uri="{96DAC541-7B7A-43D3-8B79-37D633B846F1}">
+                <asvg:svgBlip xmlns:asvg="http://schemas.microsoft.com/office/drawing/2016/SVG/main" r:embed="rId6"/>
+              </a:ext>
+            </a:extLst>
+          </a:blip>
+          <a:stretch>
+            <a:fillRect/>
+          </a:stretch>
+        </p:blipFill>
+        <p:spPr>
+          <a:xfrm>
+            <a:off x="1662486" y="4524203"/>
+            <a:ext cx="243840" cy="243840"/>
+          </a:xfrm>
+          <a:prstGeom prst="rect">
+            <a:avLst/>
+          </a:prstGeom>
+        </p:spPr>
+      </p:pic>
+    </p:spTree>
+    <p:extLst>
+      <p:ext uri="{BB962C8B-B14F-4D97-AF65-F5344CB8AC3E}">
+        <p14:creationId xmlns:p14="http://schemas.microsoft.com/office/powerpoint/2010/main" val="815805483"/>
+      </p:ext>
+    </p:extLst>
+  </p:cSld>
+  <p:clrMapOvr>
+    <a:masterClrMapping/>
+  </p:clrMapOvr>
+</p:sld>
+</file>
+
+<file path=ppt/slides/slide35.xml><?xml version="1.0" encoding="utf-8"?>
+<p:sld xmlns:a="http://schemas.openxmlformats.org/drawingml/2006/main" xmlns:r="http://schemas.openxmlformats.org/officeDocument/2006/relationships" xmlns:p="http://schemas.openxmlformats.org/presentationml/2006/main">
+  <p:cSld>
+    <p:spTree>
+      <p:nvGrpSpPr>
+        <p:cNvPr id="1" name=""/>
+        <p:cNvGrpSpPr/>
+        <p:nvPr/>
+      </p:nvGrpSpPr>
+      <p:grpSpPr>
+        <a:xfrm>
+          <a:off x="0" y="0"/>
+          <a:ext cx="0" cy="0"/>
+          <a:chOff x="0" y="0"/>
+          <a:chExt cx="0" cy="0"/>
+        </a:xfrm>
+      </p:grpSpPr>
+      <p:sp>
+        <p:nvSpPr>
+          <p:cNvPr id="4" name="Title 3">
+            <a:extLst>
+              <a:ext uri="{FF2B5EF4-FFF2-40B4-BE49-F238E27FC236}">
+                <a16:creationId xmlns:a16="http://schemas.microsoft.com/office/drawing/2014/main" id="{5FF723F9-A261-464E-8F90-5808671D53F3}"/>
+              </a:ext>
+            </a:extLst>
+          </p:cNvPr>
+          <p:cNvSpPr>
+            <a:spLocks noGrp="1"/>
+          </p:cNvSpPr>
+          <p:nvPr>
+            <p:ph type="title"/>
+          </p:nvPr>
+        </p:nvSpPr>
+        <p:spPr/>
+        <p:txBody>
+          <a:bodyPr/>
+          <a:lstStyle/>
+          <a:p>
+            <a:r>
+              <a:rPr lang="en-US" dirty="0"/>
+              <a:t>Get Device UID</a:t>
+            </a:r>
+            <a:br>
+              <a:rPr lang="en-US" dirty="0"/>
+            </a:br>
+            <a:r>
+              <a:rPr lang="en-US" sz="2000" dirty="0">
+                <a:solidFill>
+                  <a:schemeClr val="tx1">
+                    <a:lumMod val="65000"/>
+                    <a:lumOff val="35000"/>
+                  </a:schemeClr>
+                </a:solidFill>
+              </a:rPr>
+              <a:t>using </a:t>
+            </a:r>
+            <a:r>
+              <a:rPr lang="en-US" sz="2000" dirty="0" err="1">
+                <a:solidFill>
+                  <a:schemeClr val="tx1">
+                    <a:lumMod val="65000"/>
+                    <a:lumOff val="35000"/>
+                  </a:schemeClr>
+                </a:solidFill>
+              </a:rPr>
+              <a:t>Notehub</a:t>
+            </a:r>
+            <a:endParaRPr lang="en-US" dirty="0">
+              <a:solidFill>
+                <a:schemeClr val="tx1">
+                  <a:lumMod val="65000"/>
+                  <a:lumOff val="35000"/>
+                </a:schemeClr>
+              </a:solidFill>
+            </a:endParaRPr>
+          </a:p>
+        </p:txBody>
+      </p:sp>
+      <p:sp>
+        <p:nvSpPr>
+          <p:cNvPr id="6" name="Text Placeholder 5">
+            <a:extLst>
+              <a:ext uri="{FF2B5EF4-FFF2-40B4-BE49-F238E27FC236}">
+                <a16:creationId xmlns:a16="http://schemas.microsoft.com/office/drawing/2014/main" id="{45E49C6F-29E5-4381-9497-6FBCFC64D748}"/>
+              </a:ext>
+            </a:extLst>
+          </p:cNvPr>
+          <p:cNvSpPr>
+            <a:spLocks noGrp="1"/>
+          </p:cNvSpPr>
+          <p:nvPr>
+            <p:ph type="body" sz="half" idx="2"/>
+          </p:nvPr>
+        </p:nvSpPr>
+        <p:spPr/>
+        <p:txBody>
+          <a:bodyPr/>
+          <a:lstStyle/>
+          <a:p>
+            <a:endParaRPr lang="en-US" dirty="0"/>
+          </a:p>
+          <a:p>
+            <a:pPr marL="342900" indent="-342900">
+              <a:buAutoNum type="arabicPeriod"/>
+            </a:pPr>
+            <a:r>
+              <a:rPr lang="en-US" dirty="0"/>
+              <a:t>Navigate to </a:t>
+            </a:r>
+            <a:r>
+              <a:rPr lang="en-US" dirty="0">
+                <a:hlinkClick r:id="rId2"/>
+              </a:rPr>
+              <a:t>https://notehub.io/projects</a:t>
+            </a:r>
+            <a:endParaRPr lang="en-US" dirty="0"/>
+          </a:p>
+          <a:p>
+            <a:pPr marL="342900" indent="-342900">
+              <a:buAutoNum type="arabicPeriod"/>
+            </a:pPr>
+            <a:r>
+              <a:rPr lang="en-US" dirty="0"/>
+              <a:t>Select a Project</a:t>
+            </a:r>
+          </a:p>
+          <a:p>
+            <a:pPr lvl="1"/>
+            <a:r>
+              <a:rPr lang="en-US" dirty="0"/>
+              <a:t>e.g.: My Project</a:t>
+            </a:r>
+          </a:p>
+          <a:p>
+            <a:pPr marL="342900" indent="-342900">
+              <a:buAutoNum type="arabicPeriod"/>
+            </a:pPr>
+            <a:r>
+              <a:rPr lang="en-US" dirty="0"/>
+              <a:t>Click “Device” in navigation tree</a:t>
+            </a:r>
+          </a:p>
+          <a:p>
+            <a:pPr marL="342900" indent="-342900">
+              <a:buAutoNum type="arabicPeriod"/>
+            </a:pPr>
+            <a:r>
+              <a:rPr lang="en-US" dirty="0"/>
+              <a:t>Select the row in the Devices table</a:t>
+            </a:r>
+          </a:p>
+          <a:p>
+            <a:pPr marL="342900" indent="-342900">
+              <a:buAutoNum type="arabicPeriod"/>
+            </a:pPr>
+            <a:r>
+              <a:rPr lang="en-US" dirty="0"/>
+              <a:t>Click View Details button</a:t>
+            </a:r>
+          </a:p>
+          <a:p>
+            <a:pPr marL="342900" indent="-342900">
+              <a:buFont typeface="Arial" panose="020B0604020202020204" pitchFamily="34" charset="0"/>
+              <a:buAutoNum type="arabicPeriod"/>
+            </a:pPr>
+            <a:r>
+              <a:rPr lang="en-US" dirty="0"/>
+              <a:t>Hover mouse over right side of Device UID field</a:t>
+            </a:r>
+          </a:p>
+          <a:p>
+            <a:pPr marL="342900" indent="-342900">
+              <a:buFont typeface="Arial" panose="020B0604020202020204" pitchFamily="34" charset="0"/>
+              <a:buAutoNum type="arabicPeriod"/>
+            </a:pPr>
+            <a:r>
+              <a:rPr lang="en-US" dirty="0"/>
+              <a:t>Click      to copy App UID to clipboard</a:t>
+            </a:r>
+          </a:p>
+          <a:p>
+            <a:pPr marL="342900" indent="-342900">
+              <a:buFont typeface="Arial" panose="020B0604020202020204" pitchFamily="34" charset="0"/>
+              <a:buAutoNum type="arabicPeriod"/>
+            </a:pPr>
+            <a:endParaRPr lang="en-US" dirty="0"/>
+          </a:p>
+          <a:p>
+            <a:pPr marL="342900" indent="-342900">
+              <a:buAutoNum type="arabicPeriod"/>
+            </a:pPr>
+            <a:endParaRPr lang="en-US" dirty="0"/>
+          </a:p>
+          <a:p>
+            <a:pPr marL="342900" indent="-342900">
+              <a:buAutoNum type="arabicPeriod"/>
+            </a:pPr>
+            <a:endParaRPr lang="en-US" dirty="0"/>
+          </a:p>
+        </p:txBody>
+      </p:sp>
+      <p:pic>
+        <p:nvPicPr>
+          <p:cNvPr id="35" name="Graphic 34" descr="Paperclip">
+            <a:extLst>
+              <a:ext uri="{FF2B5EF4-FFF2-40B4-BE49-F238E27FC236}">
+                <a16:creationId xmlns:a16="http://schemas.microsoft.com/office/drawing/2014/main" id="{FAE7C0E3-D40A-4593-8528-4B9550379DDD}"/>
+              </a:ext>
+            </a:extLst>
+          </p:cNvPr>
+          <p:cNvPicPr>
+            <a:picLocks noChangeAspect="1"/>
+          </p:cNvPicPr>
+          <p:nvPr/>
+        </p:nvPicPr>
+        <p:blipFill>
+          <a:blip r:embed="rId3">
+            <a:extLst>
+              <a:ext uri="{28A0092B-C50C-407E-A947-70E740481C1C}">
+                <a14:useLocalDpi xmlns:a14="http://schemas.microsoft.com/office/drawing/2010/main" val="0"/>
+              </a:ext>
+              <a:ext uri="{96DAC541-7B7A-43D3-8B79-37D633B846F1}">
+                <asvg:svgBlip xmlns:asvg="http://schemas.microsoft.com/office/drawing/2016/SVG/main" r:embed="rId4"/>
+              </a:ext>
+            </a:extLst>
+          </a:blip>
+          <a:stretch>
+            <a:fillRect/>
+          </a:stretch>
+        </p:blipFill>
+        <p:spPr>
+          <a:xfrm>
+            <a:off x="1676400" y="4999514"/>
+            <a:ext cx="243840" cy="243840"/>
+          </a:xfrm>
+          <a:prstGeom prst="rect">
+            <a:avLst/>
+          </a:prstGeom>
+        </p:spPr>
+      </p:pic>
+      <p:pic>
+        <p:nvPicPr>
+          <p:cNvPr id="18" name="Content Placeholder 17">
+            <a:extLst>
+              <a:ext uri="{FF2B5EF4-FFF2-40B4-BE49-F238E27FC236}">
+                <a16:creationId xmlns:a16="http://schemas.microsoft.com/office/drawing/2014/main" id="{5EAA765C-C48E-4B11-92F3-CE04C26D1F25}"/>
+              </a:ext>
+            </a:extLst>
+          </p:cNvPr>
+          <p:cNvPicPr>
+            <a:picLocks noGrp="1" noChangeAspect="1"/>
+          </p:cNvPicPr>
+          <p:nvPr>
+            <p:ph idx="1"/>
+          </p:nvPr>
+        </p:nvPicPr>
+        <p:blipFill rotWithShape="1">
+          <a:blip r:embed="rId5"/>
+          <a:srcRect t="24700" r="1750" b="13971"/>
+          <a:stretch/>
+        </p:blipFill>
+        <p:spPr>
+          <a:xfrm>
+            <a:off x="5180012" y="1257601"/>
+            <a:ext cx="6172200" cy="1599598"/>
+          </a:xfrm>
+          <a:prstGeom prst="rect">
+            <a:avLst/>
+          </a:prstGeom>
+          <a:ln>
+            <a:noFill/>
+          </a:ln>
+          <a:effectLst>
+            <a:outerShdw blurRad="190500" algn="tl" rotWithShape="0">
+              <a:srgbClr val="000000">
+                <a:alpha val="70000"/>
+              </a:srgbClr>
+            </a:outerShdw>
+          </a:effectLst>
+        </p:spPr>
+      </p:pic>
+      <p:sp>
+        <p:nvSpPr>
+          <p:cNvPr id="13" name="Oval 12">
+            <a:extLst>
+              <a:ext uri="{FF2B5EF4-FFF2-40B4-BE49-F238E27FC236}">
+                <a16:creationId xmlns:a16="http://schemas.microsoft.com/office/drawing/2014/main" id="{E53A1B74-A1FD-45AC-A2F8-3BC63BC9AD66}"/>
+              </a:ext>
+            </a:extLst>
+          </p:cNvPr>
+          <p:cNvSpPr/>
+          <p:nvPr/>
+        </p:nvSpPr>
+        <p:spPr>
+          <a:xfrm>
+            <a:off x="5681344" y="1584643"/>
+            <a:ext cx="274320" cy="274320"/>
+          </a:xfrm>
+          <a:prstGeom prst="ellipse">
+            <a:avLst/>
+          </a:prstGeom>
+        </p:spPr>
+        <p:style>
+          <a:lnRef idx="2">
+            <a:schemeClr val="accent6">
+              <a:shade val="50000"/>
+            </a:schemeClr>
+          </a:lnRef>
+          <a:fillRef idx="1">
+            <a:schemeClr val="accent6"/>
+          </a:fillRef>
+          <a:effectRef idx="0">
+            <a:schemeClr val="accent6"/>
+          </a:effectRef>
+          <a:fontRef idx="minor">
+            <a:schemeClr val="lt1"/>
+          </a:fontRef>
+        </p:style>
+        <p:txBody>
+          <a:bodyPr rtlCol="0" anchor="ctr"/>
+          <a:lstStyle/>
+          <a:p>
+            <a:pPr algn="ctr"/>
+            <a:r>
+              <a:rPr lang="en-US" dirty="0"/>
+              <a:t>3</a:t>
+            </a:r>
+          </a:p>
+        </p:txBody>
+      </p:sp>
+      <p:sp>
+        <p:nvSpPr>
+          <p:cNvPr id="14" name="Oval 13">
+            <a:extLst>
+              <a:ext uri="{FF2B5EF4-FFF2-40B4-BE49-F238E27FC236}">
+                <a16:creationId xmlns:a16="http://schemas.microsoft.com/office/drawing/2014/main" id="{4B78ACC9-0490-46FB-81BA-477BF83AFAEE}"/>
+              </a:ext>
+            </a:extLst>
+          </p:cNvPr>
+          <p:cNvSpPr/>
+          <p:nvPr/>
+        </p:nvSpPr>
+        <p:spPr>
+          <a:xfrm>
+            <a:off x="8516205" y="2596357"/>
+            <a:ext cx="274320" cy="274320"/>
+          </a:xfrm>
+          <a:prstGeom prst="ellipse">
+            <a:avLst/>
+          </a:prstGeom>
+        </p:spPr>
+        <p:style>
+          <a:lnRef idx="2">
+            <a:schemeClr val="accent6">
+              <a:shade val="50000"/>
+            </a:schemeClr>
+          </a:lnRef>
+          <a:fillRef idx="1">
+            <a:schemeClr val="accent6"/>
+          </a:fillRef>
+          <a:effectRef idx="0">
+            <a:schemeClr val="accent6"/>
+          </a:effectRef>
+          <a:fontRef idx="minor">
+            <a:schemeClr val="lt1"/>
+          </a:fontRef>
+        </p:style>
+        <p:txBody>
+          <a:bodyPr rtlCol="0" anchor="ctr"/>
+          <a:lstStyle/>
+          <a:p>
+            <a:pPr algn="ctr"/>
+            <a:r>
+              <a:rPr lang="en-US" dirty="0"/>
+              <a:t>4</a:t>
+            </a:r>
+          </a:p>
+        </p:txBody>
+      </p:sp>
+      <p:sp>
+        <p:nvSpPr>
+          <p:cNvPr id="19" name="Oval 18">
+            <a:extLst>
+              <a:ext uri="{FF2B5EF4-FFF2-40B4-BE49-F238E27FC236}">
+                <a16:creationId xmlns:a16="http://schemas.microsoft.com/office/drawing/2014/main" id="{23200F2F-07C1-4A20-B6CF-4DE6A21CF09D}"/>
+              </a:ext>
+            </a:extLst>
+          </p:cNvPr>
+          <p:cNvSpPr/>
+          <p:nvPr/>
+        </p:nvSpPr>
+        <p:spPr>
+          <a:xfrm>
+            <a:off x="10319605" y="2057400"/>
+            <a:ext cx="274320" cy="274320"/>
+          </a:xfrm>
+          <a:prstGeom prst="ellipse">
+            <a:avLst/>
+          </a:prstGeom>
+        </p:spPr>
+        <p:style>
+          <a:lnRef idx="2">
+            <a:schemeClr val="accent6">
+              <a:shade val="50000"/>
+            </a:schemeClr>
+          </a:lnRef>
+          <a:fillRef idx="1">
+            <a:schemeClr val="accent6"/>
+          </a:fillRef>
+          <a:effectRef idx="0">
+            <a:schemeClr val="accent6"/>
+          </a:effectRef>
+          <a:fontRef idx="minor">
+            <a:schemeClr val="lt1"/>
+          </a:fontRef>
+        </p:style>
+        <p:txBody>
+          <a:bodyPr rtlCol="0" anchor="ctr"/>
+          <a:lstStyle/>
+          <a:p>
+            <a:pPr algn="ctr"/>
+            <a:r>
+              <a:rPr lang="en-US" dirty="0"/>
+              <a:t>5</a:t>
+            </a:r>
+          </a:p>
+        </p:txBody>
+      </p:sp>
+      <p:pic>
+        <p:nvPicPr>
+          <p:cNvPr id="20" name="Picture 2">
+            <a:extLst>
+              <a:ext uri="{FF2B5EF4-FFF2-40B4-BE49-F238E27FC236}">
+                <a16:creationId xmlns:a16="http://schemas.microsoft.com/office/drawing/2014/main" id="{4496291F-58BA-4967-8DFD-949407C70A88}"/>
+              </a:ext>
+            </a:extLst>
+          </p:cNvPr>
+          <p:cNvPicPr>
+            <a:picLocks noChangeAspect="1" noChangeArrowheads="1"/>
+          </p:cNvPicPr>
+          <p:nvPr/>
+        </p:nvPicPr>
+        <p:blipFill rotWithShape="1">
+          <a:blip r:embed="rId6">
+            <a:extLst>
+              <a:ext uri="{28A0092B-C50C-407E-A947-70E740481C1C}">
+                <a14:useLocalDpi xmlns:a14="http://schemas.microsoft.com/office/drawing/2010/main" val="0"/>
+              </a:ext>
+            </a:extLst>
+          </a:blip>
+          <a:srcRect l="45916" t="10075" b="8815"/>
+          <a:stretch/>
+        </p:blipFill>
+        <p:spPr bwMode="auto">
+          <a:xfrm>
+            <a:off x="10731795" y="2150516"/>
+            <a:ext cx="160849" cy="181204"/>
+          </a:xfrm>
+          <a:prstGeom prst="rect">
+            <a:avLst/>
+          </a:prstGeom>
+          <a:noFill/>
+          <a:extLst>
+            <a:ext uri="{909E8E84-426E-40DD-AFC4-6F175D3DCCD1}">
+              <a14:hiddenFill xmlns:a14="http://schemas.microsoft.com/office/drawing/2010/main">
+                <a:solidFill>
+                  <a:srgbClr val="FFFFFF"/>
+                </a:solidFill>
+              </a14:hiddenFill>
+            </a:ext>
+          </a:extLst>
+        </p:spPr>
+      </p:pic>
+      <p:pic>
+        <p:nvPicPr>
+          <p:cNvPr id="10" name="Picture 9">
+            <a:extLst>
+              <a:ext uri="{FF2B5EF4-FFF2-40B4-BE49-F238E27FC236}">
+                <a16:creationId xmlns:a16="http://schemas.microsoft.com/office/drawing/2014/main" id="{78E3B204-C788-4C2D-B6DB-EDA504B6BB16}"/>
+              </a:ext>
+            </a:extLst>
+          </p:cNvPr>
+          <p:cNvPicPr>
+            <a:picLocks noChangeAspect="1"/>
+          </p:cNvPicPr>
+          <p:nvPr/>
+        </p:nvPicPr>
+        <p:blipFill rotWithShape="1">
+          <a:blip r:embed="rId7"/>
+          <a:srcRect t="24700" r="1666" b="27219"/>
+          <a:stretch/>
+        </p:blipFill>
+        <p:spPr>
+          <a:xfrm>
+            <a:off x="5180013" y="3224635"/>
+            <a:ext cx="6172200" cy="1252997"/>
+          </a:xfrm>
+          <a:prstGeom prst="rect">
+            <a:avLst/>
+          </a:prstGeom>
+          <a:ln>
+            <a:noFill/>
+          </a:ln>
+          <a:effectLst>
+            <a:outerShdw blurRad="190500" algn="tl" rotWithShape="0">
+              <a:srgbClr val="000000">
+                <a:alpha val="70000"/>
+              </a:srgbClr>
+            </a:outerShdw>
+          </a:effectLst>
+        </p:spPr>
+      </p:pic>
+      <p:pic>
+        <p:nvPicPr>
+          <p:cNvPr id="22" name="Picture 2">
+            <a:extLst>
+              <a:ext uri="{FF2B5EF4-FFF2-40B4-BE49-F238E27FC236}">
+                <a16:creationId xmlns:a16="http://schemas.microsoft.com/office/drawing/2014/main" id="{4B11C1E1-7ACF-4DC1-B70B-1833B11DBCD0}"/>
+              </a:ext>
+            </a:extLst>
+          </p:cNvPr>
+          <p:cNvPicPr>
+            <a:picLocks noChangeAspect="1" noChangeArrowheads="1"/>
+          </p:cNvPicPr>
+          <p:nvPr/>
+        </p:nvPicPr>
+        <p:blipFill rotWithShape="1">
+          <a:blip r:embed="rId6">
+            <a:extLst>
+              <a:ext uri="{28A0092B-C50C-407E-A947-70E740481C1C}">
+                <a14:useLocalDpi xmlns:a14="http://schemas.microsoft.com/office/drawing/2010/main" val="0"/>
+              </a:ext>
+            </a:extLst>
+          </a:blip>
+          <a:srcRect l="45916" t="10075" b="8815"/>
+          <a:stretch/>
+        </p:blipFill>
+        <p:spPr bwMode="auto">
+          <a:xfrm>
+            <a:off x="9253515" y="4248556"/>
+            <a:ext cx="160849" cy="181204"/>
+          </a:xfrm>
+          <a:prstGeom prst="rect">
+            <a:avLst/>
+          </a:prstGeom>
+          <a:noFill/>
+          <a:extLst>
+            <a:ext uri="{909E8E84-426E-40DD-AFC4-6F175D3DCCD1}">
+              <a14:hiddenFill xmlns:a14="http://schemas.microsoft.com/office/drawing/2010/main">
+                <a:solidFill>
+                  <a:srgbClr val="FFFFFF"/>
+                </a:solidFill>
+              </a14:hiddenFill>
+            </a:ext>
+          </a:extLst>
+        </p:spPr>
+      </p:pic>
+      <p:sp>
+        <p:nvSpPr>
+          <p:cNvPr id="23" name="Oval 22">
+            <a:extLst>
+              <a:ext uri="{FF2B5EF4-FFF2-40B4-BE49-F238E27FC236}">
+                <a16:creationId xmlns:a16="http://schemas.microsoft.com/office/drawing/2014/main" id="{39CDEC7D-736B-4C18-A807-EFEE16D2C903}"/>
+              </a:ext>
+            </a:extLst>
+          </p:cNvPr>
+          <p:cNvSpPr/>
+          <p:nvPr/>
+        </p:nvSpPr>
+        <p:spPr>
+          <a:xfrm>
+            <a:off x="8920750" y="4203312"/>
+            <a:ext cx="274320" cy="274320"/>
+          </a:xfrm>
+          <a:prstGeom prst="ellipse">
+            <a:avLst/>
+          </a:prstGeom>
+        </p:spPr>
+        <p:style>
+          <a:lnRef idx="2">
+            <a:schemeClr val="accent6">
+              <a:shade val="50000"/>
+            </a:schemeClr>
+          </a:lnRef>
+          <a:fillRef idx="1">
+            <a:schemeClr val="accent6"/>
+          </a:fillRef>
+          <a:effectRef idx="0">
+            <a:schemeClr val="accent6"/>
+          </a:effectRef>
+          <a:fontRef idx="minor">
+            <a:schemeClr val="lt1"/>
+          </a:fontRef>
+        </p:style>
+        <p:txBody>
+          <a:bodyPr rtlCol="0" anchor="ctr"/>
+          <a:lstStyle/>
+          <a:p>
+            <a:pPr algn="ctr"/>
+            <a:r>
+              <a:rPr lang="en-US" dirty="0"/>
+              <a:t>6</a:t>
+            </a:r>
+          </a:p>
+        </p:txBody>
+      </p:sp>
+    </p:spTree>
+    <p:extLst>
+      <p:ext uri="{BB962C8B-B14F-4D97-AF65-F5344CB8AC3E}">
+        <p14:creationId xmlns:p14="http://schemas.microsoft.com/office/powerpoint/2010/main" val="4111176885"/>
+      </p:ext>
+    </p:extLst>
+  </p:cSld>
+  <p:clrMapOvr>
+    <a:masterClrMapping/>
+  </p:clrMapOvr>
+</p:sld>
+</file>
+
+<file path=ppt/slides/slide36.xml><?xml version="1.0" encoding="utf-8"?>
+<p:sld xmlns:a="http://schemas.openxmlformats.org/drawingml/2006/main" xmlns:r="http://schemas.openxmlformats.org/officeDocument/2006/relationships" xmlns:p="http://schemas.openxmlformats.org/presentationml/2006/main">
+  <p:cSld>
+    <p:spTree>
+      <p:nvGrpSpPr>
+        <p:cNvPr id="1" name=""/>
+        <p:cNvGrpSpPr/>
+        <p:nvPr/>
+      </p:nvGrpSpPr>
+      <p:grpSpPr>
+        <a:xfrm>
+          <a:off x="0" y="0"/>
+          <a:ext cx="0" cy="0"/>
+          <a:chOff x="0" y="0"/>
+          <a:chExt cx="0" cy="0"/>
+        </a:xfrm>
+      </p:grpSpPr>
+      <p:pic>
+        <p:nvPicPr>
+          <p:cNvPr id="17" name="Content Placeholder 16">
+            <a:extLst>
+              <a:ext uri="{FF2B5EF4-FFF2-40B4-BE49-F238E27FC236}">
+                <a16:creationId xmlns:a16="http://schemas.microsoft.com/office/drawing/2014/main" id="{1BBD9932-3740-42BA-B0CF-265FD8E028D0}"/>
+              </a:ext>
+            </a:extLst>
+          </p:cNvPr>
+          <p:cNvPicPr>
+            <a:picLocks noGrp="1" noChangeAspect="1"/>
+          </p:cNvPicPr>
+          <p:nvPr>
+            <p:ph idx="1"/>
+          </p:nvPr>
+        </p:nvPicPr>
+        <p:blipFill rotWithShape="1">
+          <a:blip r:embed="rId2"/>
+          <a:srcRect t="7778" r="3507" b="55069"/>
+          <a:stretch/>
+        </p:blipFill>
+        <p:spPr>
+          <a:xfrm>
+            <a:off x="5180012" y="1260636"/>
+            <a:ext cx="6172200" cy="2071683"/>
+          </a:xfrm>
+          <a:prstGeom prst="rect">
+            <a:avLst/>
+          </a:prstGeom>
+          <a:ln>
+            <a:noFill/>
+          </a:ln>
+          <a:effectLst>
+            <a:outerShdw blurRad="190500" algn="tl" rotWithShape="0">
+              <a:srgbClr val="000000">
+                <a:alpha val="70000"/>
+              </a:srgbClr>
+            </a:outerShdw>
+          </a:effectLst>
+        </p:spPr>
+      </p:pic>
+      <p:sp>
+        <p:nvSpPr>
+          <p:cNvPr id="4" name="Title 3">
+            <a:extLst>
+              <a:ext uri="{FF2B5EF4-FFF2-40B4-BE49-F238E27FC236}">
+                <a16:creationId xmlns:a16="http://schemas.microsoft.com/office/drawing/2014/main" id="{5FF723F9-A261-464E-8F90-5808671D53F3}"/>
+              </a:ext>
+            </a:extLst>
+          </p:cNvPr>
+          <p:cNvSpPr>
+            <a:spLocks noGrp="1"/>
+          </p:cNvSpPr>
+          <p:nvPr>
+            <p:ph type="title"/>
+          </p:nvPr>
+        </p:nvSpPr>
+        <p:spPr/>
+        <p:txBody>
+          <a:bodyPr/>
+          <a:lstStyle/>
+          <a:p>
+            <a:r>
+              <a:rPr lang="en-US" dirty="0"/>
+              <a:t>Get Device UID</a:t>
+            </a:r>
+            <a:br>
+              <a:rPr lang="en-US" dirty="0"/>
+            </a:br>
+            <a:r>
+              <a:rPr lang="en-US" sz="2000" dirty="0">
+                <a:solidFill>
+                  <a:schemeClr val="tx1">
+                    <a:lumMod val="65000"/>
+                    <a:lumOff val="35000"/>
+                  </a:schemeClr>
+                </a:solidFill>
+              </a:rPr>
+              <a:t>using notecard CLI</a:t>
+            </a:r>
+            <a:endParaRPr lang="en-US" dirty="0">
+              <a:solidFill>
+                <a:schemeClr val="tx1">
+                  <a:lumMod val="65000"/>
+                  <a:lumOff val="35000"/>
+                </a:schemeClr>
+              </a:solidFill>
+            </a:endParaRPr>
+          </a:p>
+        </p:txBody>
+      </p:sp>
+      <p:sp>
+        <p:nvSpPr>
+          <p:cNvPr id="6" name="Text Placeholder 5">
+            <a:extLst>
+              <a:ext uri="{FF2B5EF4-FFF2-40B4-BE49-F238E27FC236}">
+                <a16:creationId xmlns:a16="http://schemas.microsoft.com/office/drawing/2014/main" id="{45E49C6F-29E5-4381-9497-6FBCFC64D748}"/>
+              </a:ext>
+            </a:extLst>
+          </p:cNvPr>
+          <p:cNvSpPr>
+            <a:spLocks noGrp="1"/>
+          </p:cNvSpPr>
+          <p:nvPr>
+            <p:ph type="body" sz="half" idx="2"/>
+          </p:nvPr>
+        </p:nvSpPr>
+        <p:spPr/>
+        <p:txBody>
+          <a:bodyPr>
+            <a:normAutofit/>
+          </a:bodyPr>
+          <a:lstStyle/>
+          <a:p>
+            <a:endParaRPr lang="en-US" dirty="0"/>
+          </a:p>
+          <a:p>
+            <a:pPr marL="342900" indent="-342900">
+              <a:buAutoNum type="arabicPeriod"/>
+            </a:pPr>
+            <a:r>
+              <a:rPr lang="en-US" dirty="0"/>
+              <a:t>Connect </a:t>
+            </a:r>
+            <a:r>
+              <a:rPr lang="en-US" dirty="0" err="1"/>
+              <a:t>Notecarrier</a:t>
+            </a:r>
+            <a:r>
+              <a:rPr lang="en-US" dirty="0"/>
+              <a:t> with Notecard via USB to your computer</a:t>
+            </a:r>
+          </a:p>
+          <a:p>
+            <a:pPr marL="342900" indent="-342900">
+              <a:buAutoNum type="arabicPeriod"/>
+            </a:pPr>
+            <a:r>
+              <a:rPr lang="en-US" dirty="0"/>
+              <a:t>Open system command prompt</a:t>
+            </a:r>
+          </a:p>
+          <a:p>
+            <a:pPr marL="342900" indent="-342900">
+              <a:buAutoNum type="arabicPeriod"/>
+            </a:pPr>
+            <a:r>
+              <a:rPr lang="en-US" dirty="0"/>
+              <a:t>Change current directory to location that has notecard executable</a:t>
+            </a:r>
+          </a:p>
+          <a:p>
+            <a:pPr marL="342900" indent="-342900">
+              <a:buAutoNum type="arabicPeriod"/>
+            </a:pPr>
+            <a:r>
+              <a:rPr lang="en-US" dirty="0"/>
+              <a:t>Enter notecard -play</a:t>
+            </a:r>
+          </a:p>
+          <a:p>
+            <a:pPr marL="342900" indent="-342900">
+              <a:buAutoNum type="arabicPeriod"/>
+            </a:pPr>
+            <a:r>
+              <a:rPr lang="en-US" dirty="0"/>
+              <a:t>Enter {"req":"</a:t>
+            </a:r>
+            <a:r>
+              <a:rPr lang="en-US" dirty="0" err="1"/>
+              <a:t>service.get</a:t>
+            </a:r>
+            <a:r>
+              <a:rPr lang="en-US" dirty="0"/>
+              <a:t>"}</a:t>
+            </a:r>
+          </a:p>
+          <a:p>
+            <a:pPr marL="342900" indent="-342900">
+              <a:buAutoNum type="arabicPeriod"/>
+            </a:pPr>
+            <a:r>
+              <a:rPr lang="en-US" dirty="0"/>
+              <a:t>Copy the value of the "device" field</a:t>
+            </a:r>
+          </a:p>
+          <a:p>
+            <a:pPr lvl="1"/>
+            <a:r>
+              <a:rPr lang="en-US" dirty="0"/>
+              <a:t>e.g.:  </a:t>
+            </a:r>
+            <a:r>
+              <a:rPr lang="en-US" dirty="0">
+                <a:latin typeface="Consolas" panose="020B0609020204030204" pitchFamily="49" charset="0"/>
+              </a:rPr>
+              <a:t>imei:865284040125662</a:t>
+            </a:r>
+          </a:p>
+          <a:p>
+            <a:pPr marL="342900" indent="-342900">
+              <a:buAutoNum type="arabicPeriod"/>
+            </a:pPr>
+            <a:endParaRPr lang="en-US" dirty="0"/>
+          </a:p>
+          <a:p>
+            <a:pPr marL="342900" indent="-342900">
+              <a:buAutoNum type="arabicPeriod"/>
+            </a:pPr>
+            <a:endParaRPr lang="en-US" dirty="0"/>
+          </a:p>
+        </p:txBody>
+      </p:sp>
+      <p:sp>
+        <p:nvSpPr>
+          <p:cNvPr id="19" name="Oval 18">
+            <a:extLst>
+              <a:ext uri="{FF2B5EF4-FFF2-40B4-BE49-F238E27FC236}">
+                <a16:creationId xmlns:a16="http://schemas.microsoft.com/office/drawing/2014/main" id="{23200F2F-07C1-4A20-B6CF-4DE6A21CF09D}"/>
+              </a:ext>
+            </a:extLst>
+          </p:cNvPr>
+          <p:cNvSpPr/>
+          <p:nvPr/>
+        </p:nvSpPr>
+        <p:spPr>
+          <a:xfrm>
+            <a:off x="7090629" y="2489200"/>
+            <a:ext cx="274320" cy="274320"/>
+          </a:xfrm>
+          <a:prstGeom prst="ellipse">
+            <a:avLst/>
+          </a:prstGeom>
+        </p:spPr>
+        <p:style>
+          <a:lnRef idx="2">
+            <a:schemeClr val="accent6">
+              <a:shade val="50000"/>
+            </a:schemeClr>
+          </a:lnRef>
+          <a:fillRef idx="1">
+            <a:schemeClr val="accent6"/>
+          </a:fillRef>
+          <a:effectRef idx="0">
+            <a:schemeClr val="accent6"/>
+          </a:effectRef>
+          <a:fontRef idx="minor">
+            <a:schemeClr val="lt1"/>
+          </a:fontRef>
+        </p:style>
+        <p:txBody>
+          <a:bodyPr rtlCol="0" anchor="ctr"/>
+          <a:lstStyle/>
+          <a:p>
+            <a:pPr algn="ctr"/>
+            <a:r>
+              <a:rPr lang="en-US" dirty="0"/>
+              <a:t>5</a:t>
+            </a:r>
+          </a:p>
+        </p:txBody>
+      </p:sp>
+      <p:sp>
+        <p:nvSpPr>
+          <p:cNvPr id="23" name="Oval 22">
+            <a:extLst>
+              <a:ext uri="{FF2B5EF4-FFF2-40B4-BE49-F238E27FC236}">
+                <a16:creationId xmlns:a16="http://schemas.microsoft.com/office/drawing/2014/main" id="{39CDEC7D-736B-4C18-A807-EFEE16D2C903}"/>
+              </a:ext>
+            </a:extLst>
+          </p:cNvPr>
+          <p:cNvSpPr/>
+          <p:nvPr/>
+        </p:nvSpPr>
+        <p:spPr>
+          <a:xfrm>
+            <a:off x="9815828" y="2899004"/>
+            <a:ext cx="274320" cy="274320"/>
+          </a:xfrm>
+          <a:prstGeom prst="ellipse">
+            <a:avLst/>
+          </a:prstGeom>
+        </p:spPr>
+        <p:style>
+          <a:lnRef idx="2">
+            <a:schemeClr val="accent6">
+              <a:shade val="50000"/>
+            </a:schemeClr>
+          </a:lnRef>
+          <a:fillRef idx="1">
+            <a:schemeClr val="accent6"/>
+          </a:fillRef>
+          <a:effectRef idx="0">
+            <a:schemeClr val="accent6"/>
+          </a:effectRef>
+          <a:fontRef idx="minor">
+            <a:schemeClr val="lt1"/>
+          </a:fontRef>
+        </p:style>
+        <p:txBody>
+          <a:bodyPr rtlCol="0" anchor="ctr"/>
+          <a:lstStyle/>
+          <a:p>
+            <a:pPr algn="ctr"/>
+            <a:r>
+              <a:rPr lang="en-US" dirty="0"/>
+              <a:t>6</a:t>
+            </a:r>
+          </a:p>
+        </p:txBody>
+      </p:sp>
+      <p:sp>
+        <p:nvSpPr>
+          <p:cNvPr id="14" name="Oval 13">
+            <a:extLst>
+              <a:ext uri="{FF2B5EF4-FFF2-40B4-BE49-F238E27FC236}">
+                <a16:creationId xmlns:a16="http://schemas.microsoft.com/office/drawing/2014/main" id="{4B78ACC9-0490-46FB-81BA-477BF83AFAEE}"/>
+              </a:ext>
+            </a:extLst>
+          </p:cNvPr>
+          <p:cNvSpPr/>
+          <p:nvPr/>
+        </p:nvSpPr>
+        <p:spPr>
+          <a:xfrm>
+            <a:off x="7760968" y="1832117"/>
+            <a:ext cx="274320" cy="274320"/>
+          </a:xfrm>
+          <a:prstGeom prst="ellipse">
+            <a:avLst/>
+          </a:prstGeom>
+        </p:spPr>
+        <p:style>
+          <a:lnRef idx="2">
+            <a:schemeClr val="accent6">
+              <a:shade val="50000"/>
+            </a:schemeClr>
+          </a:lnRef>
+          <a:fillRef idx="1">
+            <a:schemeClr val="accent6"/>
+          </a:fillRef>
+          <a:effectRef idx="0">
+            <a:schemeClr val="accent6"/>
+          </a:effectRef>
+          <a:fontRef idx="minor">
+            <a:schemeClr val="lt1"/>
+          </a:fontRef>
+        </p:style>
+        <p:txBody>
+          <a:bodyPr rtlCol="0" anchor="ctr"/>
+          <a:lstStyle/>
+          <a:p>
+            <a:pPr algn="ctr"/>
+            <a:r>
+              <a:rPr lang="en-US" dirty="0"/>
+              <a:t>4</a:t>
+            </a:r>
+          </a:p>
+        </p:txBody>
+      </p:sp>
+    </p:spTree>
+    <p:extLst>
+      <p:ext uri="{BB962C8B-B14F-4D97-AF65-F5344CB8AC3E}">
+        <p14:creationId xmlns:p14="http://schemas.microsoft.com/office/powerpoint/2010/main" val="3282505566"/>
+      </p:ext>
+    </p:extLst>
+  </p:cSld>
+  <p:clrMapOvr>
+    <a:masterClrMapping/>
+  </p:clrMapOvr>
+</p:sld>
+</file>
+
+<file path=ppt/slides/slide37.xml><?xml version="1.0" encoding="utf-8"?>
+<p:sld xmlns:a="http://schemas.openxmlformats.org/drawingml/2006/main" xmlns:r="http://schemas.openxmlformats.org/officeDocument/2006/relationships" xmlns:p="http://schemas.openxmlformats.org/presentationml/2006/main">
+  <p:cSld>
+    <p:spTree>
+      <p:nvGrpSpPr>
+        <p:cNvPr id="1" name=""/>
+        <p:cNvGrpSpPr/>
+        <p:nvPr/>
+      </p:nvGrpSpPr>
+      <p:grpSpPr>
+        <a:xfrm>
+          <a:off x="0" y="0"/>
+          <a:ext cx="0" cy="0"/>
+          <a:chOff x="0" y="0"/>
+          <a:chExt cx="0" cy="0"/>
+        </a:xfrm>
+      </p:grpSpPr>
+      <p:sp>
+        <p:nvSpPr>
+          <p:cNvPr id="4" name="Title 3">
+            <a:extLst>
+              <a:ext uri="{FF2B5EF4-FFF2-40B4-BE49-F238E27FC236}">
+                <a16:creationId xmlns:a16="http://schemas.microsoft.com/office/drawing/2014/main" id="{5FF723F9-A261-464E-8F90-5808671D53F3}"/>
+              </a:ext>
+            </a:extLst>
+          </p:cNvPr>
+          <p:cNvSpPr>
+            <a:spLocks noGrp="1"/>
+          </p:cNvSpPr>
+          <p:nvPr>
+            <p:ph type="title"/>
+          </p:nvPr>
+        </p:nvSpPr>
+        <p:spPr/>
+        <p:txBody>
+          <a:bodyPr/>
+          <a:lstStyle/>
+          <a:p>
+            <a:r>
+              <a:rPr lang="en-US" dirty="0"/>
+              <a:t>Create QI-file on </a:t>
+            </a:r>
+            <a:r>
+              <a:rPr lang="en-US" dirty="0" err="1"/>
+              <a:t>Notehub</a:t>
+            </a:r>
+            <a:br>
+              <a:rPr lang="en-US" dirty="0"/>
+            </a:br>
+            <a:r>
+              <a:rPr lang="en-US" sz="2000" dirty="0">
+                <a:solidFill>
+                  <a:schemeClr val="tx1">
+                    <a:lumMod val="65000"/>
+                    <a:lumOff val="35000"/>
+                  </a:schemeClr>
+                </a:solidFill>
+              </a:rPr>
+              <a:t>using </a:t>
+            </a:r>
+            <a:r>
+              <a:rPr lang="en-US" sz="2000" dirty="0" err="1">
+                <a:solidFill>
+                  <a:schemeClr val="tx1">
+                    <a:lumMod val="65000"/>
+                    <a:lumOff val="35000"/>
+                  </a:schemeClr>
+                </a:solidFill>
+              </a:rPr>
+              <a:t>cURL</a:t>
+            </a:r>
+            <a:endParaRPr lang="en-US" dirty="0">
+              <a:solidFill>
+                <a:schemeClr val="tx1">
+                  <a:lumMod val="65000"/>
+                  <a:lumOff val="35000"/>
+                </a:schemeClr>
+              </a:solidFill>
+            </a:endParaRPr>
+          </a:p>
+        </p:txBody>
+      </p:sp>
+      <p:sp>
+        <p:nvSpPr>
+          <p:cNvPr id="6" name="Text Placeholder 5">
+            <a:extLst>
+              <a:ext uri="{FF2B5EF4-FFF2-40B4-BE49-F238E27FC236}">
+                <a16:creationId xmlns:a16="http://schemas.microsoft.com/office/drawing/2014/main" id="{45E49C6F-29E5-4381-9497-6FBCFC64D748}"/>
+              </a:ext>
+            </a:extLst>
+          </p:cNvPr>
+          <p:cNvSpPr>
+            <a:spLocks noGrp="1"/>
+          </p:cNvSpPr>
+          <p:nvPr>
+            <p:ph type="body" sz="half" idx="2"/>
+          </p:nvPr>
+        </p:nvSpPr>
+        <p:spPr/>
+        <p:txBody>
+          <a:bodyPr>
+            <a:normAutofit/>
+          </a:bodyPr>
+          <a:lstStyle/>
+          <a:p>
+            <a:endParaRPr lang="en-US" dirty="0"/>
+          </a:p>
+          <a:p>
+            <a:pPr marL="342900" indent="-342900">
+              <a:buAutoNum type="arabicPeriod"/>
+            </a:pPr>
+            <a:r>
+              <a:rPr lang="en-US" dirty="0"/>
+              <a:t>Open system command prompt</a:t>
+            </a:r>
+          </a:p>
+          <a:p>
+            <a:pPr marL="342900" indent="-342900">
+              <a:buAutoNum type="arabicPeriod"/>
+            </a:pPr>
+            <a:r>
+              <a:rPr lang="en-US" dirty="0"/>
+              <a:t>Enter </a:t>
+            </a:r>
+            <a:r>
+              <a:rPr lang="en-US" dirty="0" err="1"/>
+              <a:t>cURL</a:t>
+            </a:r>
+            <a:r>
+              <a:rPr lang="en-US" dirty="0"/>
+              <a:t> command as shown on the right</a:t>
+            </a:r>
+          </a:p>
+          <a:p>
+            <a:pPr lvl="1"/>
+            <a:r>
+              <a:rPr lang="en-US" dirty="0"/>
+              <a:t>* Replace &lt;</a:t>
+            </a:r>
+            <a:r>
+              <a:rPr lang="en-US" dirty="0" err="1"/>
+              <a:t>xxxx</a:t>
+            </a:r>
+            <a:r>
+              <a:rPr lang="en-US" dirty="0"/>
+              <a:t>&gt; in the command with your specific, app </a:t>
+            </a:r>
+            <a:r>
+              <a:rPr lang="en-US" dirty="0" err="1"/>
+              <a:t>uid</a:t>
+            </a:r>
+            <a:r>
+              <a:rPr lang="en-US" dirty="0"/>
+              <a:t>, device </a:t>
+            </a:r>
+            <a:r>
+              <a:rPr lang="en-US" dirty="0" err="1"/>
+              <a:t>uid</a:t>
+            </a:r>
+            <a:r>
+              <a:rPr lang="en-US" dirty="0"/>
+              <a:t>, notefile name, and JSON body.</a:t>
+            </a:r>
+          </a:p>
+          <a:p>
+            <a:endParaRPr lang="en-US" dirty="0"/>
+          </a:p>
+          <a:p>
+            <a:endParaRPr lang="en-US" dirty="0"/>
+          </a:p>
+          <a:p>
+            <a:pPr lvl="1"/>
+            <a:endParaRPr lang="en-US" dirty="0"/>
+          </a:p>
+          <a:p>
+            <a:pPr lvl="1"/>
+            <a:endParaRPr lang="en-US" dirty="0"/>
+          </a:p>
+          <a:p>
+            <a:pPr marL="342900" indent="-342900">
+              <a:buAutoNum type="arabicPeriod"/>
+            </a:pPr>
+            <a:endParaRPr lang="en-US" dirty="0"/>
+          </a:p>
+        </p:txBody>
+      </p:sp>
+      <p:graphicFrame>
+        <p:nvGraphicFramePr>
+          <p:cNvPr id="11" name="Table 11">
+            <a:extLst>
+              <a:ext uri="{FF2B5EF4-FFF2-40B4-BE49-F238E27FC236}">
+                <a16:creationId xmlns:a16="http://schemas.microsoft.com/office/drawing/2014/main" id="{CECF9721-00FC-4ECC-8663-C4A536008148}"/>
+              </a:ext>
+            </a:extLst>
+          </p:cNvPr>
+          <p:cNvGraphicFramePr>
+            <a:graphicFrameLocks noGrp="1"/>
+          </p:cNvGraphicFramePr>
+          <p:nvPr>
+            <p:ph idx="1"/>
+            <p:extLst>
+              <p:ext uri="{D42A27DB-BD31-4B8C-83A1-F6EECF244321}">
+                <p14:modId xmlns:p14="http://schemas.microsoft.com/office/powerpoint/2010/main" val="264568411"/>
+              </p:ext>
+            </p:extLst>
+          </p:nvPr>
+        </p:nvGraphicFramePr>
+        <p:xfrm>
+          <a:off x="5183188" y="987425"/>
+          <a:ext cx="6172200" cy="1965960"/>
+        </p:xfrm>
+        <a:graphic>
+          <a:graphicData uri="http://schemas.openxmlformats.org/drawingml/2006/table">
+            <a:tbl>
+              <a:tblPr firstRow="1" bandRow="1">
+                <a:tableStyleId>{7E9639D4-E3E2-4D34-9284-5A2195B3D0D7}</a:tableStyleId>
+              </a:tblPr>
+              <a:tblGrid>
+                <a:gridCol w="1120429">
+                  <a:extLst>
+                    <a:ext uri="{9D8B030D-6E8A-4147-A177-3AD203B41FA5}">
+                      <a16:colId xmlns:a16="http://schemas.microsoft.com/office/drawing/2014/main" val="389613337"/>
+                    </a:ext>
+                  </a:extLst>
+                </a:gridCol>
+                <a:gridCol w="2080592">
+                  <a:extLst>
+                    <a:ext uri="{9D8B030D-6E8A-4147-A177-3AD203B41FA5}">
+                      <a16:colId xmlns:a16="http://schemas.microsoft.com/office/drawing/2014/main" val="1529368550"/>
+                    </a:ext>
+                  </a:extLst>
+                </a:gridCol>
+                <a:gridCol w="2971179">
+                  <a:extLst>
+                    <a:ext uri="{9D8B030D-6E8A-4147-A177-3AD203B41FA5}">
+                      <a16:colId xmlns:a16="http://schemas.microsoft.com/office/drawing/2014/main" val="1662634098"/>
+                    </a:ext>
+                  </a:extLst>
+                </a:gridCol>
+              </a:tblGrid>
+              <a:tr h="370840">
+                <a:tc>
+                  <a:txBody>
+                    <a:bodyPr/>
+                    <a:lstStyle/>
+                    <a:p>
+                      <a:endParaRPr lang="en-US" sz="1100" dirty="0"/>
+                    </a:p>
+                  </a:txBody>
+                  <a:tcPr/>
+                </a:tc>
+                <a:tc>
+                  <a:txBody>
+                    <a:bodyPr/>
+                    <a:lstStyle/>
+                    <a:p>
+                      <a:r>
+                        <a:rPr lang="en-US" sz="1100" dirty="0"/>
+                        <a:t>Description</a:t>
+                      </a:r>
+                    </a:p>
+                  </a:txBody>
+                  <a:tcPr/>
+                </a:tc>
+                <a:tc>
+                  <a:txBody>
+                    <a:bodyPr/>
+                    <a:lstStyle/>
+                    <a:p>
+                      <a:r>
+                        <a:rPr lang="en-US" sz="1100" dirty="0"/>
+                        <a:t>Example</a:t>
+                      </a:r>
+                    </a:p>
+                  </a:txBody>
+                  <a:tcPr/>
+                </a:tc>
+                <a:extLst>
+                  <a:ext uri="{0D108BD9-81ED-4DB2-BD59-A6C34878D82A}">
+                    <a16:rowId xmlns:a16="http://schemas.microsoft.com/office/drawing/2014/main" val="1013526946"/>
+                  </a:ext>
+                </a:extLst>
+              </a:tr>
+              <a:tr h="370840">
+                <a:tc>
+                  <a:txBody>
+                    <a:bodyPr/>
+                    <a:lstStyle/>
+                    <a:p>
+                      <a:r>
+                        <a:rPr lang="en-US" sz="1100" dirty="0"/>
+                        <a:t>&lt;</a:t>
+                      </a:r>
+                      <a:r>
+                        <a:rPr lang="en-US" sz="1100" dirty="0" err="1"/>
+                        <a:t>app_uid</a:t>
+                      </a:r>
+                      <a:r>
+                        <a:rPr lang="en-US" sz="1100" dirty="0"/>
+                        <a:t>&gt;</a:t>
+                      </a:r>
+                    </a:p>
+                  </a:txBody>
+                  <a:tcPr/>
+                </a:tc>
+                <a:tc>
+                  <a:txBody>
+                    <a:bodyPr/>
+                    <a:lstStyle/>
+                    <a:p>
+                      <a:r>
+                        <a:rPr lang="en-US" sz="1100" dirty="0"/>
+                        <a:t>App UID</a:t>
+                      </a:r>
+                    </a:p>
+                  </a:txBody>
+                  <a:tcPr/>
+                </a:tc>
+                <a:tc>
+                  <a:txBody>
+                    <a:bodyPr/>
+                    <a:lstStyle/>
+                    <a:p>
+                      <a:r>
+                        <a:rPr lang="en-US" sz="900" dirty="0"/>
+                        <a:t>app:d8edc5cc-c7d7-48ef-aeda-7147b884111a</a:t>
+                      </a:r>
+                      <a:endParaRPr lang="en-US" sz="900" dirty="0">
+                        <a:latin typeface="Consolas" panose="020B0609020204030204" pitchFamily="49" charset="0"/>
+                      </a:endParaRPr>
+                    </a:p>
+                  </a:txBody>
+                  <a:tcPr/>
+                </a:tc>
+                <a:extLst>
+                  <a:ext uri="{0D108BD9-81ED-4DB2-BD59-A6C34878D82A}">
+                    <a16:rowId xmlns:a16="http://schemas.microsoft.com/office/drawing/2014/main" val="1899337536"/>
+                  </a:ext>
+                </a:extLst>
+              </a:tr>
+              <a:tr h="370840">
+                <a:tc>
+                  <a:txBody>
+                    <a:bodyPr/>
+                    <a:lstStyle/>
+                    <a:p>
+                      <a:r>
+                        <a:rPr lang="en-US" sz="1100" dirty="0"/>
+                        <a:t>&lt;</a:t>
+                      </a:r>
+                      <a:r>
+                        <a:rPr lang="en-US" sz="1100" dirty="0" err="1"/>
+                        <a:t>device_uid</a:t>
+                      </a:r>
+                      <a:r>
+                        <a:rPr lang="en-US" sz="1100" dirty="0"/>
+                        <a:t>&gt;</a:t>
+                      </a:r>
+                    </a:p>
+                  </a:txBody>
+                  <a:tcPr/>
+                </a:tc>
+                <a:tc>
+                  <a:txBody>
+                    <a:bodyPr/>
+                    <a:lstStyle/>
+                    <a:p>
+                      <a:r>
+                        <a:rPr lang="en-US" sz="1100" dirty="0"/>
+                        <a:t>Device UID</a:t>
+                      </a:r>
+                    </a:p>
+                  </a:txBody>
+                  <a:tcPr/>
+                </a:tc>
+                <a:tc>
+                  <a:txBody>
+                    <a:bodyPr/>
+                    <a:lstStyle/>
+                    <a:p>
+                      <a:pPr marL="0" marR="0" lvl="0" indent="0" algn="l" defTabSz="914400" rtl="0" eaLnBrk="1" fontAlgn="auto" latinLnBrk="0" hangingPunct="1">
+                        <a:lnSpc>
+                          <a:spcPct val="100000"/>
+                        </a:lnSpc>
+                        <a:spcBef>
+                          <a:spcPts val="0"/>
+                        </a:spcBef>
+                        <a:spcAft>
+                          <a:spcPts val="0"/>
+                        </a:spcAft>
+                        <a:buClrTx/>
+                        <a:buSzTx/>
+                        <a:buFontTx/>
+                        <a:buNone/>
+                        <a:tabLst/>
+                        <a:defRPr/>
+                      </a:pPr>
+                      <a:r>
+                        <a:rPr lang="en-US" sz="900" dirty="0"/>
+                        <a:t>imei:865284040125662</a:t>
+                      </a:r>
+                      <a:endParaRPr lang="en-US" sz="900" dirty="0">
+                        <a:latin typeface="Consolas" panose="020B0609020204030204" pitchFamily="49" charset="0"/>
+                      </a:endParaRPr>
+                    </a:p>
+                  </a:txBody>
+                  <a:tcPr/>
+                </a:tc>
+                <a:extLst>
+                  <a:ext uri="{0D108BD9-81ED-4DB2-BD59-A6C34878D82A}">
+                    <a16:rowId xmlns:a16="http://schemas.microsoft.com/office/drawing/2014/main" val="4133346913"/>
+                  </a:ext>
+                </a:extLst>
+              </a:tr>
+              <a:tr h="370840">
+                <a:tc>
+                  <a:txBody>
+                    <a:bodyPr/>
+                    <a:lstStyle/>
+                    <a:p>
+                      <a:r>
+                        <a:rPr lang="en-US" sz="1100" dirty="0"/>
+                        <a:t>&lt;</a:t>
+                      </a:r>
+                      <a:r>
+                        <a:rPr lang="en-US" sz="1100" dirty="0" err="1"/>
+                        <a:t>notefile.qi</a:t>
+                      </a:r>
+                      <a:r>
+                        <a:rPr lang="en-US" sz="1100" dirty="0"/>
+                        <a:t>&gt;</a:t>
+                      </a:r>
+                    </a:p>
+                  </a:txBody>
+                  <a:tcPr/>
+                </a:tc>
+                <a:tc>
+                  <a:txBody>
+                    <a:bodyPr/>
+                    <a:lstStyle/>
+                    <a:p>
+                      <a:r>
+                        <a:rPr lang="en-US" sz="1100" dirty="0"/>
+                        <a:t>Name of Notefile syncing from </a:t>
+                      </a:r>
+                      <a:r>
+                        <a:rPr lang="en-US" sz="1100" dirty="0" err="1"/>
+                        <a:t>Notehub</a:t>
+                      </a:r>
+                      <a:r>
+                        <a:rPr lang="en-US" sz="1100" dirty="0"/>
+                        <a:t> to Notecard</a:t>
+                      </a:r>
+                    </a:p>
+                  </a:txBody>
+                  <a:tcPr/>
+                </a:tc>
+                <a:tc>
+                  <a:txBody>
+                    <a:bodyPr/>
+                    <a:lstStyle/>
+                    <a:p>
+                      <a:r>
+                        <a:rPr lang="en-US" sz="900" dirty="0"/>
+                        <a:t>my-</a:t>
+                      </a:r>
+                      <a:r>
+                        <a:rPr lang="en-US" sz="900" dirty="0" err="1"/>
+                        <a:t>inbound.qi</a:t>
+                      </a:r>
+                      <a:endParaRPr lang="en-US" sz="900" dirty="0">
+                        <a:latin typeface="Consolas" panose="020B0609020204030204" pitchFamily="49" charset="0"/>
+                      </a:endParaRPr>
+                    </a:p>
+                  </a:txBody>
+                  <a:tcPr/>
+                </a:tc>
+                <a:extLst>
+                  <a:ext uri="{0D108BD9-81ED-4DB2-BD59-A6C34878D82A}">
+                    <a16:rowId xmlns:a16="http://schemas.microsoft.com/office/drawing/2014/main" val="3911983428"/>
+                  </a:ext>
+                </a:extLst>
+              </a:tr>
+              <a:tr h="370840">
+                <a:tc>
+                  <a:txBody>
+                    <a:bodyPr/>
+                    <a:lstStyle/>
+                    <a:p>
+                      <a:r>
+                        <a:rPr lang="en-US" sz="1100" dirty="0"/>
+                        <a:t>&lt;</a:t>
+                      </a:r>
+                      <a:r>
+                        <a:rPr lang="en-US" sz="1100" dirty="0" err="1"/>
+                        <a:t>body_json</a:t>
+                      </a:r>
+                      <a:r>
+                        <a:rPr lang="en-US" sz="1100" dirty="0"/>
+                        <a:t>&gt;</a:t>
+                      </a:r>
+                    </a:p>
+                  </a:txBody>
+                  <a:tcPr/>
+                </a:tc>
+                <a:tc>
+                  <a:txBody>
+                    <a:bodyPr/>
+                    <a:lstStyle/>
+                    <a:p>
+                      <a:r>
+                        <a:rPr lang="en-US" sz="1100" dirty="0"/>
+                        <a:t>JSON data that is sent to Notecard</a:t>
+                      </a:r>
+                    </a:p>
+                  </a:txBody>
+                  <a:tcPr/>
+                </a:tc>
+                <a:tc>
+                  <a:txBody>
+                    <a:bodyPr/>
+                    <a:lstStyle/>
+                    <a:p>
+                      <a:r>
+                        <a:rPr lang="en-US" sz="900" dirty="0"/>
+                        <a:t>{"key1":"value1"}</a:t>
+                      </a:r>
+                      <a:endParaRPr lang="en-US" sz="900" dirty="0">
+                        <a:latin typeface="Consolas" panose="020B0609020204030204" pitchFamily="49" charset="0"/>
+                      </a:endParaRPr>
+                    </a:p>
+                  </a:txBody>
+                  <a:tcPr/>
+                </a:tc>
+                <a:extLst>
+                  <a:ext uri="{0D108BD9-81ED-4DB2-BD59-A6C34878D82A}">
+                    <a16:rowId xmlns:a16="http://schemas.microsoft.com/office/drawing/2014/main" val="3676802430"/>
+                  </a:ext>
+                </a:extLst>
+              </a:tr>
+            </a:tbl>
+          </a:graphicData>
+        </a:graphic>
+      </p:graphicFrame>
+      <p:sp>
+        <p:nvSpPr>
+          <p:cNvPr id="15" name="TextBox 14">
+            <a:extLst>
+              <a:ext uri="{FF2B5EF4-FFF2-40B4-BE49-F238E27FC236}">
+                <a16:creationId xmlns:a16="http://schemas.microsoft.com/office/drawing/2014/main" id="{682AFCB8-687B-4F50-895B-80FFCB08BEBC}"/>
+              </a:ext>
+            </a:extLst>
+          </p:cNvPr>
+          <p:cNvSpPr txBox="1"/>
+          <p:nvPr/>
+        </p:nvSpPr>
+        <p:spPr>
+          <a:xfrm>
+            <a:off x="5183188" y="3429000"/>
+            <a:ext cx="5475976" cy="369332"/>
+          </a:xfrm>
+          <a:prstGeom prst="rect">
+            <a:avLst/>
+          </a:prstGeom>
+        </p:spPr>
+        <p:style>
+          <a:lnRef idx="2">
+            <a:schemeClr val="dk1"/>
+          </a:lnRef>
+          <a:fillRef idx="1">
+            <a:schemeClr val="lt1"/>
+          </a:fillRef>
+          <a:effectRef idx="0">
+            <a:schemeClr val="dk1"/>
+          </a:effectRef>
+          <a:fontRef idx="minor">
+            <a:schemeClr val="dk1"/>
+          </a:fontRef>
+        </p:style>
+        <p:txBody>
+          <a:bodyPr wrap="square" rtlCol="0">
+            <a:spAutoFit/>
+          </a:bodyPr>
+          <a:lstStyle/>
+          <a:p>
+            <a:r>
+              <a:rPr lang="en-US" sz="900" dirty="0">
+                <a:latin typeface="Consolas" panose="020B0609020204030204" pitchFamily="49" charset="0"/>
+              </a:rPr>
+              <a:t>curl -L 'http://api.notefile.net/</a:t>
+            </a:r>
+            <a:r>
+              <a:rPr lang="en-US" sz="900" dirty="0" err="1">
+                <a:latin typeface="Consolas" panose="020B0609020204030204" pitchFamily="49" charset="0"/>
+              </a:rPr>
+              <a:t>req?project</a:t>
+            </a:r>
+            <a:r>
+              <a:rPr lang="en-US" sz="900" dirty="0">
+                <a:latin typeface="Consolas" panose="020B0609020204030204" pitchFamily="49" charset="0"/>
+              </a:rPr>
+              <a:t>="</a:t>
+            </a:r>
+            <a:r>
+              <a:rPr lang="en-US" sz="900" b="1" dirty="0">
+                <a:latin typeface="Consolas" panose="020B0609020204030204" pitchFamily="49" charset="0"/>
+              </a:rPr>
+              <a:t>&lt;</a:t>
+            </a:r>
+            <a:r>
+              <a:rPr lang="en-US" sz="900" b="1" dirty="0" err="1">
+                <a:latin typeface="Consolas" panose="020B0609020204030204" pitchFamily="49" charset="0"/>
+              </a:rPr>
+              <a:t>app_uid</a:t>
+            </a:r>
+            <a:r>
+              <a:rPr lang="en-US" sz="900" b="1" dirty="0">
+                <a:latin typeface="Consolas" panose="020B0609020204030204" pitchFamily="49" charset="0"/>
+              </a:rPr>
+              <a:t>&gt;</a:t>
+            </a:r>
+            <a:r>
+              <a:rPr lang="en-US" sz="900" dirty="0">
+                <a:latin typeface="Consolas" panose="020B0609020204030204" pitchFamily="49" charset="0"/>
+              </a:rPr>
+              <a:t>"&amp;device="</a:t>
+            </a:r>
+            <a:r>
+              <a:rPr lang="en-US" sz="900" b="1" dirty="0">
+                <a:latin typeface="Consolas" panose="020B0609020204030204" pitchFamily="49" charset="0"/>
+              </a:rPr>
+              <a:t>&lt;</a:t>
+            </a:r>
+            <a:r>
+              <a:rPr lang="en-US" sz="900" b="1" dirty="0" err="1">
+                <a:latin typeface="Consolas" panose="020B0609020204030204" pitchFamily="49" charset="0"/>
+              </a:rPr>
+              <a:t>device_uid</a:t>
+            </a:r>
+            <a:r>
+              <a:rPr lang="en-US" sz="900" b="1" dirty="0">
+                <a:latin typeface="Consolas" panose="020B0609020204030204" pitchFamily="49" charset="0"/>
+              </a:rPr>
+              <a:t>&gt;</a:t>
+            </a:r>
+            <a:r>
+              <a:rPr lang="en-US" sz="900" dirty="0">
+                <a:latin typeface="Consolas" panose="020B0609020204030204" pitchFamily="49" charset="0"/>
+              </a:rPr>
+              <a:t>"' -d '{"</a:t>
+            </a:r>
+            <a:r>
+              <a:rPr lang="en-US" sz="900" dirty="0" err="1">
+                <a:latin typeface="Consolas" panose="020B0609020204030204" pitchFamily="49" charset="0"/>
+              </a:rPr>
+              <a:t>req":"note.add","file</a:t>
+            </a:r>
+            <a:r>
+              <a:rPr lang="en-US" sz="900" dirty="0">
+                <a:latin typeface="Consolas" panose="020B0609020204030204" pitchFamily="49" charset="0"/>
+              </a:rPr>
+              <a:t>":"</a:t>
+            </a:r>
+            <a:r>
+              <a:rPr lang="en-US" sz="900" b="1" dirty="0">
+                <a:latin typeface="Consolas" panose="020B0609020204030204" pitchFamily="49" charset="0"/>
+              </a:rPr>
+              <a:t>&lt;</a:t>
+            </a:r>
+            <a:r>
+              <a:rPr lang="en-US" sz="900" b="1" dirty="0" err="1">
+                <a:latin typeface="Consolas" panose="020B0609020204030204" pitchFamily="49" charset="0"/>
+              </a:rPr>
+              <a:t>notefile.qi</a:t>
+            </a:r>
+            <a:r>
+              <a:rPr lang="en-US" sz="900" b="1" dirty="0">
+                <a:latin typeface="Consolas" panose="020B0609020204030204" pitchFamily="49" charset="0"/>
+              </a:rPr>
+              <a:t>&gt;</a:t>
+            </a:r>
+            <a:r>
+              <a:rPr lang="en-US" sz="900" dirty="0">
+                <a:latin typeface="Consolas" panose="020B0609020204030204" pitchFamily="49" charset="0"/>
+              </a:rPr>
+              <a:t>","body":</a:t>
+            </a:r>
+            <a:r>
+              <a:rPr lang="en-US" sz="900" b="1" dirty="0">
+                <a:latin typeface="Consolas" panose="020B0609020204030204" pitchFamily="49" charset="0"/>
+              </a:rPr>
+              <a:t>&lt;</a:t>
+            </a:r>
+            <a:r>
+              <a:rPr lang="en-US" sz="900" b="1" dirty="0" err="1">
+                <a:latin typeface="Consolas" panose="020B0609020204030204" pitchFamily="49" charset="0"/>
+              </a:rPr>
+              <a:t>body_json</a:t>
+            </a:r>
+            <a:r>
+              <a:rPr lang="en-US" sz="900" b="1" dirty="0">
+                <a:latin typeface="Consolas" panose="020B0609020204030204" pitchFamily="49" charset="0"/>
+              </a:rPr>
+              <a:t>&gt;</a:t>
+            </a:r>
+            <a:r>
+              <a:rPr lang="en-US" sz="900" dirty="0">
+                <a:latin typeface="Consolas" panose="020B0609020204030204" pitchFamily="49" charset="0"/>
+              </a:rPr>
+              <a:t>}'</a:t>
+            </a:r>
+          </a:p>
+        </p:txBody>
+      </p:sp>
+      <p:sp>
+        <p:nvSpPr>
+          <p:cNvPr id="20" name="TextBox 19">
+            <a:extLst>
+              <a:ext uri="{FF2B5EF4-FFF2-40B4-BE49-F238E27FC236}">
+                <a16:creationId xmlns:a16="http://schemas.microsoft.com/office/drawing/2014/main" id="{55FE2A53-4DF5-43BC-B336-3D4CA5B652CD}"/>
+              </a:ext>
+            </a:extLst>
+          </p:cNvPr>
+          <p:cNvSpPr txBox="1"/>
+          <p:nvPr/>
+        </p:nvSpPr>
+        <p:spPr>
+          <a:xfrm>
+            <a:off x="5183188" y="4204252"/>
+            <a:ext cx="5475977" cy="369332"/>
+          </a:xfrm>
+          <a:prstGeom prst="rect">
+            <a:avLst/>
+          </a:prstGeom>
+        </p:spPr>
+        <p:style>
+          <a:lnRef idx="2">
+            <a:schemeClr val="dk1"/>
+          </a:lnRef>
+          <a:fillRef idx="1">
+            <a:schemeClr val="lt1"/>
+          </a:fillRef>
+          <a:effectRef idx="0">
+            <a:schemeClr val="dk1"/>
+          </a:effectRef>
+          <a:fontRef idx="minor">
+            <a:schemeClr val="dk1"/>
+          </a:fontRef>
+        </p:style>
+        <p:txBody>
+          <a:bodyPr wrap="square" rtlCol="0">
+            <a:spAutoFit/>
+          </a:bodyPr>
+          <a:lstStyle/>
+          <a:p>
+            <a:r>
+              <a:rPr lang="en-US" sz="900" dirty="0">
+                <a:latin typeface="Consolas" panose="020B0609020204030204" pitchFamily="49" charset="0"/>
+              </a:rPr>
+              <a:t>curl -L "http://api.notefile.net/</a:t>
+            </a:r>
+            <a:r>
+              <a:rPr lang="en-US" sz="900" dirty="0" err="1">
+                <a:latin typeface="Consolas" panose="020B0609020204030204" pitchFamily="49" charset="0"/>
+              </a:rPr>
+              <a:t>req?project</a:t>
+            </a:r>
+            <a:r>
+              <a:rPr lang="en-US" sz="900" dirty="0">
+                <a:latin typeface="Consolas" panose="020B0609020204030204" pitchFamily="49" charset="0"/>
+              </a:rPr>
+              <a:t>=\"</a:t>
+            </a:r>
+            <a:r>
+              <a:rPr lang="en-US" sz="900" b="1" dirty="0">
+                <a:latin typeface="Consolas" panose="020B0609020204030204" pitchFamily="49" charset="0"/>
+              </a:rPr>
+              <a:t>&lt;</a:t>
+            </a:r>
+            <a:r>
+              <a:rPr lang="en-US" sz="900" b="1" dirty="0" err="1">
+                <a:latin typeface="Consolas" panose="020B0609020204030204" pitchFamily="49" charset="0"/>
+              </a:rPr>
+              <a:t>app_uid</a:t>
+            </a:r>
+            <a:r>
+              <a:rPr lang="en-US" sz="900" b="1" dirty="0">
+                <a:latin typeface="Consolas" panose="020B0609020204030204" pitchFamily="49" charset="0"/>
+              </a:rPr>
+              <a:t>&gt;</a:t>
+            </a:r>
+            <a:r>
+              <a:rPr lang="en-US" sz="900" dirty="0">
+                <a:latin typeface="Consolas" panose="020B0609020204030204" pitchFamily="49" charset="0"/>
+              </a:rPr>
+              <a:t>\"&amp;device=\"</a:t>
+            </a:r>
+            <a:r>
+              <a:rPr lang="en-US" sz="900" b="1" dirty="0">
+                <a:latin typeface="Consolas" panose="020B0609020204030204" pitchFamily="49" charset="0"/>
+              </a:rPr>
+              <a:t>&lt;</a:t>
+            </a:r>
+            <a:r>
+              <a:rPr lang="en-US" sz="900" b="1" dirty="0" err="1">
+                <a:latin typeface="Consolas" panose="020B0609020204030204" pitchFamily="49" charset="0"/>
+              </a:rPr>
+              <a:t>device_uid</a:t>
+            </a:r>
+            <a:r>
+              <a:rPr lang="en-US" sz="900" b="1" dirty="0">
+                <a:latin typeface="Consolas" panose="020B0609020204030204" pitchFamily="49" charset="0"/>
+              </a:rPr>
+              <a:t>&gt;</a:t>
+            </a:r>
+            <a:r>
+              <a:rPr lang="en-US" sz="900" dirty="0">
+                <a:latin typeface="Consolas" panose="020B0609020204030204" pitchFamily="49" charset="0"/>
+              </a:rPr>
+              <a:t>\"" -d "{\"req\":\"</a:t>
+            </a:r>
+            <a:r>
+              <a:rPr lang="en-US" sz="900" dirty="0" err="1">
+                <a:latin typeface="Consolas" panose="020B0609020204030204" pitchFamily="49" charset="0"/>
+              </a:rPr>
+              <a:t>note.add</a:t>
+            </a:r>
+            <a:r>
+              <a:rPr lang="en-US" sz="900" dirty="0">
+                <a:latin typeface="Consolas" panose="020B0609020204030204" pitchFamily="49" charset="0"/>
+              </a:rPr>
+              <a:t>\",\"file\":\"</a:t>
+            </a:r>
+            <a:r>
+              <a:rPr lang="en-US" sz="900" b="1" dirty="0">
+                <a:latin typeface="Consolas" panose="020B0609020204030204" pitchFamily="49" charset="0"/>
+              </a:rPr>
+              <a:t>&lt;</a:t>
+            </a:r>
+            <a:r>
+              <a:rPr lang="en-US" sz="900" b="1" dirty="0" err="1">
+                <a:latin typeface="Consolas" panose="020B0609020204030204" pitchFamily="49" charset="0"/>
+              </a:rPr>
+              <a:t>notefile.qi</a:t>
+            </a:r>
+            <a:r>
+              <a:rPr lang="en-US" sz="900" b="1" dirty="0">
+                <a:latin typeface="Consolas" panose="020B0609020204030204" pitchFamily="49" charset="0"/>
+              </a:rPr>
+              <a:t>&gt;</a:t>
+            </a:r>
+            <a:r>
+              <a:rPr lang="en-US" sz="900" dirty="0">
+                <a:latin typeface="Consolas" panose="020B0609020204030204" pitchFamily="49" charset="0"/>
+              </a:rPr>
+              <a:t>\",\"body\":</a:t>
+            </a:r>
+            <a:r>
+              <a:rPr lang="en-US" sz="900" b="1" dirty="0">
+                <a:latin typeface="Consolas" panose="020B0609020204030204" pitchFamily="49" charset="0"/>
+              </a:rPr>
+              <a:t>&lt;</a:t>
+            </a:r>
+            <a:r>
+              <a:rPr lang="en-US" sz="900" b="1" dirty="0" err="1">
+                <a:latin typeface="Consolas" panose="020B0609020204030204" pitchFamily="49" charset="0"/>
+              </a:rPr>
+              <a:t>body_json</a:t>
+            </a:r>
+            <a:r>
+              <a:rPr lang="en-US" sz="900" b="1" dirty="0">
+                <a:latin typeface="Consolas" panose="020B0609020204030204" pitchFamily="49" charset="0"/>
+              </a:rPr>
+              <a:t>&gt;</a:t>
+            </a:r>
+            <a:r>
+              <a:rPr lang="en-US" sz="900" dirty="0">
+                <a:latin typeface="Consolas" panose="020B0609020204030204" pitchFamily="49" charset="0"/>
+              </a:rPr>
+              <a:t>}"</a:t>
+            </a:r>
+          </a:p>
+        </p:txBody>
+      </p:sp>
+      <p:sp>
+        <p:nvSpPr>
+          <p:cNvPr id="16" name="Rectangle 15">
+            <a:extLst>
+              <a:ext uri="{FF2B5EF4-FFF2-40B4-BE49-F238E27FC236}">
+                <a16:creationId xmlns:a16="http://schemas.microsoft.com/office/drawing/2014/main" id="{23AB9594-7DC7-4989-821A-30D27F1CBB3A}"/>
+              </a:ext>
+            </a:extLst>
+          </p:cNvPr>
+          <p:cNvSpPr/>
+          <p:nvPr/>
+        </p:nvSpPr>
+        <p:spPr>
+          <a:xfrm>
+            <a:off x="5183188" y="3229905"/>
+            <a:ext cx="824464" cy="172589"/>
+          </a:xfrm>
+          <a:prstGeom prst="rect">
+            <a:avLst/>
+          </a:prstGeom>
+        </p:spPr>
+        <p:style>
+          <a:lnRef idx="2">
+            <a:schemeClr val="dk1">
+              <a:shade val="50000"/>
+            </a:schemeClr>
+          </a:lnRef>
+          <a:fillRef idx="1">
+            <a:schemeClr val="dk1"/>
+          </a:fillRef>
+          <a:effectRef idx="0">
+            <a:schemeClr val="dk1"/>
+          </a:effectRef>
+          <a:fontRef idx="minor">
+            <a:schemeClr val="lt1"/>
+          </a:fontRef>
+        </p:style>
+        <p:txBody>
+          <a:bodyPr rtlCol="0" anchor="ctr"/>
+          <a:lstStyle/>
+          <a:p>
+            <a:r>
+              <a:rPr lang="en-US" sz="1200" dirty="0"/>
+              <a:t>Linux</a:t>
+            </a:r>
+          </a:p>
+        </p:txBody>
+      </p:sp>
+      <p:sp>
+        <p:nvSpPr>
+          <p:cNvPr id="21" name="Rectangle 20">
+            <a:extLst>
+              <a:ext uri="{FF2B5EF4-FFF2-40B4-BE49-F238E27FC236}">
+                <a16:creationId xmlns:a16="http://schemas.microsoft.com/office/drawing/2014/main" id="{D528B2E8-DE06-43FA-B78F-6934CA0DBD3A}"/>
+              </a:ext>
+            </a:extLst>
+          </p:cNvPr>
+          <p:cNvSpPr/>
+          <p:nvPr/>
+        </p:nvSpPr>
+        <p:spPr>
+          <a:xfrm>
+            <a:off x="5178770" y="3993321"/>
+            <a:ext cx="828882" cy="184426"/>
+          </a:xfrm>
+          <a:prstGeom prst="rect">
+            <a:avLst/>
+          </a:prstGeom>
+        </p:spPr>
+        <p:style>
+          <a:lnRef idx="2">
+            <a:schemeClr val="dk1">
+              <a:shade val="50000"/>
+            </a:schemeClr>
+          </a:lnRef>
+          <a:fillRef idx="1">
+            <a:schemeClr val="dk1"/>
+          </a:fillRef>
+          <a:effectRef idx="0">
+            <a:schemeClr val="dk1"/>
+          </a:effectRef>
+          <a:fontRef idx="minor">
+            <a:schemeClr val="lt1"/>
+          </a:fontRef>
+        </p:style>
+        <p:txBody>
+          <a:bodyPr rtlCol="0" anchor="ctr"/>
+          <a:lstStyle/>
+          <a:p>
+            <a:r>
+              <a:rPr lang="en-US" sz="1200" dirty="0"/>
+              <a:t>Windows</a:t>
+            </a:r>
+            <a:r>
+              <a:rPr lang="en-US" sz="1200" baseline="30000" dirty="0"/>
+              <a:t>*</a:t>
+            </a:r>
+          </a:p>
+        </p:txBody>
+      </p:sp>
+      <p:sp>
+        <p:nvSpPr>
+          <p:cNvPr id="18" name="TextBox 17">
+            <a:extLst>
+              <a:ext uri="{FF2B5EF4-FFF2-40B4-BE49-F238E27FC236}">
+                <a16:creationId xmlns:a16="http://schemas.microsoft.com/office/drawing/2014/main" id="{15F48FC5-73E1-477A-9EEA-24B9D6A4EC38}"/>
+              </a:ext>
+            </a:extLst>
+          </p:cNvPr>
+          <p:cNvSpPr txBox="1"/>
+          <p:nvPr/>
+        </p:nvSpPr>
+        <p:spPr>
+          <a:xfrm>
+            <a:off x="5225774" y="4841461"/>
+            <a:ext cx="3187602" cy="1077218"/>
+          </a:xfrm>
+          <a:prstGeom prst="rect">
+            <a:avLst/>
+          </a:prstGeom>
+          <a:noFill/>
+        </p:spPr>
+        <p:txBody>
+          <a:bodyPr wrap="square" rtlCol="0">
+            <a:spAutoFit/>
+          </a:bodyPr>
+          <a:lstStyle/>
+          <a:p>
+            <a:pPr marL="169863" indent="-169863"/>
+            <a:r>
+              <a:rPr lang="en-US" dirty="0"/>
+              <a:t>* </a:t>
+            </a:r>
+            <a:r>
+              <a:rPr lang="en-US" sz="1400" dirty="0"/>
+              <a:t>Escape double quotes contained within the command on Windows.  </a:t>
+            </a:r>
+          </a:p>
+          <a:p>
+            <a:pPr marL="169863"/>
+            <a:r>
+              <a:rPr lang="en-US" sz="1400" dirty="0" err="1"/>
+              <a:t>i.e</a:t>
+            </a:r>
+            <a:r>
+              <a:rPr lang="en-US" sz="1400" dirty="0"/>
+              <a:t>:     </a:t>
+            </a:r>
+            <a:r>
+              <a:rPr lang="en-US" sz="1400" dirty="0">
+                <a:latin typeface="Consolas" panose="020B0609020204030204" pitchFamily="49" charset="0"/>
+              </a:rPr>
+              <a:t>\"</a:t>
+            </a:r>
+            <a:endParaRPr lang="en-US" dirty="0">
+              <a:latin typeface="Consolas" panose="020B0609020204030204" pitchFamily="49" charset="0"/>
+            </a:endParaRPr>
+          </a:p>
+          <a:p>
+            <a:r>
+              <a:rPr lang="en-US" dirty="0"/>
+              <a:t> </a:t>
+            </a:r>
+          </a:p>
+        </p:txBody>
+      </p:sp>
+    </p:spTree>
+    <p:extLst>
+      <p:ext uri="{BB962C8B-B14F-4D97-AF65-F5344CB8AC3E}">
+        <p14:creationId xmlns:p14="http://schemas.microsoft.com/office/powerpoint/2010/main" val="4284510024"/>
+      </p:ext>
+    </p:extLst>
+  </p:cSld>
+  <p:clrMapOvr>
+    <a:masterClrMapping/>
+  </p:clrMapOvr>
+</p:sld>
+</file>
+
+<file path=ppt/slides/slide38.xml><?xml version="1.0" encoding="utf-8"?>
+<p:sld xmlns:a="http://schemas.openxmlformats.org/drawingml/2006/main" xmlns:r="http://schemas.openxmlformats.org/officeDocument/2006/relationships" xmlns:p="http://schemas.openxmlformats.org/presentationml/2006/main">
+  <p:cSld>
+    <p:spTree>
+      <p:nvGrpSpPr>
+        <p:cNvPr id="1" name=""/>
+        <p:cNvGrpSpPr/>
+        <p:nvPr/>
+      </p:nvGrpSpPr>
+      <p:grpSpPr>
+        <a:xfrm>
+          <a:off x="0" y="0"/>
+          <a:ext cx="0" cy="0"/>
+          <a:chOff x="0" y="0"/>
+          <a:chExt cx="0" cy="0"/>
+        </a:xfrm>
+      </p:grpSpPr>
+      <p:sp>
+        <p:nvSpPr>
+          <p:cNvPr id="4" name="Title 3">
+            <a:extLst>
+              <a:ext uri="{FF2B5EF4-FFF2-40B4-BE49-F238E27FC236}">
+                <a16:creationId xmlns:a16="http://schemas.microsoft.com/office/drawing/2014/main" id="{5FF723F9-A261-464E-8F90-5808671D53F3}"/>
+              </a:ext>
+            </a:extLst>
+          </p:cNvPr>
+          <p:cNvSpPr>
+            <a:spLocks noGrp="1"/>
+          </p:cNvSpPr>
+          <p:nvPr>
+            <p:ph type="title"/>
+          </p:nvPr>
+        </p:nvSpPr>
+        <p:spPr/>
+        <p:txBody>
+          <a:bodyPr/>
+          <a:lstStyle/>
+          <a:p>
+            <a:r>
+              <a:rPr lang="en-US" dirty="0"/>
+              <a:t>Create QI-file on </a:t>
+            </a:r>
+            <a:r>
+              <a:rPr lang="en-US" dirty="0" err="1"/>
+              <a:t>Notehub</a:t>
+            </a:r>
+            <a:br>
+              <a:rPr lang="en-US" dirty="0"/>
+            </a:br>
+            <a:r>
+              <a:rPr lang="en-US" sz="2000" dirty="0">
+                <a:solidFill>
+                  <a:schemeClr val="tx1">
+                    <a:lumMod val="65000"/>
+                    <a:lumOff val="35000"/>
+                  </a:schemeClr>
+                </a:solidFill>
+              </a:rPr>
+              <a:t>using Postman</a:t>
+            </a:r>
+            <a:endParaRPr lang="en-US" dirty="0">
+              <a:solidFill>
+                <a:schemeClr val="tx1">
+                  <a:lumMod val="65000"/>
+                  <a:lumOff val="35000"/>
+                </a:schemeClr>
+              </a:solidFill>
+            </a:endParaRPr>
+          </a:p>
+        </p:txBody>
+      </p:sp>
+      <p:sp>
+        <p:nvSpPr>
+          <p:cNvPr id="6" name="Text Placeholder 5">
+            <a:extLst>
+              <a:ext uri="{FF2B5EF4-FFF2-40B4-BE49-F238E27FC236}">
+                <a16:creationId xmlns:a16="http://schemas.microsoft.com/office/drawing/2014/main" id="{45E49C6F-29E5-4381-9497-6FBCFC64D748}"/>
+              </a:ext>
+            </a:extLst>
+          </p:cNvPr>
+          <p:cNvSpPr>
+            <a:spLocks noGrp="1"/>
+          </p:cNvSpPr>
+          <p:nvPr>
+            <p:ph type="body" sz="half" idx="2"/>
+          </p:nvPr>
+        </p:nvSpPr>
+        <p:spPr/>
+        <p:txBody>
+          <a:bodyPr>
+            <a:normAutofit fontScale="92500" lnSpcReduction="20000"/>
+          </a:bodyPr>
+          <a:lstStyle/>
+          <a:p>
+            <a:endParaRPr lang="en-US" dirty="0"/>
+          </a:p>
+          <a:p>
+            <a:pPr marL="342900" indent="-342900">
+              <a:buAutoNum type="arabicPeriod"/>
+            </a:pPr>
+            <a:r>
+              <a:rPr lang="en-US" dirty="0"/>
+              <a:t>Open Postman and create a new query</a:t>
+            </a:r>
+          </a:p>
+          <a:p>
+            <a:pPr marL="342900" indent="-342900">
+              <a:buAutoNum type="arabicPeriod"/>
+            </a:pPr>
+            <a:r>
+              <a:rPr lang="en-US" dirty="0"/>
+              <a:t>Enter the following in the URL field</a:t>
+            </a:r>
+          </a:p>
+          <a:p>
+            <a:pPr marL="287338" lvl="1" indent="57150"/>
+            <a:r>
+              <a:rPr lang="en-US" sz="900" dirty="0">
+                <a:highlight>
+                  <a:srgbClr val="C0C0C0"/>
+                </a:highlight>
+                <a:latin typeface="Consolas" panose="020B0609020204030204" pitchFamily="49" charset="0"/>
+              </a:rPr>
+              <a:t>http://api.notefile.net/req</a:t>
+            </a:r>
+          </a:p>
+          <a:p>
+            <a:pPr marL="342900" indent="-342900">
+              <a:buAutoNum type="arabicPeriod"/>
+            </a:pPr>
+            <a:r>
+              <a:rPr lang="en-US" dirty="0"/>
+              <a:t>Select the Params tab and enter the following key/value pairs</a:t>
+            </a:r>
+          </a:p>
+          <a:p>
+            <a:pPr lvl="1"/>
+            <a:endParaRPr lang="en-US" dirty="0"/>
+          </a:p>
+          <a:p>
+            <a:pPr marL="342900" indent="-342900">
+              <a:buAutoNum type="arabicPeriod"/>
+            </a:pPr>
+            <a:endParaRPr lang="en-US" dirty="0"/>
+          </a:p>
+          <a:p>
+            <a:endParaRPr lang="en-US" dirty="0"/>
+          </a:p>
+          <a:p>
+            <a:pPr marL="169863" indent="-169863"/>
+            <a:r>
+              <a:rPr lang="en-US" dirty="0"/>
+              <a:t>4. Select the Body tab, and set the input type to “raw”</a:t>
+            </a:r>
+          </a:p>
+          <a:p>
+            <a:r>
+              <a:rPr lang="en-US" dirty="0"/>
+              <a:t>5. Enter the following JSON string</a:t>
+            </a:r>
+          </a:p>
+          <a:p>
+            <a:pPr marL="228600"/>
+            <a:r>
+              <a:rPr lang="en-US" sz="900" dirty="0">
+                <a:highlight>
+                  <a:srgbClr val="C0C0C0"/>
+                </a:highlight>
+                <a:latin typeface="Consolas" panose="020B0609020204030204" pitchFamily="49" charset="0"/>
+              </a:rPr>
+              <a:t>{"</a:t>
+            </a:r>
+            <a:r>
+              <a:rPr lang="en-US" sz="900" dirty="0" err="1">
+                <a:highlight>
+                  <a:srgbClr val="C0C0C0"/>
+                </a:highlight>
+                <a:latin typeface="Consolas" panose="020B0609020204030204" pitchFamily="49" charset="0"/>
+              </a:rPr>
+              <a:t>req":"note.add","file</a:t>
+            </a:r>
+            <a:r>
+              <a:rPr lang="en-US" sz="900" dirty="0">
+                <a:highlight>
+                  <a:srgbClr val="C0C0C0"/>
+                </a:highlight>
+                <a:latin typeface="Consolas" panose="020B0609020204030204" pitchFamily="49" charset="0"/>
+              </a:rPr>
+              <a:t>":"&lt;</a:t>
+            </a:r>
+            <a:r>
+              <a:rPr lang="en-US" sz="900" dirty="0" err="1">
+                <a:highlight>
+                  <a:srgbClr val="C0C0C0"/>
+                </a:highlight>
+                <a:latin typeface="Consolas" panose="020B0609020204030204" pitchFamily="49" charset="0"/>
+              </a:rPr>
+              <a:t>notefile.qi</a:t>
+            </a:r>
+            <a:r>
+              <a:rPr lang="en-US" sz="900" dirty="0">
+                <a:highlight>
+                  <a:srgbClr val="C0C0C0"/>
+                </a:highlight>
+                <a:latin typeface="Consolas" panose="020B0609020204030204" pitchFamily="49" charset="0"/>
+              </a:rPr>
+              <a:t>&gt;","body":&lt;</a:t>
+            </a:r>
+            <a:r>
+              <a:rPr lang="en-US" sz="900" dirty="0" err="1">
+                <a:highlight>
+                  <a:srgbClr val="C0C0C0"/>
+                </a:highlight>
+                <a:latin typeface="Consolas" panose="020B0609020204030204" pitchFamily="49" charset="0"/>
+              </a:rPr>
+              <a:t>body_json</a:t>
+            </a:r>
+            <a:r>
+              <a:rPr lang="en-US" sz="900" dirty="0">
+                <a:highlight>
+                  <a:srgbClr val="C0C0C0"/>
+                </a:highlight>
+                <a:latin typeface="Consolas" panose="020B0609020204030204" pitchFamily="49" charset="0"/>
+              </a:rPr>
+              <a:t>&gt;}</a:t>
+            </a:r>
+          </a:p>
+          <a:p>
+            <a:pPr lvl="1"/>
+            <a:endParaRPr lang="en-US" dirty="0"/>
+          </a:p>
+          <a:p>
+            <a:pPr marL="0" lvl="1"/>
+            <a:r>
+              <a:rPr lang="en-US" dirty="0"/>
+              <a:t>6. Click SEND button</a:t>
+            </a:r>
+          </a:p>
+          <a:p>
+            <a:pPr marL="342900" indent="-342900">
+              <a:buAutoNum type="arabicPeriod"/>
+            </a:pPr>
+            <a:endParaRPr lang="en-US" dirty="0"/>
+          </a:p>
+        </p:txBody>
+      </p:sp>
+      <p:graphicFrame>
+        <p:nvGraphicFramePr>
+          <p:cNvPr id="11" name="Table 11">
+            <a:extLst>
+              <a:ext uri="{FF2B5EF4-FFF2-40B4-BE49-F238E27FC236}">
+                <a16:creationId xmlns:a16="http://schemas.microsoft.com/office/drawing/2014/main" id="{CECF9721-00FC-4ECC-8663-C4A536008148}"/>
+              </a:ext>
+            </a:extLst>
+          </p:cNvPr>
+          <p:cNvGraphicFramePr>
+            <a:graphicFrameLocks noGrp="1"/>
+          </p:cNvGraphicFramePr>
+          <p:nvPr>
+            <p:ph idx="1"/>
+          </p:nvPr>
+        </p:nvGraphicFramePr>
+        <p:xfrm>
+          <a:off x="5183188" y="987425"/>
+          <a:ext cx="6172200" cy="1965960"/>
+        </p:xfrm>
+        <a:graphic>
+          <a:graphicData uri="http://schemas.openxmlformats.org/drawingml/2006/table">
+            <a:tbl>
+              <a:tblPr firstRow="1" bandRow="1">
+                <a:tableStyleId>{7E9639D4-E3E2-4D34-9284-5A2195B3D0D7}</a:tableStyleId>
+              </a:tblPr>
+              <a:tblGrid>
+                <a:gridCol w="1120429">
+                  <a:extLst>
+                    <a:ext uri="{9D8B030D-6E8A-4147-A177-3AD203B41FA5}">
+                      <a16:colId xmlns:a16="http://schemas.microsoft.com/office/drawing/2014/main" val="389613337"/>
+                    </a:ext>
+                  </a:extLst>
+                </a:gridCol>
+                <a:gridCol w="2080592">
+                  <a:extLst>
+                    <a:ext uri="{9D8B030D-6E8A-4147-A177-3AD203B41FA5}">
+                      <a16:colId xmlns:a16="http://schemas.microsoft.com/office/drawing/2014/main" val="1529368550"/>
+                    </a:ext>
+                  </a:extLst>
+                </a:gridCol>
+                <a:gridCol w="2971179">
+                  <a:extLst>
+                    <a:ext uri="{9D8B030D-6E8A-4147-A177-3AD203B41FA5}">
+                      <a16:colId xmlns:a16="http://schemas.microsoft.com/office/drawing/2014/main" val="1662634098"/>
+                    </a:ext>
+                  </a:extLst>
+                </a:gridCol>
+              </a:tblGrid>
+              <a:tr h="370840">
+                <a:tc>
+                  <a:txBody>
+                    <a:bodyPr/>
+                    <a:lstStyle/>
+                    <a:p>
+                      <a:endParaRPr lang="en-US" sz="1100" dirty="0"/>
+                    </a:p>
+                  </a:txBody>
+                  <a:tcPr/>
+                </a:tc>
+                <a:tc>
+                  <a:txBody>
+                    <a:bodyPr/>
+                    <a:lstStyle/>
+                    <a:p>
+                      <a:r>
+                        <a:rPr lang="en-US" sz="1100" dirty="0"/>
+                        <a:t>Description</a:t>
+                      </a:r>
+                    </a:p>
+                  </a:txBody>
+                  <a:tcPr/>
+                </a:tc>
+                <a:tc>
+                  <a:txBody>
+                    <a:bodyPr/>
+                    <a:lstStyle/>
+                    <a:p>
+                      <a:r>
+                        <a:rPr lang="en-US" sz="1100" dirty="0"/>
+                        <a:t>Example</a:t>
+                      </a:r>
+                    </a:p>
+                  </a:txBody>
+                  <a:tcPr/>
+                </a:tc>
+                <a:extLst>
+                  <a:ext uri="{0D108BD9-81ED-4DB2-BD59-A6C34878D82A}">
+                    <a16:rowId xmlns:a16="http://schemas.microsoft.com/office/drawing/2014/main" val="1013526946"/>
+                  </a:ext>
+                </a:extLst>
+              </a:tr>
+              <a:tr h="370840">
+                <a:tc>
+                  <a:txBody>
+                    <a:bodyPr/>
+                    <a:lstStyle/>
+                    <a:p>
+                      <a:r>
+                        <a:rPr lang="en-US" sz="1100" dirty="0"/>
+                        <a:t>&lt;</a:t>
+                      </a:r>
+                      <a:r>
+                        <a:rPr lang="en-US" sz="1100" dirty="0" err="1"/>
+                        <a:t>app_uid</a:t>
+                      </a:r>
+                      <a:r>
+                        <a:rPr lang="en-US" sz="1100" dirty="0"/>
+                        <a:t>&gt;</a:t>
+                      </a:r>
+                    </a:p>
+                  </a:txBody>
+                  <a:tcPr/>
+                </a:tc>
+                <a:tc>
+                  <a:txBody>
+                    <a:bodyPr/>
+                    <a:lstStyle/>
+                    <a:p>
+                      <a:r>
+                        <a:rPr lang="en-US" sz="1100" dirty="0"/>
+                        <a:t>App UID</a:t>
+                      </a:r>
+                    </a:p>
+                  </a:txBody>
+                  <a:tcPr/>
+                </a:tc>
+                <a:tc>
+                  <a:txBody>
+                    <a:bodyPr/>
+                    <a:lstStyle/>
+                    <a:p>
+                      <a:r>
+                        <a:rPr lang="en-US" sz="900" dirty="0"/>
+                        <a:t>app:d8edc5cc-c7d7-48ef-aeda-7147b884111a</a:t>
+                      </a:r>
+                      <a:endParaRPr lang="en-US" sz="900" dirty="0">
+                        <a:latin typeface="Consolas" panose="020B0609020204030204" pitchFamily="49" charset="0"/>
+                      </a:endParaRPr>
+                    </a:p>
+                  </a:txBody>
+                  <a:tcPr/>
+                </a:tc>
+                <a:extLst>
+                  <a:ext uri="{0D108BD9-81ED-4DB2-BD59-A6C34878D82A}">
+                    <a16:rowId xmlns:a16="http://schemas.microsoft.com/office/drawing/2014/main" val="1899337536"/>
+                  </a:ext>
+                </a:extLst>
+              </a:tr>
+              <a:tr h="370840">
+                <a:tc>
+                  <a:txBody>
+                    <a:bodyPr/>
+                    <a:lstStyle/>
+                    <a:p>
+                      <a:r>
+                        <a:rPr lang="en-US" sz="1100" dirty="0"/>
+                        <a:t>&lt;</a:t>
+                      </a:r>
+                      <a:r>
+                        <a:rPr lang="en-US" sz="1100" dirty="0" err="1"/>
+                        <a:t>device_uid</a:t>
+                      </a:r>
+                      <a:r>
+                        <a:rPr lang="en-US" sz="1100" dirty="0"/>
+                        <a:t>&gt;</a:t>
+                      </a:r>
+                    </a:p>
+                  </a:txBody>
+                  <a:tcPr/>
+                </a:tc>
+                <a:tc>
+                  <a:txBody>
+                    <a:bodyPr/>
+                    <a:lstStyle/>
+                    <a:p>
+                      <a:r>
+                        <a:rPr lang="en-US" sz="1100" dirty="0"/>
+                        <a:t>Device UID</a:t>
+                      </a:r>
+                    </a:p>
+                  </a:txBody>
+                  <a:tcPr/>
+                </a:tc>
+                <a:tc>
+                  <a:txBody>
+                    <a:bodyPr/>
+                    <a:lstStyle/>
+                    <a:p>
+                      <a:pPr marL="0" marR="0" lvl="0" indent="0" algn="l" defTabSz="914400" rtl="0" eaLnBrk="1" fontAlgn="auto" latinLnBrk="0" hangingPunct="1">
+                        <a:lnSpc>
+                          <a:spcPct val="100000"/>
+                        </a:lnSpc>
+                        <a:spcBef>
+                          <a:spcPts val="0"/>
+                        </a:spcBef>
+                        <a:spcAft>
+                          <a:spcPts val="0"/>
+                        </a:spcAft>
+                        <a:buClrTx/>
+                        <a:buSzTx/>
+                        <a:buFontTx/>
+                        <a:buNone/>
+                        <a:tabLst/>
+                        <a:defRPr/>
+                      </a:pPr>
+                      <a:r>
+                        <a:rPr lang="en-US" sz="900" dirty="0"/>
+                        <a:t>imei:865284040125662</a:t>
+                      </a:r>
+                      <a:endParaRPr lang="en-US" sz="900" dirty="0">
+                        <a:latin typeface="Consolas" panose="020B0609020204030204" pitchFamily="49" charset="0"/>
+                      </a:endParaRPr>
+                    </a:p>
+                  </a:txBody>
+                  <a:tcPr/>
+                </a:tc>
+                <a:extLst>
+                  <a:ext uri="{0D108BD9-81ED-4DB2-BD59-A6C34878D82A}">
+                    <a16:rowId xmlns:a16="http://schemas.microsoft.com/office/drawing/2014/main" val="4133346913"/>
+                  </a:ext>
+                </a:extLst>
+              </a:tr>
+              <a:tr h="370840">
+                <a:tc>
+                  <a:txBody>
+                    <a:bodyPr/>
+                    <a:lstStyle/>
+                    <a:p>
+                      <a:r>
+                        <a:rPr lang="en-US" sz="1100" dirty="0"/>
+                        <a:t>&lt;</a:t>
+                      </a:r>
+                      <a:r>
+                        <a:rPr lang="en-US" sz="1100" dirty="0" err="1"/>
+                        <a:t>notefile.qi</a:t>
+                      </a:r>
+                      <a:r>
+                        <a:rPr lang="en-US" sz="1100" dirty="0"/>
+                        <a:t>&gt;</a:t>
+                      </a:r>
+                    </a:p>
+                  </a:txBody>
+                  <a:tcPr/>
+                </a:tc>
+                <a:tc>
+                  <a:txBody>
+                    <a:bodyPr/>
+                    <a:lstStyle/>
+                    <a:p>
+                      <a:r>
+                        <a:rPr lang="en-US" sz="1100" dirty="0"/>
+                        <a:t>Name of Notefile syncing from </a:t>
+                      </a:r>
+                      <a:r>
+                        <a:rPr lang="en-US" sz="1100" dirty="0" err="1"/>
+                        <a:t>Notehub</a:t>
+                      </a:r>
+                      <a:r>
+                        <a:rPr lang="en-US" sz="1100" dirty="0"/>
+                        <a:t> to Notecard</a:t>
+                      </a:r>
+                    </a:p>
+                  </a:txBody>
+                  <a:tcPr/>
+                </a:tc>
+                <a:tc>
+                  <a:txBody>
+                    <a:bodyPr/>
+                    <a:lstStyle/>
+                    <a:p>
+                      <a:r>
+                        <a:rPr lang="en-US" sz="900" dirty="0"/>
+                        <a:t>my-</a:t>
+                      </a:r>
+                      <a:r>
+                        <a:rPr lang="en-US" sz="900" dirty="0" err="1"/>
+                        <a:t>inbound.qi</a:t>
+                      </a:r>
+                      <a:endParaRPr lang="en-US" sz="900" dirty="0">
+                        <a:latin typeface="Consolas" panose="020B0609020204030204" pitchFamily="49" charset="0"/>
+                      </a:endParaRPr>
+                    </a:p>
+                  </a:txBody>
+                  <a:tcPr/>
+                </a:tc>
+                <a:extLst>
+                  <a:ext uri="{0D108BD9-81ED-4DB2-BD59-A6C34878D82A}">
+                    <a16:rowId xmlns:a16="http://schemas.microsoft.com/office/drawing/2014/main" val="3911983428"/>
+                  </a:ext>
+                </a:extLst>
+              </a:tr>
+              <a:tr h="370840">
+                <a:tc>
+                  <a:txBody>
+                    <a:bodyPr/>
+                    <a:lstStyle/>
+                    <a:p>
+                      <a:r>
+                        <a:rPr lang="en-US" sz="1100" dirty="0"/>
+                        <a:t>&lt;</a:t>
+                      </a:r>
+                      <a:r>
+                        <a:rPr lang="en-US" sz="1100" dirty="0" err="1"/>
+                        <a:t>body_json</a:t>
+                      </a:r>
+                      <a:r>
+                        <a:rPr lang="en-US" sz="1100" dirty="0"/>
+                        <a:t>&gt;</a:t>
+                      </a:r>
+                    </a:p>
+                  </a:txBody>
+                  <a:tcPr/>
+                </a:tc>
+                <a:tc>
+                  <a:txBody>
+                    <a:bodyPr/>
+                    <a:lstStyle/>
+                    <a:p>
+                      <a:r>
+                        <a:rPr lang="en-US" sz="1100" dirty="0"/>
+                        <a:t>JSON data that is sent to Notecard</a:t>
+                      </a:r>
+                    </a:p>
+                  </a:txBody>
+                  <a:tcPr/>
+                </a:tc>
+                <a:tc>
+                  <a:txBody>
+                    <a:bodyPr/>
+                    <a:lstStyle/>
+                    <a:p>
+                      <a:r>
+                        <a:rPr lang="en-US" sz="900" dirty="0"/>
+                        <a:t>{"key1":"value1"}</a:t>
+                      </a:r>
+                      <a:endParaRPr lang="en-US" sz="900" dirty="0">
+                        <a:latin typeface="Consolas" panose="020B0609020204030204" pitchFamily="49" charset="0"/>
+                      </a:endParaRPr>
+                    </a:p>
+                  </a:txBody>
+                  <a:tcPr/>
+                </a:tc>
+                <a:extLst>
+                  <a:ext uri="{0D108BD9-81ED-4DB2-BD59-A6C34878D82A}">
+                    <a16:rowId xmlns:a16="http://schemas.microsoft.com/office/drawing/2014/main" val="3676802430"/>
+                  </a:ext>
+                </a:extLst>
+              </a:tr>
+            </a:tbl>
+          </a:graphicData>
+        </a:graphic>
+      </p:graphicFrame>
+      <p:graphicFrame>
+        <p:nvGraphicFramePr>
+          <p:cNvPr id="2" name="Table 2">
+            <a:extLst>
+              <a:ext uri="{FF2B5EF4-FFF2-40B4-BE49-F238E27FC236}">
+                <a16:creationId xmlns:a16="http://schemas.microsoft.com/office/drawing/2014/main" id="{49209F82-0F7E-4B40-A2CE-36F8992B31ED}"/>
+              </a:ext>
+            </a:extLst>
+          </p:cNvPr>
+          <p:cNvGraphicFramePr>
+            <a:graphicFrameLocks noGrp="1"/>
+          </p:cNvGraphicFramePr>
+          <p:nvPr>
+            <p:extLst>
+              <p:ext uri="{D42A27DB-BD31-4B8C-83A1-F6EECF244321}">
+                <p14:modId xmlns:p14="http://schemas.microsoft.com/office/powerpoint/2010/main" val="2615509647"/>
+              </p:ext>
+            </p:extLst>
+          </p:nvPr>
+        </p:nvGraphicFramePr>
+        <p:xfrm>
+          <a:off x="1286305" y="3672849"/>
+          <a:ext cx="2349546" cy="580690"/>
+        </p:xfrm>
+        <a:graphic>
+          <a:graphicData uri="http://schemas.openxmlformats.org/drawingml/2006/table">
+            <a:tbl>
+              <a:tblPr>
+                <a:tableStyleId>{C083E6E3-FA7D-4D7B-A595-EF9225AFEA82}</a:tableStyleId>
+              </a:tblPr>
+              <a:tblGrid>
+                <a:gridCol w="776131">
+                  <a:extLst>
+                    <a:ext uri="{9D8B030D-6E8A-4147-A177-3AD203B41FA5}">
+                      <a16:colId xmlns:a16="http://schemas.microsoft.com/office/drawing/2014/main" val="2262345848"/>
+                    </a:ext>
+                  </a:extLst>
+                </a:gridCol>
+                <a:gridCol w="1573415">
+                  <a:extLst>
+                    <a:ext uri="{9D8B030D-6E8A-4147-A177-3AD203B41FA5}">
+                      <a16:colId xmlns:a16="http://schemas.microsoft.com/office/drawing/2014/main" val="1596282705"/>
+                    </a:ext>
+                  </a:extLst>
+                </a:gridCol>
+              </a:tblGrid>
+              <a:tr h="290345">
+                <a:tc>
+                  <a:txBody>
+                    <a:bodyPr/>
+                    <a:lstStyle/>
+                    <a:p>
+                      <a:r>
+                        <a:rPr lang="en-US" sz="1100" dirty="0"/>
+                        <a:t>project</a:t>
+                      </a:r>
+                      <a:endParaRPr lang="en-US" sz="1100" dirty="0">
+                        <a:latin typeface="Consolas" panose="020B0609020204030204" pitchFamily="49" charset="0"/>
+                      </a:endParaRPr>
+                    </a:p>
+                  </a:txBody>
+                  <a:tcPr anchor="ctr"/>
+                </a:tc>
+                <a:tc>
+                  <a:txBody>
+                    <a:bodyPr/>
+                    <a:lstStyle/>
+                    <a:p>
+                      <a:r>
+                        <a:rPr lang="en-US" sz="1100" dirty="0"/>
+                        <a:t>"&lt;</a:t>
+                      </a:r>
+                      <a:r>
+                        <a:rPr lang="en-US" sz="1100" dirty="0" err="1"/>
+                        <a:t>app_uid</a:t>
+                      </a:r>
+                      <a:r>
+                        <a:rPr lang="en-US" sz="1100" dirty="0"/>
+                        <a:t>&gt;"</a:t>
+                      </a:r>
+                      <a:endParaRPr lang="en-US" sz="1100" dirty="0">
+                        <a:latin typeface="Consolas" panose="020B0609020204030204" pitchFamily="49" charset="0"/>
+                      </a:endParaRPr>
+                    </a:p>
+                  </a:txBody>
+                  <a:tcPr anchor="ctr"/>
+                </a:tc>
+                <a:extLst>
+                  <a:ext uri="{0D108BD9-81ED-4DB2-BD59-A6C34878D82A}">
+                    <a16:rowId xmlns:a16="http://schemas.microsoft.com/office/drawing/2014/main" val="2282684998"/>
+                  </a:ext>
+                </a:extLst>
+              </a:tr>
+              <a:tr h="290345">
+                <a:tc>
+                  <a:txBody>
+                    <a:bodyPr/>
+                    <a:lstStyle/>
+                    <a:p>
+                      <a:r>
+                        <a:rPr lang="en-US" sz="1100" dirty="0"/>
+                        <a:t>device</a:t>
+                      </a:r>
+                      <a:endParaRPr lang="en-US" sz="1100" dirty="0">
+                        <a:latin typeface="Consolas" panose="020B0609020204030204" pitchFamily="49" charset="0"/>
+                      </a:endParaRPr>
+                    </a:p>
+                  </a:txBody>
+                  <a:tcPr anchor="ctr"/>
+                </a:tc>
+                <a:tc>
+                  <a:txBody>
+                    <a:bodyPr/>
+                    <a:lstStyle/>
+                    <a:p>
+                      <a:r>
+                        <a:rPr lang="en-US" sz="1100" dirty="0"/>
+                        <a:t>"&lt;</a:t>
+                      </a:r>
+                      <a:r>
+                        <a:rPr lang="en-US" sz="1100" dirty="0" err="1"/>
+                        <a:t>device_uid</a:t>
+                      </a:r>
+                      <a:r>
+                        <a:rPr lang="en-US" sz="1100" dirty="0"/>
+                        <a:t>&gt;"</a:t>
+                      </a:r>
+                      <a:endParaRPr lang="en-US" sz="1100" dirty="0">
+                        <a:latin typeface="Consolas" panose="020B0609020204030204" pitchFamily="49" charset="0"/>
+                      </a:endParaRPr>
+                    </a:p>
+                  </a:txBody>
+                  <a:tcPr anchor="ctr"/>
+                </a:tc>
+                <a:extLst>
+                  <a:ext uri="{0D108BD9-81ED-4DB2-BD59-A6C34878D82A}">
+                    <a16:rowId xmlns:a16="http://schemas.microsoft.com/office/drawing/2014/main" val="2392421744"/>
+                  </a:ext>
+                </a:extLst>
+              </a:tr>
+            </a:tbl>
+          </a:graphicData>
+        </a:graphic>
+      </p:graphicFrame>
+      <p:grpSp>
+        <p:nvGrpSpPr>
+          <p:cNvPr id="7" name="Group 6">
+            <a:extLst>
+              <a:ext uri="{FF2B5EF4-FFF2-40B4-BE49-F238E27FC236}">
+                <a16:creationId xmlns:a16="http://schemas.microsoft.com/office/drawing/2014/main" id="{FE731105-4E4F-48EE-A7A0-B1E62A417AFD}"/>
+              </a:ext>
+            </a:extLst>
+          </p:cNvPr>
+          <p:cNvGrpSpPr/>
+          <p:nvPr/>
+        </p:nvGrpSpPr>
+        <p:grpSpPr>
+          <a:xfrm>
+            <a:off x="5183188" y="3124200"/>
+            <a:ext cx="5980758" cy="3280229"/>
+            <a:chOff x="5183188" y="3429000"/>
+            <a:chExt cx="5980758" cy="3280229"/>
+          </a:xfrm>
+        </p:grpSpPr>
+        <p:pic>
+          <p:nvPicPr>
+            <p:cNvPr id="12" name="Picture 11">
+              <a:extLst>
+                <a:ext uri="{FF2B5EF4-FFF2-40B4-BE49-F238E27FC236}">
+                  <a16:creationId xmlns:a16="http://schemas.microsoft.com/office/drawing/2014/main" id="{1D06387E-5AFB-41C5-9EB0-5AA8FE14C2CD}"/>
+                </a:ext>
+              </a:extLst>
+            </p:cNvPr>
+            <p:cNvPicPr>
+              <a:picLocks noChangeAspect="1"/>
+            </p:cNvPicPr>
+            <p:nvPr/>
+          </p:nvPicPr>
+          <p:blipFill>
+            <a:blip r:embed="rId2"/>
+            <a:stretch>
+              <a:fillRect/>
+            </a:stretch>
+          </p:blipFill>
+          <p:spPr>
+            <a:xfrm>
+              <a:off x="5183188" y="3429000"/>
+              <a:ext cx="3225966" cy="596931"/>
+            </a:xfrm>
+            <a:prstGeom prst="rect">
+              <a:avLst/>
+            </a:prstGeom>
+            <a:ln>
+              <a:noFill/>
+            </a:ln>
+            <a:effectLst>
+              <a:outerShdw blurRad="190500" algn="tl" rotWithShape="0">
+                <a:srgbClr val="000000">
+                  <a:alpha val="70000"/>
+                </a:srgbClr>
+              </a:outerShdw>
+            </a:effectLst>
+          </p:spPr>
+        </p:pic>
+        <p:pic>
+          <p:nvPicPr>
+            <p:cNvPr id="5" name="Picture 4">
+              <a:extLst>
+                <a:ext uri="{FF2B5EF4-FFF2-40B4-BE49-F238E27FC236}">
+                  <a16:creationId xmlns:a16="http://schemas.microsoft.com/office/drawing/2014/main" id="{021044F7-076E-46B0-BF4C-3E7C3DE1600B}"/>
+                </a:ext>
+              </a:extLst>
+            </p:cNvPr>
+            <p:cNvPicPr>
+              <a:picLocks noChangeAspect="1"/>
+            </p:cNvPicPr>
+            <p:nvPr/>
+          </p:nvPicPr>
+          <p:blipFill>
+            <a:blip r:embed="rId3"/>
+            <a:stretch>
+              <a:fillRect/>
+            </a:stretch>
+          </p:blipFill>
+          <p:spPr>
+            <a:xfrm>
+              <a:off x="5183188" y="4102382"/>
+              <a:ext cx="4686541" cy="1587582"/>
+            </a:xfrm>
+            <a:prstGeom prst="rect">
+              <a:avLst/>
+            </a:prstGeom>
+            <a:ln>
+              <a:noFill/>
+            </a:ln>
+            <a:effectLst>
+              <a:outerShdw blurRad="190500" algn="tl" rotWithShape="0">
+                <a:srgbClr val="000000">
+                  <a:alpha val="70000"/>
+                </a:srgbClr>
+              </a:outerShdw>
+            </a:effectLst>
+          </p:spPr>
+        </p:pic>
+        <p:pic>
+          <p:nvPicPr>
+            <p:cNvPr id="17" name="Picture 16">
+              <a:extLst>
+                <a:ext uri="{FF2B5EF4-FFF2-40B4-BE49-F238E27FC236}">
+                  <a16:creationId xmlns:a16="http://schemas.microsoft.com/office/drawing/2014/main" id="{EE73ABFE-94E0-44A5-9A2D-65DFAA772C19}"/>
+                </a:ext>
+              </a:extLst>
+            </p:cNvPr>
+            <p:cNvPicPr>
+              <a:picLocks noChangeAspect="1"/>
+            </p:cNvPicPr>
+            <p:nvPr/>
+          </p:nvPicPr>
+          <p:blipFill rotWithShape="1">
+            <a:blip r:embed="rId4"/>
+            <a:srcRect t="9970" r="1588" b="26853"/>
+            <a:stretch/>
+          </p:blipFill>
+          <p:spPr>
+            <a:xfrm>
+              <a:off x="5183188" y="5766415"/>
+              <a:ext cx="5980758" cy="942814"/>
+            </a:xfrm>
+            <a:prstGeom prst="rect">
+              <a:avLst/>
+            </a:prstGeom>
+            <a:ln>
+              <a:noFill/>
+            </a:ln>
+            <a:effectLst>
+              <a:outerShdw blurRad="190500" algn="tl" rotWithShape="0">
+                <a:srgbClr val="000000">
+                  <a:alpha val="70000"/>
+                </a:srgbClr>
+              </a:outerShdw>
+            </a:effectLst>
+          </p:spPr>
+        </p:pic>
+      </p:grpSp>
+      <p:sp>
+        <p:nvSpPr>
+          <p:cNvPr id="19" name="Oval 18">
+            <a:extLst>
+              <a:ext uri="{FF2B5EF4-FFF2-40B4-BE49-F238E27FC236}">
+                <a16:creationId xmlns:a16="http://schemas.microsoft.com/office/drawing/2014/main" id="{0F1A06B6-95A7-4521-A21F-703C0893D390}"/>
+              </a:ext>
+            </a:extLst>
+          </p:cNvPr>
+          <p:cNvSpPr/>
+          <p:nvPr/>
+        </p:nvSpPr>
+        <p:spPr>
+          <a:xfrm>
+            <a:off x="7899247" y="3285505"/>
+            <a:ext cx="274320" cy="274320"/>
+          </a:xfrm>
+          <a:prstGeom prst="ellipse">
+            <a:avLst/>
+          </a:prstGeom>
+        </p:spPr>
+        <p:style>
+          <a:lnRef idx="2">
+            <a:schemeClr val="accent6">
+              <a:shade val="50000"/>
+            </a:schemeClr>
+          </a:lnRef>
+          <a:fillRef idx="1">
+            <a:schemeClr val="accent6"/>
+          </a:fillRef>
+          <a:effectRef idx="0">
+            <a:schemeClr val="accent6"/>
+          </a:effectRef>
+          <a:fontRef idx="minor">
+            <a:schemeClr val="lt1"/>
+          </a:fontRef>
+        </p:style>
+        <p:txBody>
+          <a:bodyPr rtlCol="0" anchor="ctr"/>
+          <a:lstStyle/>
+          <a:p>
+            <a:pPr algn="ctr"/>
+            <a:r>
+              <a:rPr lang="en-US" dirty="0"/>
+              <a:t>2</a:t>
+            </a:r>
+          </a:p>
+        </p:txBody>
+      </p:sp>
+      <p:sp>
+        <p:nvSpPr>
+          <p:cNvPr id="22" name="Oval 21">
+            <a:extLst>
+              <a:ext uri="{FF2B5EF4-FFF2-40B4-BE49-F238E27FC236}">
+                <a16:creationId xmlns:a16="http://schemas.microsoft.com/office/drawing/2014/main" id="{B86DB0CD-6DD5-479C-B38D-742AB09DD03F}"/>
+              </a:ext>
+            </a:extLst>
+          </p:cNvPr>
+          <p:cNvSpPr/>
+          <p:nvPr/>
+        </p:nvSpPr>
+        <p:spPr>
+          <a:xfrm>
+            <a:off x="5869603" y="3891946"/>
+            <a:ext cx="274320" cy="274320"/>
+          </a:xfrm>
+          <a:prstGeom prst="ellipse">
+            <a:avLst/>
+          </a:prstGeom>
+        </p:spPr>
+        <p:style>
+          <a:lnRef idx="2">
+            <a:schemeClr val="accent6">
+              <a:shade val="50000"/>
+            </a:schemeClr>
+          </a:lnRef>
+          <a:fillRef idx="1">
+            <a:schemeClr val="accent6"/>
+          </a:fillRef>
+          <a:effectRef idx="0">
+            <a:schemeClr val="accent6"/>
+          </a:effectRef>
+          <a:fontRef idx="minor">
+            <a:schemeClr val="lt1"/>
+          </a:fontRef>
+        </p:style>
+        <p:txBody>
+          <a:bodyPr rtlCol="0" anchor="ctr"/>
+          <a:lstStyle/>
+          <a:p>
+            <a:pPr algn="ctr"/>
+            <a:r>
+              <a:rPr lang="en-US" dirty="0"/>
+              <a:t>3</a:t>
+            </a:r>
+          </a:p>
+        </p:txBody>
+      </p:sp>
+      <p:sp>
+        <p:nvSpPr>
+          <p:cNvPr id="23" name="Oval 22">
+            <a:extLst>
+              <a:ext uri="{FF2B5EF4-FFF2-40B4-BE49-F238E27FC236}">
+                <a16:creationId xmlns:a16="http://schemas.microsoft.com/office/drawing/2014/main" id="{7F058A7F-221F-430A-99D0-0B1CD4D10915}"/>
+              </a:ext>
+            </a:extLst>
+          </p:cNvPr>
+          <p:cNvSpPr/>
+          <p:nvPr/>
+        </p:nvSpPr>
+        <p:spPr>
+          <a:xfrm>
+            <a:off x="8697967" y="5594668"/>
+            <a:ext cx="274320" cy="274320"/>
+          </a:xfrm>
+          <a:prstGeom prst="ellipse">
+            <a:avLst/>
+          </a:prstGeom>
+        </p:spPr>
+        <p:style>
+          <a:lnRef idx="2">
+            <a:schemeClr val="accent6">
+              <a:shade val="50000"/>
+            </a:schemeClr>
+          </a:lnRef>
+          <a:fillRef idx="1">
+            <a:schemeClr val="accent6"/>
+          </a:fillRef>
+          <a:effectRef idx="0">
+            <a:schemeClr val="accent6"/>
+          </a:effectRef>
+          <a:fontRef idx="minor">
+            <a:schemeClr val="lt1"/>
+          </a:fontRef>
+        </p:style>
+        <p:txBody>
+          <a:bodyPr rtlCol="0" anchor="ctr"/>
+          <a:lstStyle/>
+          <a:p>
+            <a:pPr algn="ctr"/>
+            <a:r>
+              <a:rPr lang="en-US" dirty="0"/>
+              <a:t>4</a:t>
+            </a:r>
+          </a:p>
+        </p:txBody>
+      </p:sp>
+      <p:sp>
+        <p:nvSpPr>
+          <p:cNvPr id="24" name="Oval 23">
+            <a:extLst>
+              <a:ext uri="{FF2B5EF4-FFF2-40B4-BE49-F238E27FC236}">
+                <a16:creationId xmlns:a16="http://schemas.microsoft.com/office/drawing/2014/main" id="{B5652A44-2AD6-463F-A934-75233CFE1903}"/>
+              </a:ext>
+            </a:extLst>
+          </p:cNvPr>
+          <p:cNvSpPr/>
+          <p:nvPr/>
+        </p:nvSpPr>
+        <p:spPr>
+          <a:xfrm>
+            <a:off x="9764945" y="6092201"/>
+            <a:ext cx="274320" cy="274320"/>
+          </a:xfrm>
+          <a:prstGeom prst="ellipse">
+            <a:avLst/>
+          </a:prstGeom>
+        </p:spPr>
+        <p:style>
+          <a:lnRef idx="2">
+            <a:schemeClr val="accent6">
+              <a:shade val="50000"/>
+            </a:schemeClr>
+          </a:lnRef>
+          <a:fillRef idx="1">
+            <a:schemeClr val="accent6"/>
+          </a:fillRef>
+          <a:effectRef idx="0">
+            <a:schemeClr val="accent6"/>
+          </a:effectRef>
+          <a:fontRef idx="minor">
+            <a:schemeClr val="lt1"/>
+          </a:fontRef>
+        </p:style>
+        <p:txBody>
+          <a:bodyPr rtlCol="0" anchor="ctr"/>
+          <a:lstStyle/>
+          <a:p>
+            <a:pPr algn="ctr"/>
+            <a:r>
+              <a:rPr lang="en-US" dirty="0"/>
+              <a:t>5</a:t>
+            </a:r>
+          </a:p>
+        </p:txBody>
+      </p:sp>
+    </p:spTree>
+    <p:extLst>
+      <p:ext uri="{BB962C8B-B14F-4D97-AF65-F5344CB8AC3E}">
+        <p14:creationId xmlns:p14="http://schemas.microsoft.com/office/powerpoint/2010/main" val="2177834270"/>
+      </p:ext>
+    </p:extLst>
+  </p:cSld>
+  <p:clrMapOvr>
+    <a:masterClrMapping/>
+  </p:clrMapOvr>
+</p:sld>
+</file>
+
+<file path=ppt/slides/slide39.xml><?xml version="1.0" encoding="utf-8"?>
 <p:sld xmlns:a="http://schemas.openxmlformats.org/drawingml/2006/main" xmlns:r="http://schemas.openxmlformats.org/officeDocument/2006/relationships" xmlns:p="http://schemas.openxmlformats.org/presentationml/2006/main">
   <p:cSld>
     <p:bg>
@@ -12292,7 +17010,150 @@
 </p:sld>
 </file>
 
-<file path=ppt/slides/slide33.xml><?xml version="1.0" encoding="utf-8"?>
+<file path=ppt/slides/slide4.xml><?xml version="1.0" encoding="utf-8"?>
+<p:sld xmlns:a="http://schemas.openxmlformats.org/drawingml/2006/main" xmlns:r="http://schemas.openxmlformats.org/officeDocument/2006/relationships" xmlns:p="http://schemas.openxmlformats.org/presentationml/2006/main">
+  <p:cSld>
+    <p:spTree>
+      <p:nvGrpSpPr>
+        <p:cNvPr id="1" name=""/>
+        <p:cNvGrpSpPr/>
+        <p:nvPr/>
+      </p:nvGrpSpPr>
+      <p:grpSpPr>
+        <a:xfrm>
+          <a:off x="0" y="0"/>
+          <a:ext cx="0" cy="0"/>
+          <a:chOff x="0" y="0"/>
+          <a:chExt cx="0" cy="0"/>
+        </a:xfrm>
+      </p:grpSpPr>
+      <p:sp>
+        <p:nvSpPr>
+          <p:cNvPr id="2" name="Title 1">
+            <a:extLst>
+              <a:ext uri="{FF2B5EF4-FFF2-40B4-BE49-F238E27FC236}">
+                <a16:creationId xmlns:a16="http://schemas.microsoft.com/office/drawing/2014/main" id="{DAC5130F-EEC7-4664-AA7F-5DCB577F69E4}"/>
+              </a:ext>
+            </a:extLst>
+          </p:cNvPr>
+          <p:cNvSpPr>
+            <a:spLocks noGrp="1"/>
+          </p:cNvSpPr>
+          <p:nvPr>
+            <p:ph type="title"/>
+          </p:nvPr>
+        </p:nvSpPr>
+        <p:spPr>
+          <a:xfrm>
+            <a:off x="886968" y="1252728"/>
+            <a:ext cx="3493008" cy="4352544"/>
+          </a:xfrm>
+        </p:spPr>
+        <p:txBody>
+          <a:bodyPr vert="horz" lIns="91440" tIns="45720" rIns="91440" bIns="45720" rtlCol="0">
+            <a:normAutofit/>
+          </a:bodyPr>
+          <a:lstStyle/>
+          <a:p>
+            <a:pPr algn="r"/>
+            <a:r>
+              <a:rPr lang="en-US" sz="4000" kern="1200" dirty="0">
+                <a:latin typeface="+mj-lt"/>
+                <a:ea typeface="+mj-ea"/>
+                <a:cs typeface="+mj-cs"/>
+              </a:rPr>
+              <a:t>Application</a:t>
+            </a:r>
+            <a:br>
+              <a:rPr lang="en-US" sz="4000" kern="1200" dirty="0">
+                <a:latin typeface="+mj-lt"/>
+                <a:ea typeface="+mj-ea"/>
+                <a:cs typeface="+mj-cs"/>
+              </a:rPr>
+            </a:br>
+            <a:r>
+              <a:rPr lang="en-US" sz="4000" kern="1200" dirty="0">
+                <a:latin typeface="+mj-lt"/>
+                <a:ea typeface="+mj-ea"/>
+                <a:cs typeface="+mj-cs"/>
+              </a:rPr>
+              <a:t>Description</a:t>
+            </a:r>
+          </a:p>
+        </p:txBody>
+      </p:sp>
+      <p:sp>
+        <p:nvSpPr>
+          <p:cNvPr id="5" name="Content Placeholder 4">
+            <a:extLst>
+              <a:ext uri="{FF2B5EF4-FFF2-40B4-BE49-F238E27FC236}">
+                <a16:creationId xmlns:a16="http://schemas.microsoft.com/office/drawing/2014/main" id="{2C6CD077-E43E-491F-A74D-B5E330F9F254}"/>
+              </a:ext>
+            </a:extLst>
+          </p:cNvPr>
+          <p:cNvSpPr>
+            <a:spLocks noGrp="1"/>
+          </p:cNvSpPr>
+          <p:nvPr>
+            <p:ph idx="1"/>
+          </p:nvPr>
+        </p:nvSpPr>
+        <p:spPr>
+          <a:xfrm>
+            <a:off x="5020056" y="811022"/>
+            <a:ext cx="5724144" cy="5248656"/>
+          </a:xfrm>
+        </p:spPr>
+        <p:txBody>
+          <a:bodyPr anchor="ctr">
+            <a:normAutofit/>
+          </a:bodyPr>
+          <a:lstStyle/>
+          <a:p>
+            <a:r>
+              <a:rPr lang="en-US" sz="2400" dirty="0"/>
+              <a:t>Configure Notecard synchronization policy</a:t>
+            </a:r>
+          </a:p>
+          <a:p>
+            <a:r>
+              <a:rPr lang="en-US" sz="2400" dirty="0"/>
+              <a:t>Acquire sensor measurements</a:t>
+            </a:r>
+          </a:p>
+          <a:p>
+            <a:r>
+              <a:rPr lang="en-US" sz="2400" dirty="0"/>
+              <a:t>Add sensor measurements to outbound queue</a:t>
+            </a:r>
+          </a:p>
+          <a:p>
+            <a:r>
+              <a:rPr lang="en-US" sz="2400" dirty="0"/>
+              <a:t>Synchronize data with </a:t>
+            </a:r>
+            <a:r>
+              <a:rPr lang="en-US" sz="2400" dirty="0" err="1"/>
+              <a:t>Notehub</a:t>
+            </a:r>
+            <a:endParaRPr lang="en-US" sz="2400" dirty="0"/>
+          </a:p>
+        </p:txBody>
+      </p:sp>
+    </p:spTree>
+    <p:extLst>
+      <p:ext uri="{BB962C8B-B14F-4D97-AF65-F5344CB8AC3E}">
+        <p14:creationId xmlns:p14="http://schemas.microsoft.com/office/powerpoint/2010/main" val="2882602739"/>
+      </p:ext>
+    </p:extLst>
+  </p:cSld>
+  <p:clrMapOvr>
+    <a:masterClrMapping/>
+  </p:clrMapOvr>
+</p:sld>
+</file>
+
+<file path=ppt/slides/slide40.xml><?xml version="1.0" encoding="utf-8"?>
 <p:sld xmlns:a="http://schemas.openxmlformats.org/drawingml/2006/main" xmlns:r="http://schemas.openxmlformats.org/officeDocument/2006/relationships" xmlns:p="http://schemas.openxmlformats.org/presentationml/2006/main">
   <p:cSld>
     <p:spTree>
@@ -13270,189 +18131,6 @@
     <p:extLst>
       <p:ext uri="{BB962C8B-B14F-4D97-AF65-F5344CB8AC3E}">
         <p14:creationId xmlns:p14="http://schemas.microsoft.com/office/powerpoint/2010/main" val="354601193"/>
-      </p:ext>
-    </p:extLst>
-  </p:cSld>
-  <p:clrMapOvr>
-    <a:masterClrMapping/>
-  </p:clrMapOvr>
-</p:sld>
-</file>
-
-<file path=ppt/slides/slide4.xml><?xml version="1.0" encoding="utf-8"?>
-<p:sld xmlns:a="http://schemas.openxmlformats.org/drawingml/2006/main" xmlns:r="http://schemas.openxmlformats.org/officeDocument/2006/relationships" xmlns:p="http://schemas.openxmlformats.org/presentationml/2006/main">
-  <p:cSld>
-    <p:spTree>
-      <p:nvGrpSpPr>
-        <p:cNvPr id="1" name=""/>
-        <p:cNvGrpSpPr/>
-        <p:nvPr/>
-      </p:nvGrpSpPr>
-      <p:grpSpPr>
-        <a:xfrm>
-          <a:off x="0" y="0"/>
-          <a:ext cx="0" cy="0"/>
-          <a:chOff x="0" y="0"/>
-          <a:chExt cx="0" cy="0"/>
-        </a:xfrm>
-      </p:grpSpPr>
-      <p:sp>
-        <p:nvSpPr>
-          <p:cNvPr id="2" name="Title 1">
-            <a:extLst>
-              <a:ext uri="{FF2B5EF4-FFF2-40B4-BE49-F238E27FC236}">
-                <a16:creationId xmlns:a16="http://schemas.microsoft.com/office/drawing/2014/main" id="{DAC5130F-EEC7-4664-AA7F-5DCB577F69E4}"/>
-              </a:ext>
-            </a:extLst>
-          </p:cNvPr>
-          <p:cNvSpPr>
-            <a:spLocks noGrp="1"/>
-          </p:cNvSpPr>
-          <p:nvPr>
-            <p:ph type="title"/>
-          </p:nvPr>
-        </p:nvSpPr>
-        <p:spPr>
-          <a:xfrm>
-            <a:off x="886968" y="1252728"/>
-            <a:ext cx="3493008" cy="4352544"/>
-          </a:xfrm>
-        </p:spPr>
-        <p:txBody>
-          <a:bodyPr vert="horz" lIns="91440" tIns="45720" rIns="91440" bIns="45720" rtlCol="0">
-            <a:normAutofit/>
-          </a:bodyPr>
-          <a:lstStyle/>
-          <a:p>
-            <a:pPr algn="r"/>
-            <a:r>
-              <a:rPr lang="en-US" sz="4000" kern="1200" dirty="0">
-                <a:latin typeface="+mj-lt"/>
-                <a:ea typeface="+mj-ea"/>
-                <a:cs typeface="+mj-cs"/>
-              </a:rPr>
-              <a:t>Application</a:t>
-            </a:r>
-            <a:br>
-              <a:rPr lang="en-US" sz="4000" kern="1200" dirty="0">
-                <a:latin typeface="+mj-lt"/>
-                <a:ea typeface="+mj-ea"/>
-                <a:cs typeface="+mj-cs"/>
-              </a:rPr>
-            </a:br>
-            <a:r>
-              <a:rPr lang="en-US" sz="4000" kern="1200" dirty="0">
-                <a:latin typeface="+mj-lt"/>
-                <a:ea typeface="+mj-ea"/>
-                <a:cs typeface="+mj-cs"/>
-              </a:rPr>
-              <a:t>Description</a:t>
-            </a:r>
-          </a:p>
-        </p:txBody>
-      </p:sp>
-      <p:sp>
-        <p:nvSpPr>
-          <p:cNvPr id="5" name="Content Placeholder 4">
-            <a:extLst>
-              <a:ext uri="{FF2B5EF4-FFF2-40B4-BE49-F238E27FC236}">
-                <a16:creationId xmlns:a16="http://schemas.microsoft.com/office/drawing/2014/main" id="{2C6CD077-E43E-491F-A74D-B5E330F9F254}"/>
-              </a:ext>
-            </a:extLst>
-          </p:cNvPr>
-          <p:cNvSpPr>
-            <a:spLocks noGrp="1"/>
-          </p:cNvSpPr>
-          <p:nvPr>
-            <p:ph idx="1"/>
-          </p:nvPr>
-        </p:nvSpPr>
-        <p:spPr>
-          <a:xfrm>
-            <a:off x="5020056" y="811022"/>
-            <a:ext cx="5724144" cy="5248656"/>
-          </a:xfrm>
-        </p:spPr>
-        <p:txBody>
-          <a:bodyPr anchor="ctr">
-            <a:normAutofit/>
-          </a:bodyPr>
-          <a:lstStyle/>
-          <a:p>
-            <a:r>
-              <a:rPr lang="en-US" sz="2400" dirty="0"/>
-              <a:t>??????????????</a:t>
-            </a:r>
-          </a:p>
-        </p:txBody>
-      </p:sp>
-      <p:sp>
-        <p:nvSpPr>
-          <p:cNvPr id="4" name="Speech Bubble: Rectangle with Corners Rounded 3">
-            <a:extLst>
-              <a:ext uri="{FF2B5EF4-FFF2-40B4-BE49-F238E27FC236}">
-                <a16:creationId xmlns:a16="http://schemas.microsoft.com/office/drawing/2014/main" id="{8FB87DD6-BB8E-4262-9895-4F661808E1F8}"/>
-              </a:ext>
-            </a:extLst>
-          </p:cNvPr>
-          <p:cNvSpPr/>
-          <p:nvPr/>
-        </p:nvSpPr>
-        <p:spPr>
-          <a:xfrm>
-            <a:off x="7152634" y="709577"/>
-            <a:ext cx="2503807" cy="1390570"/>
-          </a:xfrm>
-          <a:prstGeom prst="wedgeRoundRectCallout">
-            <a:avLst>
-              <a:gd name="adj1" fmla="val -44670"/>
-              <a:gd name="adj2" fmla="val 127651"/>
-              <a:gd name="adj3" fmla="val 16667"/>
-            </a:avLst>
-          </a:prstGeom>
-          <a:solidFill>
-            <a:srgbClr val="C00000">
-              <a:alpha val="41176"/>
-            </a:srgbClr>
-          </a:solidFill>
-          <a:ln>
-            <a:solidFill>
-              <a:srgbClr val="C00000"/>
-            </a:solidFill>
-          </a:ln>
-        </p:spPr>
-        <p:style>
-          <a:lnRef idx="2">
-            <a:schemeClr val="accent1">
-              <a:shade val="50000"/>
-            </a:schemeClr>
-          </a:lnRef>
-          <a:fillRef idx="1">
-            <a:schemeClr val="accent1"/>
-          </a:fillRef>
-          <a:effectRef idx="0">
-            <a:schemeClr val="accent1"/>
-          </a:effectRef>
-          <a:fontRef idx="minor">
-            <a:schemeClr val="lt1"/>
-          </a:fontRef>
-        </p:style>
-        <p:txBody>
-          <a:bodyPr rtlCol="0" anchor="ctr"/>
-          <a:lstStyle/>
-          <a:p>
-            <a:pPr algn="ctr"/>
-            <a:r>
-              <a:rPr lang="en-US" dirty="0"/>
-              <a:t>TODO!</a:t>
-            </a:r>
-          </a:p>
-        </p:txBody>
-      </p:sp>
-    </p:spTree>
-    <p:extLst>
-      <p:ext uri="{BB962C8B-B14F-4D97-AF65-F5344CB8AC3E}">
-        <p14:creationId xmlns:p14="http://schemas.microsoft.com/office/powerpoint/2010/main" val="2882602739"/>
       </p:ext>
     </p:extLst>
   </p:cSld>

--- a/Host Firmware Tutorial.pptx
+++ b/Host Firmware Tutorial.pptx
@@ -215,6 +215,18 @@
 </p:presentation>
 </file>
 
+<file path=ppt/commentAuthors.xml><?xml version="1.0" encoding="utf-8"?>
+<p:cmAuthorLst xmlns:a="http://schemas.openxmlformats.org/drawingml/2006/main" xmlns:r="http://schemas.openxmlformats.org/officeDocument/2006/relationships" xmlns:p="http://schemas.openxmlformats.org/presentationml/2006/main">
+  <p:cmAuthor id="1" name="Greg Wolff" initials="GW" lastIdx="1" clrIdx="0">
+    <p:extLst>
+      <p:ext uri="{19B8F6BF-5375-455C-9EA6-DF929625EA0E}">
+        <p15:presenceInfo xmlns:p15="http://schemas.microsoft.com/office/powerpoint/2012/main" userId="6e84d171ddb409c4" providerId="Windows Live"/>
+      </p:ext>
+    </p:extLst>
+  </p:cmAuthor>
+</p:cmAuthorLst>
+</file>
+
 <file path=ppt/slideLayouts/slideLayout1.xml><?xml version="1.0" encoding="utf-8"?>
 <p:sldLayout xmlns:a="http://schemas.openxmlformats.org/drawingml/2006/main" xmlns:r="http://schemas.openxmlformats.org/officeDocument/2006/relationships" xmlns:p="http://schemas.openxmlformats.org/presentationml/2006/main" type="title" preserve="1">
   <p:cSld name="Title Slide">
@@ -362,7 +374,7 @@
           <a:p>
             <a:fld id="{33BEA90A-ED50-48F3-8DBA-1EEEB5B38D46}" type="datetimeFigureOut">
               <a:rPr lang="en-US" smtClean="0"/>
-              <a:t>3/16/2020</a:t>
+              <a:t>3/17/2020</a:t>
             </a:fld>
             <a:endParaRPr lang="en-US"/>
           </a:p>
@@ -560,7 +572,7 @@
           <a:p>
             <a:fld id="{33BEA90A-ED50-48F3-8DBA-1EEEB5B38D46}" type="datetimeFigureOut">
               <a:rPr lang="en-US" smtClean="0"/>
-              <a:t>3/16/2020</a:t>
+              <a:t>3/17/2020</a:t>
             </a:fld>
             <a:endParaRPr lang="en-US"/>
           </a:p>
@@ -768,7 +780,7 @@
           <a:p>
             <a:fld id="{33BEA90A-ED50-48F3-8DBA-1EEEB5B38D46}" type="datetimeFigureOut">
               <a:rPr lang="en-US" smtClean="0"/>
-              <a:t>3/16/2020</a:t>
+              <a:t>3/17/2020</a:t>
             </a:fld>
             <a:endParaRPr lang="en-US"/>
           </a:p>
@@ -966,7 +978,7 @@
           <a:p>
             <a:fld id="{33BEA90A-ED50-48F3-8DBA-1EEEB5B38D46}" type="datetimeFigureOut">
               <a:rPr lang="en-US" smtClean="0"/>
-              <a:t>3/16/2020</a:t>
+              <a:t>3/17/2020</a:t>
             </a:fld>
             <a:endParaRPr lang="en-US"/>
           </a:p>
@@ -1241,7 +1253,7 @@
           <a:p>
             <a:fld id="{33BEA90A-ED50-48F3-8DBA-1EEEB5B38D46}" type="datetimeFigureOut">
               <a:rPr lang="en-US" smtClean="0"/>
-              <a:t>3/16/2020</a:t>
+              <a:t>3/17/2020</a:t>
             </a:fld>
             <a:endParaRPr lang="en-US"/>
           </a:p>
@@ -1506,7 +1518,7 @@
           <a:p>
             <a:fld id="{33BEA90A-ED50-48F3-8DBA-1EEEB5B38D46}" type="datetimeFigureOut">
               <a:rPr lang="en-US" smtClean="0"/>
-              <a:t>3/16/2020</a:t>
+              <a:t>3/17/2020</a:t>
             </a:fld>
             <a:endParaRPr lang="en-US"/>
           </a:p>
@@ -1918,7 +1930,7 @@
           <a:p>
             <a:fld id="{33BEA90A-ED50-48F3-8DBA-1EEEB5B38D46}" type="datetimeFigureOut">
               <a:rPr lang="en-US" smtClean="0"/>
-              <a:t>3/16/2020</a:t>
+              <a:t>3/17/2020</a:t>
             </a:fld>
             <a:endParaRPr lang="en-US"/>
           </a:p>
@@ -2059,7 +2071,7 @@
           <a:p>
             <a:fld id="{33BEA90A-ED50-48F3-8DBA-1EEEB5B38D46}" type="datetimeFigureOut">
               <a:rPr lang="en-US" smtClean="0"/>
-              <a:t>3/16/2020</a:t>
+              <a:t>3/17/2020</a:t>
             </a:fld>
             <a:endParaRPr lang="en-US"/>
           </a:p>
@@ -2172,7 +2184,7 @@
           <a:p>
             <a:fld id="{33BEA90A-ED50-48F3-8DBA-1EEEB5B38D46}" type="datetimeFigureOut">
               <a:rPr lang="en-US" smtClean="0"/>
-              <a:t>3/16/2020</a:t>
+              <a:t>3/17/2020</a:t>
             </a:fld>
             <a:endParaRPr lang="en-US"/>
           </a:p>
@@ -2483,7 +2495,7 @@
           <a:p>
             <a:fld id="{33BEA90A-ED50-48F3-8DBA-1EEEB5B38D46}" type="datetimeFigureOut">
               <a:rPr lang="en-US" smtClean="0"/>
-              <a:t>3/16/2020</a:t>
+              <a:t>3/17/2020</a:t>
             </a:fld>
             <a:endParaRPr lang="en-US"/>
           </a:p>
@@ -2771,7 +2783,7 @@
           <a:p>
             <a:fld id="{33BEA90A-ED50-48F3-8DBA-1EEEB5B38D46}" type="datetimeFigureOut">
               <a:rPr lang="en-US" smtClean="0"/>
-              <a:t>3/16/2020</a:t>
+              <a:t>3/17/2020</a:t>
             </a:fld>
             <a:endParaRPr lang="en-US"/>
           </a:p>
@@ -3012,7 +3024,7 @@
           <a:p>
             <a:fld id="{33BEA90A-ED50-48F3-8DBA-1EEEB5B38D46}" type="datetimeFigureOut">
               <a:rPr lang="en-US" smtClean="0"/>
-              <a:t>3/16/2020</a:t>
+              <a:t>3/17/2020</a:t>
             </a:fld>
             <a:endParaRPr lang="en-US"/>
           </a:p>
@@ -10677,7 +10689,7 @@
             </a:r>
             <a:r>
               <a:rPr lang="en-US" dirty="0" err="1"/>
-              <a:t>app_id</a:t>
+              <a:t>product_id</a:t>
             </a:r>
             <a:r>
               <a:rPr lang="en-US" dirty="0"/>
@@ -10739,14 +10751,14 @@
             <p:ph idx="1"/>
             <p:extLst>
               <p:ext uri="{D42A27DB-BD31-4B8C-83A1-F6EECF244321}">
-                <p14:modId xmlns:p14="http://schemas.microsoft.com/office/powerpoint/2010/main" val="3320378837"/>
+                <p14:modId xmlns:p14="http://schemas.microsoft.com/office/powerpoint/2010/main" val="4076468353"/>
               </p:ext>
             </p:extLst>
           </p:nvPr>
         </p:nvGraphicFramePr>
         <p:xfrm>
           <a:off x="5183188" y="987425"/>
-          <a:ext cx="6172200" cy="1112520"/>
+          <a:ext cx="6172200" cy="1168400"/>
         </p:xfrm>
         <a:graphic>
           <a:graphicData uri="http://schemas.openxmlformats.org/drawingml/2006/table">
@@ -10762,14 +10774,14 @@
                     </a:ext>
                   </a:extLst>
                 </a:gridCol>
-                <a:gridCol w="2080592">
+                <a:gridCol w="2383183">
                   <a:extLst>
                     <a:ext uri="{9D8B030D-6E8A-4147-A177-3AD203B41FA5}">
                       <a16:colId xmlns:a16="http://schemas.microsoft.com/office/drawing/2014/main" val="1529368550"/>
                     </a:ext>
                   </a:extLst>
                 </a:gridCol>
-                <a:gridCol w="2971179">
+                <a:gridCol w="2668588">
                   <a:extLst>
                     <a:ext uri="{9D8B030D-6E8A-4147-A177-3AD203B41FA5}">
                       <a16:colId xmlns:a16="http://schemas.microsoft.com/office/drawing/2014/main" val="1662634098"/>
@@ -10832,7 +10844,7 @@
                       </a:r>
                       <a:r>
                         <a:rPr lang="en-US" sz="1100" dirty="0" err="1"/>
-                        <a:t>app_uid</a:t>
+                        <a:t>product_uid</a:t>
                       </a:r>
                       <a:r>
                         <a:rPr lang="en-US" sz="1100" dirty="0"/>
@@ -10849,7 +10861,15 @@
                     <a:p>
                       <a:r>
                         <a:rPr lang="en-US" sz="1100" dirty="0"/>
-                        <a:t>App UID</a:t>
+                        <a:t>Product UID identifies which </a:t>
+                      </a:r>
+                      <a:r>
+                        <a:rPr lang="en-US" sz="1100" dirty="0" err="1"/>
+                        <a:t>Notehub</a:t>
+                      </a:r>
+                      <a:r>
+                        <a:rPr lang="en-US" sz="1100" dirty="0"/>
+                        <a:t> project to append a notefile</a:t>
                       </a:r>
                     </a:p>
                   </a:txBody>
@@ -10861,8 +10881,10 @@
                     <a:lstStyle/>
                     <a:p>
                       <a:r>
-                        <a:rPr lang="en-US" sz="900" dirty="0"/>
-                        <a:t>app:d8edc5cc-c7d7-48ef-aeda-7147b884111a</a:t>
+                        <a:rPr lang="en-US" sz="900" dirty="0" err="1">
+                          <a:latin typeface="Consolas" panose="020B0609020204030204" pitchFamily="49" charset="0"/>
+                        </a:rPr>
+                        <a:t>my_default_project_id</a:t>
                       </a:r>
                       <a:endParaRPr lang="en-US" sz="900" dirty="0">
                         <a:latin typeface="Consolas" panose="020B0609020204030204" pitchFamily="49" charset="0"/>
@@ -11006,7 +11028,7 @@
               <a:rPr lang="en-US" sz="900" dirty="0" err="1">
                 <a:latin typeface="Consolas" panose="020B0609020204030204" pitchFamily="49" charset="0"/>
               </a:rPr>
-              <a:t>req?project</a:t>
+              <a:t>req?product</a:t>
             </a:r>
             <a:r>
               <a:rPr lang="en-US" sz="900" dirty="0">
@@ -11024,7 +11046,7 @@
               <a:rPr lang="en-US" sz="900" b="1" dirty="0" err="1">
                 <a:latin typeface="Consolas" panose="020B0609020204030204" pitchFamily="49" charset="0"/>
               </a:rPr>
-              <a:t>app_uid</a:t>
+              <a:t>product_uid</a:t>
             </a:r>
             <a:r>
               <a:rPr lang="en-US" sz="900" b="1" dirty="0">
@@ -11152,7 +11174,7 @@
               <a:rPr lang="en-US" sz="900" dirty="0" err="1">
                 <a:latin typeface="Consolas" panose="020B0609020204030204" pitchFamily="49" charset="0"/>
               </a:rPr>
-              <a:t>req?project</a:t>
+              <a:t>req?product</a:t>
             </a:r>
             <a:r>
               <a:rPr lang="en-US" sz="900" dirty="0">
@@ -11170,7 +11192,7 @@
               <a:rPr lang="en-US" sz="900" b="1" dirty="0" err="1">
                 <a:latin typeface="Consolas" panose="020B0609020204030204" pitchFamily="49" charset="0"/>
               </a:rPr>
-              <a:t>app_uid</a:t>
+              <a:t>product_uid</a:t>
             </a:r>
             <a:r>
               <a:rPr lang="en-US" sz="900" b="1" dirty="0">
@@ -12560,7 +12582,7 @@
           <a:p>
             <a:r>
               <a:rPr lang="en-US" dirty="0"/>
-              <a:t>Get App UID</a:t>
+              <a:t>Get Product UID</a:t>
             </a:r>
           </a:p>
           <a:p>
@@ -12656,127 +12678,12 @@
           <a:chExt cx="0" cy="0"/>
         </a:xfrm>
       </p:grpSpPr>
-      <p:sp>
-        <p:nvSpPr>
-          <p:cNvPr id="4" name="Title 3">
-            <a:extLst>
-              <a:ext uri="{FF2B5EF4-FFF2-40B4-BE49-F238E27FC236}">
-                <a16:creationId xmlns:a16="http://schemas.microsoft.com/office/drawing/2014/main" id="{5FF723F9-A261-464E-8F90-5808671D53F3}"/>
-              </a:ext>
-            </a:extLst>
-          </p:cNvPr>
-          <p:cNvSpPr>
-            <a:spLocks noGrp="1"/>
-          </p:cNvSpPr>
-          <p:nvPr>
-            <p:ph type="title"/>
-          </p:nvPr>
-        </p:nvSpPr>
-        <p:spPr/>
-        <p:txBody>
-          <a:bodyPr/>
-          <a:lstStyle/>
-          <a:p>
-            <a:r>
-              <a:rPr lang="en-US" dirty="0"/>
-              <a:t>Get App UID</a:t>
-            </a:r>
-          </a:p>
-        </p:txBody>
-      </p:sp>
-      <p:sp>
-        <p:nvSpPr>
-          <p:cNvPr id="6" name="Text Placeholder 5">
-            <a:extLst>
-              <a:ext uri="{FF2B5EF4-FFF2-40B4-BE49-F238E27FC236}">
-                <a16:creationId xmlns:a16="http://schemas.microsoft.com/office/drawing/2014/main" id="{45E49C6F-29E5-4381-9497-6FBCFC64D748}"/>
-              </a:ext>
-            </a:extLst>
-          </p:cNvPr>
-          <p:cNvSpPr>
-            <a:spLocks noGrp="1"/>
-          </p:cNvSpPr>
-          <p:nvPr>
-            <p:ph type="body" sz="half" idx="2"/>
-          </p:nvPr>
-        </p:nvSpPr>
-        <p:spPr/>
-        <p:txBody>
-          <a:bodyPr/>
-          <a:lstStyle/>
-          <a:p>
-            <a:endParaRPr lang="en-US" dirty="0"/>
-          </a:p>
-          <a:p>
-            <a:pPr marL="342900" indent="-342900">
-              <a:buAutoNum type="arabicPeriod"/>
-            </a:pPr>
-            <a:r>
-              <a:rPr lang="en-US" dirty="0"/>
-              <a:t>Navigate to </a:t>
-            </a:r>
-            <a:r>
-              <a:rPr lang="en-US" dirty="0">
-                <a:hlinkClick r:id="rId2"/>
-              </a:rPr>
-              <a:t>https://notehub.io/projects</a:t>
-            </a:r>
-            <a:endParaRPr lang="en-US" dirty="0"/>
-          </a:p>
-          <a:p>
-            <a:pPr marL="342900" indent="-342900">
-              <a:buAutoNum type="arabicPeriod"/>
-            </a:pPr>
-            <a:r>
-              <a:rPr lang="en-US" dirty="0"/>
-              <a:t>Select a Project</a:t>
-            </a:r>
-          </a:p>
-          <a:p>
-            <a:pPr lvl="1"/>
-            <a:r>
-              <a:rPr lang="en-US" dirty="0"/>
-              <a:t>e.g.: My Project</a:t>
-            </a:r>
-          </a:p>
-          <a:p>
-            <a:pPr marL="342900" indent="-342900">
-              <a:buAutoNum type="arabicPeriod"/>
-            </a:pPr>
-            <a:r>
-              <a:rPr lang="en-US" dirty="0"/>
-              <a:t>Click “Project” under “Settings” header on navigation tree</a:t>
-            </a:r>
-          </a:p>
-          <a:p>
-            <a:pPr marL="342900" indent="-342900">
-              <a:buAutoNum type="arabicPeriod"/>
-            </a:pPr>
-            <a:r>
-              <a:rPr lang="en-US" dirty="0"/>
-              <a:t>Hover mouse over right side of App UID field</a:t>
-            </a:r>
-          </a:p>
-          <a:p>
-            <a:pPr marL="342900" indent="-342900">
-              <a:buAutoNum type="arabicPeriod"/>
-            </a:pPr>
-            <a:r>
-              <a:rPr lang="en-US" dirty="0"/>
-              <a:t>Click      to copy App UID to clipboard</a:t>
-            </a:r>
-          </a:p>
-          <a:p>
-            <a:endParaRPr lang="en-US" dirty="0"/>
-          </a:p>
-        </p:txBody>
-      </p:sp>
       <p:pic>
         <p:nvPicPr>
-          <p:cNvPr id="25" name="Content Placeholder 24">
-            <a:extLst>
-              <a:ext uri="{FF2B5EF4-FFF2-40B4-BE49-F238E27FC236}">
-                <a16:creationId xmlns:a16="http://schemas.microsoft.com/office/drawing/2014/main" id="{2F3448F0-0859-4D4E-BEC6-FEB11AC56342}"/>
+          <p:cNvPr id="9" name="Content Placeholder 8">
+            <a:extLst>
+              <a:ext uri="{FF2B5EF4-FFF2-40B4-BE49-F238E27FC236}">
+                <a16:creationId xmlns:a16="http://schemas.microsoft.com/office/drawing/2014/main" id="{B86A7B44-942C-4735-867B-5B4B00845DD1}"/>
               </a:ext>
             </a:extLst>
           </p:cNvPr>
@@ -12787,15 +12694,16 @@
             <p:ph idx="1"/>
           </p:nvPr>
         </p:nvPicPr>
-        <p:blipFill rotWithShape="1">
-          <a:blip r:embed="rId3"/>
-          <a:srcRect t="20592" r="2053" b="15038"/>
-          <a:stretch/>
+        <p:blipFill>
+          <a:blip r:embed="rId2"/>
+          <a:stretch>
+            <a:fillRect/>
+          </a:stretch>
         </p:blipFill>
         <p:spPr>
           <a:xfrm>
-            <a:off x="5180012" y="1257300"/>
-            <a:ext cx="6172200" cy="2660192"/>
+            <a:off x="5183188" y="1270874"/>
+            <a:ext cx="6172200" cy="2713216"/>
           </a:xfrm>
           <a:prstGeom prst="rect">
             <a:avLst/>
@@ -12814,6 +12722,157 @@
       </p:pic>
       <p:sp>
         <p:nvSpPr>
+          <p:cNvPr id="4" name="Title 3">
+            <a:extLst>
+              <a:ext uri="{FF2B5EF4-FFF2-40B4-BE49-F238E27FC236}">
+                <a16:creationId xmlns:a16="http://schemas.microsoft.com/office/drawing/2014/main" id="{5FF723F9-A261-464E-8F90-5808671D53F3}"/>
+              </a:ext>
+            </a:extLst>
+          </p:cNvPr>
+          <p:cNvSpPr>
+            <a:spLocks noGrp="1"/>
+          </p:cNvSpPr>
+          <p:nvPr>
+            <p:ph type="title"/>
+          </p:nvPr>
+        </p:nvSpPr>
+        <p:spPr/>
+        <p:txBody>
+          <a:bodyPr/>
+          <a:lstStyle/>
+          <a:p>
+            <a:r>
+              <a:rPr lang="en-US" dirty="0"/>
+              <a:t>Get Product UID</a:t>
+            </a:r>
+          </a:p>
+        </p:txBody>
+      </p:sp>
+      <p:sp>
+        <p:nvSpPr>
+          <p:cNvPr id="6" name="Text Placeholder 5">
+            <a:extLst>
+              <a:ext uri="{FF2B5EF4-FFF2-40B4-BE49-F238E27FC236}">
+                <a16:creationId xmlns:a16="http://schemas.microsoft.com/office/drawing/2014/main" id="{45E49C6F-29E5-4381-9497-6FBCFC64D748}"/>
+              </a:ext>
+            </a:extLst>
+          </p:cNvPr>
+          <p:cNvSpPr>
+            <a:spLocks noGrp="1"/>
+          </p:cNvSpPr>
+          <p:nvPr>
+            <p:ph type="body" sz="half" idx="2"/>
+          </p:nvPr>
+        </p:nvSpPr>
+        <p:spPr/>
+        <p:txBody>
+          <a:bodyPr/>
+          <a:lstStyle/>
+          <a:p>
+            <a:endParaRPr lang="en-US" dirty="0"/>
+          </a:p>
+          <a:p>
+            <a:pPr marL="342900" indent="-342900">
+              <a:buAutoNum type="arabicPeriod"/>
+            </a:pPr>
+            <a:r>
+              <a:rPr lang="en-US" dirty="0"/>
+              <a:t>Navigate to </a:t>
+            </a:r>
+            <a:r>
+              <a:rPr lang="en-US" dirty="0">
+                <a:hlinkClick r:id="rId3"/>
+              </a:rPr>
+              <a:t>https://notehub.io/projects</a:t>
+            </a:r>
+            <a:endParaRPr lang="en-US" dirty="0"/>
+          </a:p>
+          <a:p>
+            <a:pPr marL="342900" indent="-342900">
+              <a:buAutoNum type="arabicPeriod"/>
+            </a:pPr>
+            <a:r>
+              <a:rPr lang="en-US" dirty="0"/>
+              <a:t>Select a Project</a:t>
+            </a:r>
+          </a:p>
+          <a:p>
+            <a:pPr lvl="1"/>
+            <a:r>
+              <a:rPr lang="en-US" dirty="0"/>
+              <a:t>e.g.: My Project</a:t>
+            </a:r>
+          </a:p>
+          <a:p>
+            <a:pPr marL="342900" indent="-342900">
+              <a:buAutoNum type="arabicPeriod"/>
+            </a:pPr>
+            <a:r>
+              <a:rPr lang="en-US" dirty="0"/>
+              <a:t>Click “Project” under “Settings” header on navigation tree</a:t>
+            </a:r>
+          </a:p>
+          <a:p>
+            <a:pPr marL="342900" indent="-342900">
+              <a:buAutoNum type="arabicPeriod"/>
+            </a:pPr>
+            <a:r>
+              <a:rPr lang="en-US" dirty="0"/>
+              <a:t>Highlight and copy a UID from the available Product UIDs table</a:t>
+            </a:r>
+          </a:p>
+          <a:p>
+            <a:endParaRPr lang="en-US" dirty="0"/>
+          </a:p>
+        </p:txBody>
+      </p:sp>
+      <p:pic>
+        <p:nvPicPr>
+          <p:cNvPr id="1026" name="Picture 2">
+            <a:extLst>
+              <a:ext uri="{FF2B5EF4-FFF2-40B4-BE49-F238E27FC236}">
+                <a16:creationId xmlns:a16="http://schemas.microsoft.com/office/drawing/2014/main" id="{8BF78565-495B-4D33-88FD-50136E23F918}"/>
+              </a:ext>
+            </a:extLst>
+          </p:cNvPr>
+          <p:cNvPicPr>
+            <a:picLocks noChangeAspect="1" noChangeArrowheads="1"/>
+          </p:cNvPicPr>
+          <p:nvPr/>
+        </p:nvPicPr>
+        <p:blipFill rotWithShape="1">
+          <a:blip r:embed="rId4">
+            <a:extLst>
+              <a:ext uri="{28A0092B-C50C-407E-A947-70E740481C1C}">
+                <a14:useLocalDpi xmlns:a14="http://schemas.microsoft.com/office/drawing/2010/main" val="0"/>
+              </a:ext>
+            </a:extLst>
+          </a:blip>
+          <a:srcRect l="45916" t="10075" b="8815"/>
+          <a:stretch/>
+        </p:blipFill>
+        <p:spPr bwMode="auto">
+          <a:xfrm>
+            <a:off x="2016981" y="504596"/>
+            <a:ext cx="160849" cy="181204"/>
+          </a:xfrm>
+          <a:prstGeom prst="rect">
+            <a:avLst/>
+          </a:prstGeom>
+          <a:noFill/>
+          <a:extLst>
+            <a:ext uri="{909E8E84-426E-40DD-AFC4-6F175D3DCCD1}">
+              <a14:hiddenFill xmlns:a14="http://schemas.microsoft.com/office/drawing/2010/main">
+                <a:solidFill>
+                  <a:srgbClr val="FFFFFF"/>
+                </a:solidFill>
+              </a14:hiddenFill>
+            </a:ext>
+          </a:extLst>
+        </p:spPr>
+      </p:pic>
+      <p:sp>
+        <p:nvSpPr>
           <p:cNvPr id="27" name="Oval 26">
             <a:extLst>
               <a:ext uri="{FF2B5EF4-FFF2-40B4-BE49-F238E27FC236}">
@@ -12826,7 +12885,7 @@
         </p:nvSpPr>
         <p:spPr>
           <a:xfrm>
-            <a:off x="5958840" y="3154680"/>
+            <a:off x="5958840" y="3200266"/>
             <a:ext cx="274320" cy="274320"/>
           </a:xfrm>
           <a:prstGeom prst="ellipse">
@@ -12875,7 +12934,7 @@
         </p:nvSpPr>
         <p:spPr>
           <a:xfrm>
-            <a:off x="10835861" y="2587396"/>
+            <a:off x="8405725" y="3573975"/>
             <a:ext cx="274320" cy="274320"/>
           </a:xfrm>
           <a:prstGeom prst="ellipse">
@@ -12910,90 +12969,6 @@
           </a:p>
         </p:txBody>
       </p:sp>
-      <p:pic>
-        <p:nvPicPr>
-          <p:cNvPr id="1026" name="Picture 2">
-            <a:extLst>
-              <a:ext uri="{FF2B5EF4-FFF2-40B4-BE49-F238E27FC236}">
-                <a16:creationId xmlns:a16="http://schemas.microsoft.com/office/drawing/2014/main" id="{8BF78565-495B-4D33-88FD-50136E23F918}"/>
-              </a:ext>
-            </a:extLst>
-          </p:cNvPr>
-          <p:cNvPicPr>
-            <a:picLocks noChangeAspect="1" noChangeArrowheads="1"/>
-          </p:cNvPicPr>
-          <p:nvPr/>
-        </p:nvPicPr>
-        <p:blipFill rotWithShape="1">
-          <a:blip r:embed="rId4">
-            <a:extLst>
-              <a:ext uri="{28A0092B-C50C-407E-A947-70E740481C1C}">
-                <a14:useLocalDpi xmlns:a14="http://schemas.microsoft.com/office/drawing/2010/main" val="0"/>
-              </a:ext>
-            </a:extLst>
-          </a:blip>
-          <a:srcRect l="45916" t="10075" b="8815"/>
-          <a:stretch/>
-        </p:blipFill>
-        <p:spPr bwMode="auto">
-          <a:xfrm>
-            <a:off x="11110181" y="2551836"/>
-            <a:ext cx="160849" cy="181204"/>
-          </a:xfrm>
-          <a:prstGeom prst="rect">
-            <a:avLst/>
-          </a:prstGeom>
-          <a:noFill/>
-          <a:extLst>
-            <a:ext uri="{909E8E84-426E-40DD-AFC4-6F175D3DCCD1}">
-              <a14:hiddenFill xmlns:a14="http://schemas.microsoft.com/office/drawing/2010/main">
-                <a:solidFill>
-                  <a:srgbClr val="FFFFFF"/>
-                </a:solidFill>
-              </a14:hiddenFill>
-            </a:ext>
-          </a:extLst>
-        </p:spPr>
-      </p:pic>
-      <p:pic>
-        <p:nvPicPr>
-          <p:cNvPr id="35" name="Graphic 34" descr="Paperclip">
-            <a:extLst>
-              <a:ext uri="{FF2B5EF4-FFF2-40B4-BE49-F238E27FC236}">
-                <a16:creationId xmlns:a16="http://schemas.microsoft.com/office/drawing/2014/main" id="{FAE7C0E3-D40A-4593-8528-4B9550379DDD}"/>
-              </a:ext>
-            </a:extLst>
-          </p:cNvPr>
-          <p:cNvPicPr>
-            <a:picLocks noChangeAspect="1"/>
-          </p:cNvPicPr>
-          <p:nvPr/>
-        </p:nvPicPr>
-        <p:blipFill>
-          <a:blip r:embed="rId5">
-            <a:extLst>
-              <a:ext uri="{28A0092B-C50C-407E-A947-70E740481C1C}">
-                <a14:useLocalDpi xmlns:a14="http://schemas.microsoft.com/office/drawing/2010/main" val="0"/>
-              </a:ext>
-              <a:ext uri="{96DAC541-7B7A-43D3-8B79-37D633B846F1}">
-                <asvg:svgBlip xmlns:asvg="http://schemas.microsoft.com/office/drawing/2016/SVG/main" r:embed="rId6"/>
-              </a:ext>
-            </a:extLst>
-          </a:blip>
-          <a:stretch>
-            <a:fillRect/>
-          </a:stretch>
-        </p:blipFill>
-        <p:spPr>
-          <a:xfrm>
-            <a:off x="1662486" y="4524203"/>
-            <a:ext cx="243840" cy="243840"/>
-          </a:xfrm>
-          <a:prstGeom prst="rect">
-            <a:avLst/>
-          </a:prstGeom>
-        </p:spPr>
-      </p:pic>
     </p:spTree>
     <p:extLst>
       <p:ext uri="{BB962C8B-B14F-4D97-AF65-F5344CB8AC3E}">
@@ -13184,7 +13159,7 @@
             </a:pPr>
             <a:r>
               <a:rPr lang="en-US" dirty="0"/>
-              <a:t>Click      to copy App UID to clipboard</a:t>
+              <a:t>Click      to copy Device UID to clipboard</a:t>
             </a:r>
           </a:p>
           <a:p>
@@ -13846,7 +13821,10 @@
             <a:pPr marL="342900" indent="-342900">
               <a:buAutoNum type="arabicPeriod"/>
             </a:pPr>
-            <a:endParaRPr lang="en-US" dirty="0"/>
+            <a:r>
+              <a:rPr lang="en-US" dirty="0"/>
+              <a:t>Press CTRL-C to exit interactive mode</a:t>
+            </a:r>
           </a:p>
           <a:p>
             <a:pPr marL="342900" indent="-342900">
@@ -14161,7 +14139,7 @@
             </a:r>
             <a:r>
               <a:rPr lang="en-US" dirty="0"/>
-              <a:t>&gt; in the command with your specific, app </a:t>
+              <a:t>&gt; in the command with your specific, product </a:t>
             </a:r>
             <a:r>
               <a:rPr lang="en-US" dirty="0" err="1"/>
@@ -14218,7 +14196,7 @@
             <p:ph idx="1"/>
             <p:extLst>
               <p:ext uri="{D42A27DB-BD31-4B8C-83A1-F6EECF244321}">
-                <p14:modId xmlns:p14="http://schemas.microsoft.com/office/powerpoint/2010/main" val="264568411"/>
+                <p14:modId xmlns:p14="http://schemas.microsoft.com/office/powerpoint/2010/main" val="4018759279"/>
               </p:ext>
             </p:extLst>
           </p:nvPr>
@@ -14241,14 +14219,14 @@
                     </a:ext>
                   </a:extLst>
                 </a:gridCol>
-                <a:gridCol w="2080592">
+                <a:gridCol w="2373947">
                   <a:extLst>
                     <a:ext uri="{9D8B030D-6E8A-4147-A177-3AD203B41FA5}">
                       <a16:colId xmlns:a16="http://schemas.microsoft.com/office/drawing/2014/main" val="1529368550"/>
                     </a:ext>
                   </a:extLst>
                 </a:gridCol>
-                <a:gridCol w="2971179">
+                <a:gridCol w="2677824">
                   <a:extLst>
                     <a:ext uri="{9D8B030D-6E8A-4147-A177-3AD203B41FA5}">
                       <a16:colId xmlns:a16="http://schemas.microsoft.com/office/drawing/2014/main" val="1662634098"/>
@@ -14311,7 +14289,7 @@
                       </a:r>
                       <a:r>
                         <a:rPr lang="en-US" sz="1100" dirty="0" err="1"/>
-                        <a:t>app_uid</a:t>
+                        <a:t>product_uid</a:t>
                       </a:r>
                       <a:r>
                         <a:rPr lang="en-US" sz="1100" dirty="0"/>
@@ -14328,7 +14306,15 @@
                     <a:p>
                       <a:r>
                         <a:rPr lang="en-US" sz="1100" dirty="0"/>
-                        <a:t>App UID</a:t>
+                        <a:t>Product UID identifies which </a:t>
+                      </a:r>
+                      <a:r>
+                        <a:rPr lang="en-US" sz="1100" dirty="0" err="1"/>
+                        <a:t>Notehub</a:t>
+                      </a:r>
+                      <a:r>
+                        <a:rPr lang="en-US" sz="1100" dirty="0"/>
+                        <a:t> project to append a notefile</a:t>
                       </a:r>
                     </a:p>
                   </a:txBody>
@@ -14340,8 +14326,8 @@
                     <a:lstStyle/>
                     <a:p>
                       <a:r>
-                        <a:rPr lang="en-US" sz="900" dirty="0"/>
-                        <a:t>app:d8edc5cc-c7d7-48ef-aeda-7147b884111a</a:t>
+                        <a:rPr lang="en-US" sz="900" dirty="0" err="1"/>
+                        <a:t>com.mycompany.mygroup.myproject</a:t>
                       </a:r>
                       <a:endParaRPr lang="en-US" sz="900" dirty="0">
                         <a:latin typeface="Consolas" panose="020B0609020204030204" pitchFamily="49" charset="0"/>
@@ -14611,7 +14597,7 @@
               <a:rPr lang="en-US" sz="900" dirty="0" err="1">
                 <a:latin typeface="Consolas" panose="020B0609020204030204" pitchFamily="49" charset="0"/>
               </a:rPr>
-              <a:t>req?project</a:t>
+              <a:t>req?product</a:t>
             </a:r>
             <a:r>
               <a:rPr lang="en-US" sz="900" dirty="0">
@@ -14629,7 +14615,7 @@
               <a:rPr lang="en-US" sz="900" b="1" dirty="0" err="1">
                 <a:latin typeface="Consolas" panose="020B0609020204030204" pitchFamily="49" charset="0"/>
               </a:rPr>
-              <a:t>app_uid</a:t>
+              <a:t>product_uid</a:t>
             </a:r>
             <a:r>
               <a:rPr lang="en-US" sz="900" b="1" dirty="0">
@@ -14745,7 +14731,7 @@
         <p:spPr>
           <a:xfrm>
             <a:off x="5183188" y="4204252"/>
-            <a:ext cx="5475977" cy="369332"/>
+            <a:ext cx="5475977" cy="507831"/>
           </a:xfrm>
           <a:prstGeom prst="rect">
             <a:avLst/>
@@ -14781,7 +14767,7 @@
               <a:rPr lang="en-US" sz="900" dirty="0" err="1">
                 <a:latin typeface="Consolas" panose="020B0609020204030204" pitchFamily="49" charset="0"/>
               </a:rPr>
-              <a:t>req?project</a:t>
+              <a:t>req?product</a:t>
             </a:r>
             <a:r>
               <a:rPr lang="en-US" sz="900" dirty="0">
@@ -14799,7 +14785,7 @@
               <a:rPr lang="en-US" sz="900" b="1" dirty="0" err="1">
                 <a:latin typeface="Consolas" panose="020B0609020204030204" pitchFamily="49" charset="0"/>
               </a:rPr>
-              <a:t>app_uid</a:t>
+              <a:t>product_uid</a:t>
             </a:r>
             <a:r>
               <a:rPr lang="en-US" sz="900" b="1" dirty="0">
@@ -15339,6 +15325,11 @@
           </p:cNvGraphicFramePr>
           <p:nvPr>
             <p:ph idx="1"/>
+            <p:extLst>
+              <p:ext uri="{D42A27DB-BD31-4B8C-83A1-F6EECF244321}">
+                <p14:modId xmlns:p14="http://schemas.microsoft.com/office/powerpoint/2010/main" val="328304792"/>
+              </p:ext>
+            </p:extLst>
           </p:nvPr>
         </p:nvGraphicFramePr>
         <p:xfrm>
@@ -15359,14 +15350,14 @@
                     </a:ext>
                   </a:extLst>
                 </a:gridCol>
-                <a:gridCol w="2080592">
+                <a:gridCol w="2350856">
                   <a:extLst>
                     <a:ext uri="{9D8B030D-6E8A-4147-A177-3AD203B41FA5}">
                       <a16:colId xmlns:a16="http://schemas.microsoft.com/office/drawing/2014/main" val="1529368550"/>
                     </a:ext>
                   </a:extLst>
                 </a:gridCol>
-                <a:gridCol w="2971179">
+                <a:gridCol w="2700915">
                   <a:extLst>
                     <a:ext uri="{9D8B030D-6E8A-4147-A177-3AD203B41FA5}">
                       <a16:colId xmlns:a16="http://schemas.microsoft.com/office/drawing/2014/main" val="1662634098"/>
@@ -15429,7 +15420,7 @@
                       </a:r>
                       <a:r>
                         <a:rPr lang="en-US" sz="1100" dirty="0" err="1"/>
-                        <a:t>app_uid</a:t>
+                        <a:t>product_uid</a:t>
                       </a:r>
                       <a:r>
                         <a:rPr lang="en-US" sz="1100" dirty="0"/>
@@ -15446,7 +15437,15 @@
                     <a:p>
                       <a:r>
                         <a:rPr lang="en-US" sz="1100" dirty="0"/>
-                        <a:t>App UID</a:t>
+                        <a:t>Product UID identifies which </a:t>
+                      </a:r>
+                      <a:r>
+                        <a:rPr lang="en-US" sz="1100" dirty="0" err="1"/>
+                        <a:t>Notehub</a:t>
+                      </a:r>
+                      <a:r>
+                        <a:rPr lang="en-US" sz="1100" dirty="0"/>
+                        <a:t> project to append a notefile</a:t>
                       </a:r>
                     </a:p>
                   </a:txBody>
@@ -15458,8 +15457,8 @@
                     <a:lstStyle/>
                     <a:p>
                       <a:r>
-                        <a:rPr lang="en-US" sz="900" dirty="0"/>
-                        <a:t>app:d8edc5cc-c7d7-48ef-aeda-7147b884111a</a:t>
+                        <a:rPr lang="en-US" sz="900" dirty="0" err="1"/>
+                        <a:t>com.mycompany.mygroup.myproject</a:t>
                       </a:r>
                       <a:endParaRPr lang="en-US" sz="900" dirty="0">
                         <a:latin typeface="Consolas" panose="020B0609020204030204" pitchFamily="49" charset="0"/>
@@ -15693,7 +15692,7 @@
           <p:nvPr>
             <p:extLst>
               <p:ext uri="{D42A27DB-BD31-4B8C-83A1-F6EECF244321}">
-                <p14:modId xmlns:p14="http://schemas.microsoft.com/office/powerpoint/2010/main" val="2615509647"/>
+                <p14:modId xmlns:p14="http://schemas.microsoft.com/office/powerpoint/2010/main" val="4190079548"/>
               </p:ext>
             </p:extLst>
           </p:nvPr>
@@ -15732,7 +15731,7 @@
                     <a:p>
                       <a:r>
                         <a:rPr lang="en-US" sz="1100" dirty="0"/>
-                        <a:t>project</a:t>
+                        <a:t>product</a:t>
                       </a:r>
                       <a:endParaRPr lang="en-US" sz="1100" dirty="0">
                         <a:latin typeface="Consolas" panose="020B0609020204030204" pitchFamily="49" charset="0"/>
@@ -15752,7 +15751,7 @@
                       </a:r>
                       <a:r>
                         <a:rPr lang="en-US" sz="1100" dirty="0" err="1"/>
-                        <a:t>app_uid</a:t>
+                        <a:t>product_uid</a:t>
                       </a:r>
                       <a:r>
                         <a:rPr lang="en-US" sz="1100" dirty="0"/>
@@ -15884,46 +15883,6 @@
         </p:pic>
         <p:pic>
           <p:nvPicPr>
-            <p:cNvPr id="5" name="Picture 4">
-              <a:extLst>
-                <a:ext uri="{FF2B5EF4-FFF2-40B4-BE49-F238E27FC236}">
-                  <a16:creationId xmlns:a16="http://schemas.microsoft.com/office/drawing/2014/main" id="{021044F7-076E-46B0-BF4C-3E7C3DE1600B}"/>
-                </a:ext>
-              </a:extLst>
-            </p:cNvPr>
-            <p:cNvPicPr>
-              <a:picLocks noChangeAspect="1"/>
-            </p:cNvPicPr>
-            <p:nvPr/>
-          </p:nvPicPr>
-          <p:blipFill>
-            <a:blip r:embed="rId3"/>
-            <a:stretch>
-              <a:fillRect/>
-            </a:stretch>
-          </p:blipFill>
-          <p:spPr>
-            <a:xfrm>
-              <a:off x="5183188" y="4102382"/>
-              <a:ext cx="4686541" cy="1587582"/>
-            </a:xfrm>
-            <a:prstGeom prst="rect">
-              <a:avLst/>
-            </a:prstGeom>
-            <a:ln>
-              <a:noFill/>
-            </a:ln>
-            <a:effectLst>
-              <a:outerShdw blurRad="190500" algn="tl" rotWithShape="0">
-                <a:srgbClr val="000000">
-                  <a:alpha val="70000"/>
-                </a:srgbClr>
-              </a:outerShdw>
-            </a:effectLst>
-          </p:spPr>
-        </p:pic>
-        <p:pic>
-          <p:nvPicPr>
             <p:cNvPr id="17" name="Picture 16">
               <a:extLst>
                 <a:ext uri="{FF2B5EF4-FFF2-40B4-BE49-F238E27FC236}">
@@ -15937,7 +15896,7 @@
             <p:nvPr/>
           </p:nvPicPr>
           <p:blipFill rotWithShape="1">
-            <a:blip r:embed="rId4"/>
+            <a:blip r:embed="rId3"/>
             <a:srcRect t="9970" r="1588" b="26853"/>
             <a:stretch/>
           </p:blipFill>
@@ -16013,6 +15972,144 @@
       </p:sp>
       <p:sp>
         <p:nvSpPr>
+          <p:cNvPr id="23" name="Oval 22">
+            <a:extLst>
+              <a:ext uri="{FF2B5EF4-FFF2-40B4-BE49-F238E27FC236}">
+                <a16:creationId xmlns:a16="http://schemas.microsoft.com/office/drawing/2014/main" id="{7F058A7F-221F-430A-99D0-0B1CD4D10915}"/>
+              </a:ext>
+            </a:extLst>
+          </p:cNvPr>
+          <p:cNvSpPr/>
+          <p:nvPr/>
+        </p:nvSpPr>
+        <p:spPr>
+          <a:xfrm>
+            <a:off x="8697967" y="5594668"/>
+            <a:ext cx="274320" cy="274320"/>
+          </a:xfrm>
+          <a:prstGeom prst="ellipse">
+            <a:avLst/>
+          </a:prstGeom>
+        </p:spPr>
+        <p:style>
+          <a:lnRef idx="2">
+            <a:schemeClr val="accent6">
+              <a:shade val="50000"/>
+            </a:schemeClr>
+          </a:lnRef>
+          <a:fillRef idx="1">
+            <a:schemeClr val="accent6"/>
+          </a:fillRef>
+          <a:effectRef idx="0">
+            <a:schemeClr val="accent6"/>
+          </a:effectRef>
+          <a:fontRef idx="minor">
+            <a:schemeClr val="lt1"/>
+          </a:fontRef>
+        </p:style>
+        <p:txBody>
+          <a:bodyPr rtlCol="0" anchor="ctr"/>
+          <a:lstStyle/>
+          <a:p>
+            <a:pPr algn="ctr"/>
+            <a:r>
+              <a:rPr lang="en-US" dirty="0"/>
+              <a:t>4</a:t>
+            </a:r>
+          </a:p>
+        </p:txBody>
+      </p:sp>
+      <p:sp>
+        <p:nvSpPr>
+          <p:cNvPr id="24" name="Oval 23">
+            <a:extLst>
+              <a:ext uri="{FF2B5EF4-FFF2-40B4-BE49-F238E27FC236}">
+                <a16:creationId xmlns:a16="http://schemas.microsoft.com/office/drawing/2014/main" id="{B5652A44-2AD6-463F-A934-75233CFE1903}"/>
+              </a:ext>
+            </a:extLst>
+          </p:cNvPr>
+          <p:cNvSpPr/>
+          <p:nvPr/>
+        </p:nvSpPr>
+        <p:spPr>
+          <a:xfrm>
+            <a:off x="9764945" y="6092201"/>
+            <a:ext cx="274320" cy="274320"/>
+          </a:xfrm>
+          <a:prstGeom prst="ellipse">
+            <a:avLst/>
+          </a:prstGeom>
+        </p:spPr>
+        <p:style>
+          <a:lnRef idx="2">
+            <a:schemeClr val="accent6">
+              <a:shade val="50000"/>
+            </a:schemeClr>
+          </a:lnRef>
+          <a:fillRef idx="1">
+            <a:schemeClr val="accent6"/>
+          </a:fillRef>
+          <a:effectRef idx="0">
+            <a:schemeClr val="accent6"/>
+          </a:effectRef>
+          <a:fontRef idx="minor">
+            <a:schemeClr val="lt1"/>
+          </a:fontRef>
+        </p:style>
+        <p:txBody>
+          <a:bodyPr rtlCol="0" anchor="ctr"/>
+          <a:lstStyle/>
+          <a:p>
+            <a:pPr algn="ctr"/>
+            <a:r>
+              <a:rPr lang="en-US" dirty="0"/>
+              <a:t>5</a:t>
+            </a:r>
+          </a:p>
+        </p:txBody>
+      </p:sp>
+      <p:pic>
+        <p:nvPicPr>
+          <p:cNvPr id="3" name="Picture 2">
+            <a:extLst>
+              <a:ext uri="{FF2B5EF4-FFF2-40B4-BE49-F238E27FC236}">
+                <a16:creationId xmlns:a16="http://schemas.microsoft.com/office/drawing/2014/main" id="{795072B0-482D-473B-9E81-2BB1D450FCD6}"/>
+              </a:ext>
+            </a:extLst>
+          </p:cNvPr>
+          <p:cNvPicPr>
+            <a:picLocks noChangeAspect="1"/>
+          </p:cNvPicPr>
+          <p:nvPr/>
+        </p:nvPicPr>
+        <p:blipFill>
+          <a:blip r:embed="rId4"/>
+          <a:stretch>
+            <a:fillRect/>
+          </a:stretch>
+        </p:blipFill>
+        <p:spPr>
+          <a:xfrm>
+            <a:off x="5183188" y="3835684"/>
+            <a:ext cx="4578585" cy="1511378"/>
+          </a:xfrm>
+          <a:prstGeom prst="rect">
+            <a:avLst/>
+          </a:prstGeom>
+          <a:ln>
+            <a:noFill/>
+          </a:ln>
+          <a:effectLst>
+            <a:outerShdw blurRad="190500" algn="tl" rotWithShape="0">
+              <a:srgbClr val="000000">
+                <a:alpha val="70000"/>
+              </a:srgbClr>
+            </a:outerShdw>
+          </a:effectLst>
+        </p:spPr>
+      </p:pic>
+      <p:sp>
+        <p:nvSpPr>
           <p:cNvPr id="22" name="Oval 21">
             <a:extLst>
               <a:ext uri="{FF2B5EF4-FFF2-40B4-BE49-F238E27FC236}">
@@ -16056,104 +16153,6 @@
             <a:r>
               <a:rPr lang="en-US" dirty="0"/>
               <a:t>3</a:t>
-            </a:r>
-          </a:p>
-        </p:txBody>
-      </p:sp>
-      <p:sp>
-        <p:nvSpPr>
-          <p:cNvPr id="23" name="Oval 22">
-            <a:extLst>
-              <a:ext uri="{FF2B5EF4-FFF2-40B4-BE49-F238E27FC236}">
-                <a16:creationId xmlns:a16="http://schemas.microsoft.com/office/drawing/2014/main" id="{7F058A7F-221F-430A-99D0-0B1CD4D10915}"/>
-              </a:ext>
-            </a:extLst>
-          </p:cNvPr>
-          <p:cNvSpPr/>
-          <p:nvPr/>
-        </p:nvSpPr>
-        <p:spPr>
-          <a:xfrm>
-            <a:off x="8697967" y="5594668"/>
-            <a:ext cx="274320" cy="274320"/>
-          </a:xfrm>
-          <a:prstGeom prst="ellipse">
-            <a:avLst/>
-          </a:prstGeom>
-        </p:spPr>
-        <p:style>
-          <a:lnRef idx="2">
-            <a:schemeClr val="accent6">
-              <a:shade val="50000"/>
-            </a:schemeClr>
-          </a:lnRef>
-          <a:fillRef idx="1">
-            <a:schemeClr val="accent6"/>
-          </a:fillRef>
-          <a:effectRef idx="0">
-            <a:schemeClr val="accent6"/>
-          </a:effectRef>
-          <a:fontRef idx="minor">
-            <a:schemeClr val="lt1"/>
-          </a:fontRef>
-        </p:style>
-        <p:txBody>
-          <a:bodyPr rtlCol="0" anchor="ctr"/>
-          <a:lstStyle/>
-          <a:p>
-            <a:pPr algn="ctr"/>
-            <a:r>
-              <a:rPr lang="en-US" dirty="0"/>
-              <a:t>4</a:t>
-            </a:r>
-          </a:p>
-        </p:txBody>
-      </p:sp>
-      <p:sp>
-        <p:nvSpPr>
-          <p:cNvPr id="24" name="Oval 23">
-            <a:extLst>
-              <a:ext uri="{FF2B5EF4-FFF2-40B4-BE49-F238E27FC236}">
-                <a16:creationId xmlns:a16="http://schemas.microsoft.com/office/drawing/2014/main" id="{B5652A44-2AD6-463F-A934-75233CFE1903}"/>
-              </a:ext>
-            </a:extLst>
-          </p:cNvPr>
-          <p:cNvSpPr/>
-          <p:nvPr/>
-        </p:nvSpPr>
-        <p:spPr>
-          <a:xfrm>
-            <a:off x="9764945" y="6092201"/>
-            <a:ext cx="274320" cy="274320"/>
-          </a:xfrm>
-          <a:prstGeom prst="ellipse">
-            <a:avLst/>
-          </a:prstGeom>
-        </p:spPr>
-        <p:style>
-          <a:lnRef idx="2">
-            <a:schemeClr val="accent6">
-              <a:shade val="50000"/>
-            </a:schemeClr>
-          </a:lnRef>
-          <a:fillRef idx="1">
-            <a:schemeClr val="accent6"/>
-          </a:fillRef>
-          <a:effectRef idx="0">
-            <a:schemeClr val="accent6"/>
-          </a:effectRef>
-          <a:fontRef idx="minor">
-            <a:schemeClr val="lt1"/>
-          </a:fontRef>
-        </p:style>
-        <p:txBody>
-          <a:bodyPr rtlCol="0" anchor="ctr"/>
-          <a:lstStyle/>
-          <a:p>
-            <a:pPr algn="ctr"/>
-            <a:r>
-              <a:rPr lang="en-US" dirty="0"/>
-              <a:t>5</a:t>
             </a:r>
           </a:p>
         </p:txBody>
@@ -16307,7 +16306,7 @@
                     <a:lstStyle/>
                     <a:p>
                       <a:r>
-                        <a:rPr lang="en-US" sz="1400" b="0" cap="all" spc="150">
+                        <a:rPr lang="en-US" sz="1400" b="0" cap="all" spc="150" dirty="0">
                           <a:solidFill>
                             <a:schemeClr val="lt1"/>
                           </a:solidFill>
@@ -16548,7 +16547,7 @@
                     <a:lstStyle/>
                     <a:p>
                       <a:r>
-                        <a:rPr lang="en-US" sz="1200" cap="none" spc="0">
+                        <a:rPr lang="en-US" sz="1200" cap="none" spc="0" dirty="0">
                           <a:solidFill>
                             <a:schemeClr val="tx1"/>
                           </a:solidFill>
@@ -16558,7 +16557,7 @@
                     </a:p>
                     <a:p>
                       <a:r>
-                        <a:rPr lang="en-US" sz="1200" cap="none" spc="0">
+                        <a:rPr lang="en-US" sz="1200" cap="none" spc="0" dirty="0">
                           <a:solidFill>
                             <a:schemeClr val="tx1"/>
                           </a:solidFill>
@@ -16568,7 +16567,7 @@
                     </a:p>
                     <a:p>
                       <a:r>
-                        <a:rPr lang="en-US" sz="1200" cap="none" spc="0">
+                        <a:rPr lang="en-US" sz="1200" cap="none" spc="0" dirty="0">
                           <a:solidFill>
                             <a:schemeClr val="tx1"/>
                           </a:solidFill>
@@ -16578,7 +16577,7 @@
                     </a:p>
                     <a:p>
                       <a:r>
-                        <a:rPr lang="en-US" sz="1200" cap="none" spc="0">
+                        <a:rPr lang="en-US" sz="1200" cap="none" spc="0" dirty="0">
                           <a:solidFill>
                             <a:schemeClr val="tx1"/>
                           </a:solidFill>
@@ -16753,7 +16752,7 @@
                     <a:lstStyle/>
                     <a:p>
                       <a:r>
-                        <a:rPr lang="en-US" sz="1200" cap="none" spc="0">
+                        <a:rPr lang="en-US" sz="1200" cap="none" spc="0" dirty="0">
                           <a:solidFill>
                             <a:schemeClr val="tx1"/>
                           </a:solidFill>
@@ -16763,7 +16762,7 @@
                     </a:p>
                     <a:p>
                       <a:r>
-                        <a:rPr lang="en-US" sz="1200" cap="none" spc="0">
+                        <a:rPr lang="en-US" sz="1200" cap="none" spc="0" dirty="0">
                           <a:solidFill>
                             <a:schemeClr val="tx1"/>
                           </a:solidFill>
@@ -16773,7 +16772,7 @@
                     </a:p>
                     <a:p>
                       <a:r>
-                        <a:rPr lang="en-US" sz="1200" cap="none" spc="0">
+                        <a:rPr lang="en-US" sz="1200" cap="none" spc="0" dirty="0">
                           <a:solidFill>
                             <a:schemeClr val="tx1"/>
                           </a:solidFill>
